--- a/docs/HomeworkCrawler.pptx
+++ b/docs/HomeworkCrawler.pptx
@@ -6,11 +6,18 @@
   </p:sldMasterIdLst>
   <p:sldIdLst>
     <p:sldId id="256" r:id="rId2"/>
-    <p:sldId id="257" r:id="rId3"/>
-    <p:sldId id="258" r:id="rId4"/>
-    <p:sldId id="259" r:id="rId5"/>
-    <p:sldId id="260" r:id="rId6"/>
-    <p:sldId id="261" r:id="rId7"/>
+    <p:sldId id="264" r:id="rId3"/>
+    <p:sldId id="265" r:id="rId4"/>
+    <p:sldId id="268" r:id="rId5"/>
+    <p:sldId id="266" r:id="rId6"/>
+    <p:sldId id="267" r:id="rId7"/>
+    <p:sldId id="257" r:id="rId8"/>
+    <p:sldId id="258" r:id="rId9"/>
+    <p:sldId id="262" r:id="rId10"/>
+    <p:sldId id="260" r:id="rId11"/>
+    <p:sldId id="259" r:id="rId12"/>
+    <p:sldId id="261" r:id="rId13"/>
+    <p:sldId id="263" r:id="rId14"/>
   </p:sldIdLst>
   <p:sldSz cx="9144000" cy="6858000" type="screen4x3"/>
   <p:notesSz cx="6858000" cy="9144000"/>
@@ -534,7 +541,7 @@
           <a:p>
             <a:fld id="{98F3FB35-C343-48D0-B8D3-5ED2C69C53EF}" type="datetimeFigureOut">
               <a:rPr lang="en-US" smtClean="0"/>
-              <a:t>10/21/2018</a:t>
+              <a:t>11/5/2019</a:t>
             </a:fld>
             <a:endParaRPr lang="en-US"/>
           </a:p>
@@ -746,7 +753,7 @@
           <a:p>
             <a:fld id="{98F3FB35-C343-48D0-B8D3-5ED2C69C53EF}" type="datetimeFigureOut">
               <a:rPr lang="en-US" smtClean="0"/>
-              <a:t>10/21/2018</a:t>
+              <a:t>11/5/2019</a:t>
             </a:fld>
             <a:endParaRPr lang="en-US"/>
           </a:p>
@@ -933,7 +940,7 @@
           <a:p>
             <a:fld id="{98F3FB35-C343-48D0-B8D3-5ED2C69C53EF}" type="datetimeFigureOut">
               <a:rPr lang="en-US" smtClean="0"/>
-              <a:t>10/21/2018</a:t>
+              <a:t>11/5/2019</a:t>
             </a:fld>
             <a:endParaRPr lang="en-US"/>
           </a:p>
@@ -1030,7 +1037,7 @@
           <a:p>
             <a:fld id="{98F3FB35-C343-48D0-B8D3-5ED2C69C53EF}" type="datetimeFigureOut">
               <a:rPr lang="en-US" smtClean="0"/>
-              <a:t>10/21/2018</a:t>
+              <a:t>11/5/2019</a:t>
             </a:fld>
             <a:endParaRPr lang="en-US"/>
           </a:p>
@@ -1626,7 +1633,7 @@
           <a:p>
             <a:fld id="{98F3FB35-C343-48D0-B8D3-5ED2C69C53EF}" type="datetimeFigureOut">
               <a:rPr lang="en-US" smtClean="0"/>
-              <a:t>10/21/2018</a:t>
+              <a:t>11/5/2019</a:t>
             </a:fld>
             <a:endParaRPr lang="en-US"/>
           </a:p>
@@ -1723,7 +1730,7 @@
           <a:p>
             <a:fld id="{98F3FB35-C343-48D0-B8D3-5ED2C69C53EF}" type="datetimeFigureOut">
               <a:rPr lang="en-US" smtClean="0"/>
-              <a:t>10/21/2018</a:t>
+              <a:t>11/5/2019</a:t>
             </a:fld>
             <a:endParaRPr lang="en-US"/>
           </a:p>
@@ -2328,7 +2335,7 @@
           <a:p>
             <a:fld id="{98F3FB35-C343-48D0-B8D3-5ED2C69C53EF}" type="datetimeFigureOut">
               <a:rPr lang="en-US" smtClean="0"/>
-              <a:t>10/21/2018</a:t>
+              <a:t>11/5/2019</a:t>
             </a:fld>
             <a:endParaRPr lang="en-US"/>
           </a:p>
@@ -2471,7 +2478,7 @@
           <a:p>
             <a:fld id="{98F3FB35-C343-48D0-B8D3-5ED2C69C53EF}" type="datetimeFigureOut">
               <a:rPr lang="en-US" smtClean="0"/>
-              <a:t>10/21/2018</a:t>
+              <a:t>11/5/2019</a:t>
             </a:fld>
             <a:endParaRPr lang="en-US"/>
           </a:p>
@@ -2568,7 +2575,7 @@
           <a:p>
             <a:fld id="{98F3FB35-C343-48D0-B8D3-5ED2C69C53EF}" type="datetimeFigureOut">
               <a:rPr lang="en-US" smtClean="0"/>
-              <a:t>10/21/2018</a:t>
+              <a:t>11/5/2019</a:t>
             </a:fld>
             <a:endParaRPr lang="en-US"/>
           </a:p>
@@ -2852,7 +2859,7 @@
           <a:p>
             <a:fld id="{98F3FB35-C343-48D0-B8D3-5ED2C69C53EF}" type="datetimeFigureOut">
               <a:rPr lang="en-US" smtClean="0"/>
-              <a:t>10/21/2018</a:t>
+              <a:t>11/5/2019</a:t>
             </a:fld>
             <a:endParaRPr lang="en-US"/>
           </a:p>
@@ -3374,7 +3381,7 @@
           <a:p>
             <a:fld id="{98F3FB35-C343-48D0-B8D3-5ED2C69C53EF}" type="datetimeFigureOut">
               <a:rPr lang="en-US" smtClean="0"/>
-              <a:t>10/21/2018</a:t>
+              <a:t>11/5/2019</a:t>
             </a:fld>
             <a:endParaRPr lang="en-US"/>
           </a:p>
@@ -3894,7 +3901,7 @@
           <a:p>
             <a:fld id="{98F3FB35-C343-48D0-B8D3-5ED2C69C53EF}" type="datetimeFigureOut">
               <a:rPr lang="en-US" smtClean="0"/>
-              <a:t>10/21/2018</a:t>
+              <a:t>11/5/2019</a:t>
             </a:fld>
             <a:endParaRPr lang="en-US"/>
           </a:p>
@@ -4475,34 +4482,1938 @@
         </p:nvSpPr>
         <p:spPr>
           <a:xfrm>
-            <a:off x="1676400" y="762000"/>
-            <a:ext cx="5637010" cy="882119"/>
-          </a:xfrm>
-        </p:spPr>
-        <p:txBody>
-          <a:bodyPr/>
+            <a:off x="1749628" y="685800"/>
+            <a:ext cx="5637010" cy="1752600"/>
+          </a:xfrm>
+        </p:spPr>
+        <p:txBody>
+          <a:bodyPr>
+            <a:noAutofit/>
+          </a:bodyPr>
           <a:lstStyle/>
           <a:p>
             <a:pPr algn="ctr"/>
             <a:r>
-              <a:rPr lang="en-US" dirty="0" smtClean="0"/>
+              <a:rPr lang="en-US" sz="3200" dirty="0" smtClean="0"/>
               <a:t>Valley Christian HS</a:t>
             </a:r>
           </a:p>
           <a:p>
             <a:pPr algn="ctr"/>
             <a:r>
-              <a:rPr lang="en-US" dirty="0" smtClean="0"/>
+              <a:rPr lang="en-US" sz="3200" dirty="0" smtClean="0"/>
               <a:t>Student Portal Homework Crawler</a:t>
             </a:r>
-            <a:endParaRPr lang="en-US" dirty="0"/>
-          </a:p>
-        </p:txBody>
-      </p:sp>
+            <a:endParaRPr lang="en-US" sz="3200" dirty="0"/>
+          </a:p>
+        </p:txBody>
+      </p:sp>
+      <p:pic>
+        <p:nvPicPr>
+          <p:cNvPr id="1026" name="Picture 2"/>
+          <p:cNvPicPr>
+            <a:picLocks noChangeAspect="1" noChangeArrowheads="1"/>
+          </p:cNvPicPr>
+          <p:nvPr/>
+        </p:nvPicPr>
+        <p:blipFill>
+          <a:blip r:embed="rId2">
+            <a:extLst>
+              <a:ext uri="{28A0092B-C50C-407E-A947-70E740481C1C}">
+                <a14:useLocalDpi xmlns:a14="http://schemas.microsoft.com/office/drawing/2010/main" val="0"/>
+              </a:ext>
+            </a:extLst>
+          </a:blip>
+          <a:srcRect/>
+          <a:stretch>
+            <a:fillRect/>
+          </a:stretch>
+        </p:blipFill>
+        <p:spPr bwMode="auto">
+          <a:xfrm>
+            <a:off x="1757363" y="2819400"/>
+            <a:ext cx="5629275" cy="3533775"/>
+          </a:xfrm>
+          <a:prstGeom prst="rect">
+            <a:avLst/>
+          </a:prstGeom>
+          <a:noFill/>
+          <a:ln>
+            <a:noFill/>
+          </a:ln>
+          <a:extLst>
+            <a:ext uri="{909E8E84-426E-40DD-AFC4-6F175D3DCCD1}">
+              <a14:hiddenFill xmlns:a14="http://schemas.microsoft.com/office/drawing/2010/main">
+                <a:solidFill>
+                  <a:schemeClr val="accent1"/>
+                </a:solidFill>
+              </a14:hiddenFill>
+            </a:ext>
+            <a:ext uri="{91240B29-F687-4F45-9708-019B960494DF}">
+              <a14:hiddenLine xmlns:a14="http://schemas.microsoft.com/office/drawing/2010/main" w="9525">
+                <a:solidFill>
+                  <a:schemeClr val="tx1"/>
+                </a:solidFill>
+                <a:miter lim="800000"/>
+                <a:headEnd/>
+                <a:tailEnd/>
+              </a14:hiddenLine>
+            </a:ext>
+          </a:extLst>
+        </p:spPr>
+      </p:pic>
     </p:spTree>
     <p:extLst>
       <p:ext uri="{BB962C8B-B14F-4D97-AF65-F5344CB8AC3E}">
         <p14:creationId xmlns:p14="http://schemas.microsoft.com/office/powerpoint/2010/main" val="3842556145"/>
+      </p:ext>
+    </p:extLst>
+  </p:cSld>
+  <p:clrMapOvr>
+    <a:masterClrMapping/>
+  </p:clrMapOvr>
+</p:sld>
+</file>
+
+<file path=ppt/slides/slide10.xml><?xml version="1.0" encoding="utf-8"?>
+<p:sld xmlns:a="http://schemas.openxmlformats.org/drawingml/2006/main" xmlns:r="http://schemas.openxmlformats.org/officeDocument/2006/relationships" xmlns:p="http://schemas.openxmlformats.org/presentationml/2006/main">
+  <p:cSld>
+    <p:spTree>
+      <p:nvGrpSpPr>
+        <p:cNvPr id="1" name=""/>
+        <p:cNvGrpSpPr/>
+        <p:nvPr/>
+      </p:nvGrpSpPr>
+      <p:grpSpPr>
+        <a:xfrm>
+          <a:off x="0" y="0"/>
+          <a:ext cx="0" cy="0"/>
+          <a:chOff x="0" y="0"/>
+          <a:chExt cx="0" cy="0"/>
+        </a:xfrm>
+      </p:grpSpPr>
+      <p:sp>
+        <p:nvSpPr>
+          <p:cNvPr id="2" name="TextBox 1"/>
+          <p:cNvSpPr txBox="1"/>
+          <p:nvPr/>
+        </p:nvSpPr>
+        <p:spPr>
+          <a:xfrm>
+            <a:off x="990600" y="393281"/>
+            <a:ext cx="7109639" cy="461665"/>
+          </a:xfrm>
+          <a:prstGeom prst="rect">
+            <a:avLst/>
+          </a:prstGeom>
+          <a:noFill/>
+        </p:spPr>
+        <p:txBody>
+          <a:bodyPr wrap="none" rtlCol="0">
+            <a:spAutoFit/>
+          </a:bodyPr>
+          <a:lstStyle/>
+          <a:p>
+            <a:r>
+              <a:rPr lang="en-US" sz="2400" dirty="0" smtClean="0"/>
+              <a:t>Detailed what to-do information and links (</a:t>
+            </a:r>
+            <a:r>
+              <a:rPr lang="en-US" sz="2400" dirty="0" err="1" smtClean="0"/>
+              <a:t>con’t</a:t>
+            </a:r>
+            <a:r>
+              <a:rPr lang="en-US" sz="2400" dirty="0" smtClean="0"/>
+              <a:t>) </a:t>
+            </a:r>
+            <a:endParaRPr lang="en-US" sz="2400" dirty="0"/>
+          </a:p>
+        </p:txBody>
+      </p:sp>
+      <p:sp>
+        <p:nvSpPr>
+          <p:cNvPr id="3" name="TextBox 2"/>
+          <p:cNvSpPr txBox="1"/>
+          <p:nvPr/>
+        </p:nvSpPr>
+        <p:spPr>
+          <a:xfrm>
+            <a:off x="406400" y="990600"/>
+            <a:ext cx="8458200" cy="3416320"/>
+          </a:xfrm>
+          <a:prstGeom prst="rect">
+            <a:avLst/>
+          </a:prstGeom>
+          <a:noFill/>
+        </p:spPr>
+        <p:txBody>
+          <a:bodyPr wrap="square" rtlCol="0">
+            <a:spAutoFit/>
+          </a:bodyPr>
+          <a:lstStyle/>
+          <a:p>
+            <a:r>
+              <a:rPr lang="en-US" dirty="0" smtClean="0"/>
+              <a:t>f</a:t>
+            </a:r>
+            <a:r>
+              <a:rPr lang="en-US" dirty="0"/>
+              <a:t>) Install </a:t>
+            </a:r>
+            <a:r>
+              <a:rPr lang="en-US" dirty="0" err="1"/>
+              <a:t>pygsheets</a:t>
+            </a:r>
+            <a:r>
+              <a:rPr lang="en-US" dirty="0"/>
+              <a:t> via </a:t>
+            </a:r>
+            <a:r>
+              <a:rPr lang="en-US" dirty="0" smtClean="0"/>
+              <a:t>'pip install’ </a:t>
+            </a:r>
+            <a:r>
+              <a:rPr lang="en-US" dirty="0">
+                <a:hlinkClick r:id="rId2"/>
+              </a:rPr>
+              <a:t>https://github.com/nithinmurali/pygsheets/archive/master.zip'. Unfortunately, there is no 'pip install </a:t>
+            </a:r>
+            <a:r>
+              <a:rPr lang="en-US" dirty="0" err="1">
+                <a:hlinkClick r:id="rId2"/>
+              </a:rPr>
+              <a:t>pygsheets</a:t>
+            </a:r>
+            <a:r>
+              <a:rPr lang="en-US" dirty="0">
+                <a:hlinkClick r:id="rId2"/>
+              </a:rPr>
+              <a:t>'</a:t>
+            </a:r>
+          </a:p>
+          <a:p>
+            <a:r>
+              <a:rPr lang="en-US" dirty="0"/>
+              <a:t>g</a:t>
+            </a:r>
+            <a:r>
+              <a:rPr lang="en-US" dirty="0" smtClean="0"/>
+              <a:t>) </a:t>
+            </a:r>
+            <a:r>
+              <a:rPr lang="en-US" dirty="0"/>
+              <a:t>Depending upon a previous install of Python, you may have to add these additional libs:</a:t>
+            </a:r>
+          </a:p>
+          <a:p>
+            <a:r>
+              <a:rPr lang="en-US" dirty="0"/>
+              <a:t>     pip install urllib3</a:t>
+            </a:r>
+          </a:p>
+          <a:p>
+            <a:r>
+              <a:rPr lang="en-US" dirty="0"/>
+              <a:t>    pip install --upgrade </a:t>
+            </a:r>
+            <a:r>
+              <a:rPr lang="en-US" dirty="0" err="1"/>
+              <a:t>pyOpenSSL</a:t>
+            </a:r>
+            <a:r>
+              <a:rPr lang="en-US" dirty="0"/>
+              <a:t> </a:t>
+            </a:r>
+            <a:r>
+              <a:rPr lang="en-US" dirty="0" err="1"/>
+              <a:t>ndg-httpsclient</a:t>
+            </a:r>
+            <a:r>
+              <a:rPr lang="en-US" dirty="0"/>
+              <a:t> pyasn1</a:t>
+            </a:r>
+          </a:p>
+          <a:p>
+            <a:r>
+              <a:rPr lang="en-US" dirty="0"/>
+              <a:t>    pip install python-</a:t>
+            </a:r>
+            <a:r>
+              <a:rPr lang="en-US" dirty="0" err="1"/>
+              <a:t>dev</a:t>
+            </a:r>
+            <a:r>
+              <a:rPr lang="en-US" dirty="0"/>
+              <a:t> </a:t>
+            </a:r>
+            <a:r>
+              <a:rPr lang="en-US" dirty="0" err="1"/>
+              <a:t>libffi-dev</a:t>
+            </a:r>
+            <a:r>
+              <a:rPr lang="en-US" dirty="0"/>
+              <a:t> </a:t>
+            </a:r>
+            <a:r>
+              <a:rPr lang="en-US" dirty="0" err="1"/>
+              <a:t>libssl-dev</a:t>
+            </a:r>
+            <a:endParaRPr lang="en-US" dirty="0"/>
+          </a:p>
+          <a:p>
+            <a:r>
+              <a:rPr lang="en-US" dirty="0"/>
+              <a:t>    pip install requests==2.5.3 </a:t>
+            </a:r>
+          </a:p>
+          <a:p>
+            <a:r>
+              <a:rPr lang="en-US" dirty="0"/>
+              <a:t>h) Install </a:t>
+            </a:r>
+            <a:r>
+              <a:rPr lang="en-US" dirty="0" err="1"/>
+              <a:t>pycrypto</a:t>
+            </a:r>
+            <a:r>
+              <a:rPr lang="en-US" dirty="0"/>
+              <a:t> via ‘pip install </a:t>
+            </a:r>
+            <a:r>
+              <a:rPr lang="en-US" dirty="0" err="1"/>
+              <a:t>pycrypto</a:t>
+            </a:r>
+            <a:r>
+              <a:rPr lang="en-US" dirty="0"/>
+              <a:t>’. You might need to build this if issues arise - see previous </a:t>
+            </a:r>
+            <a:r>
+              <a:rPr lang="en-US" dirty="0" smtClean="0"/>
+              <a:t>details in this presentation </a:t>
+            </a:r>
+            <a:r>
+              <a:rPr lang="en-US" dirty="0"/>
+              <a:t>for </a:t>
+            </a:r>
+            <a:r>
+              <a:rPr lang="en-US" dirty="0" smtClean="0"/>
+              <a:t>on </a:t>
+            </a:r>
+            <a:r>
+              <a:rPr lang="en-US" dirty="0"/>
+              <a:t>how to do that.</a:t>
+            </a:r>
+          </a:p>
+          <a:p>
+            <a:endParaRPr lang="en-US" dirty="0"/>
+          </a:p>
+        </p:txBody>
+      </p:sp>
+    </p:spTree>
+    <p:extLst>
+      <p:ext uri="{BB962C8B-B14F-4D97-AF65-F5344CB8AC3E}">
+        <p14:creationId xmlns:p14="http://schemas.microsoft.com/office/powerpoint/2010/main" val="1432932628"/>
+      </p:ext>
+    </p:extLst>
+  </p:cSld>
+  <p:clrMapOvr>
+    <a:masterClrMapping/>
+  </p:clrMapOvr>
+</p:sld>
+</file>
+
+<file path=ppt/slides/slide11.xml><?xml version="1.0" encoding="utf-8"?>
+<p:sld xmlns:a="http://schemas.openxmlformats.org/drawingml/2006/main" xmlns:r="http://schemas.openxmlformats.org/officeDocument/2006/relationships" xmlns:p="http://schemas.openxmlformats.org/presentationml/2006/main">
+  <p:cSld>
+    <p:spTree>
+      <p:nvGrpSpPr>
+        <p:cNvPr id="1" name=""/>
+        <p:cNvGrpSpPr/>
+        <p:nvPr/>
+      </p:nvGrpSpPr>
+      <p:grpSpPr>
+        <a:xfrm>
+          <a:off x="0" y="0"/>
+          <a:ext cx="0" cy="0"/>
+          <a:chOff x="0" y="0"/>
+          <a:chExt cx="0" cy="0"/>
+        </a:xfrm>
+      </p:grpSpPr>
+      <p:sp>
+        <p:nvSpPr>
+          <p:cNvPr id="2" name="TextBox 1"/>
+          <p:cNvSpPr txBox="1"/>
+          <p:nvPr/>
+        </p:nvSpPr>
+        <p:spPr>
+          <a:xfrm>
+            <a:off x="990600" y="422310"/>
+            <a:ext cx="7109639" cy="461665"/>
+          </a:xfrm>
+          <a:prstGeom prst="rect">
+            <a:avLst/>
+          </a:prstGeom>
+          <a:noFill/>
+        </p:spPr>
+        <p:txBody>
+          <a:bodyPr wrap="none" rtlCol="0">
+            <a:spAutoFit/>
+          </a:bodyPr>
+          <a:lstStyle/>
+          <a:p>
+            <a:r>
+              <a:rPr lang="en-US" sz="2400" dirty="0" smtClean="0"/>
+              <a:t>Detailed what to-do information and links (</a:t>
+            </a:r>
+            <a:r>
+              <a:rPr lang="en-US" sz="2400" dirty="0" err="1" smtClean="0"/>
+              <a:t>con’t</a:t>
+            </a:r>
+            <a:r>
+              <a:rPr lang="en-US" sz="2400" dirty="0" smtClean="0"/>
+              <a:t>) </a:t>
+            </a:r>
+            <a:endParaRPr lang="en-US" sz="2400" dirty="0"/>
+          </a:p>
+        </p:txBody>
+      </p:sp>
+      <p:sp>
+        <p:nvSpPr>
+          <p:cNvPr id="3" name="TextBox 2"/>
+          <p:cNvSpPr txBox="1"/>
+          <p:nvPr/>
+        </p:nvSpPr>
+        <p:spPr>
+          <a:xfrm>
+            <a:off x="381000" y="1295400"/>
+            <a:ext cx="8458200" cy="2585323"/>
+          </a:xfrm>
+          <a:prstGeom prst="rect">
+            <a:avLst/>
+          </a:prstGeom>
+          <a:noFill/>
+        </p:spPr>
+        <p:txBody>
+          <a:bodyPr wrap="square" rtlCol="0">
+            <a:spAutoFit/>
+          </a:bodyPr>
+          <a:lstStyle/>
+          <a:p>
+            <a:r>
+              <a:rPr lang="en-US" dirty="0"/>
+              <a:t>4</a:t>
+            </a:r>
+            <a:r>
+              <a:rPr lang="en-US" dirty="0" smtClean="0"/>
+              <a:t>) You will need to get a special “key” from your </a:t>
+            </a:r>
+            <a:r>
+              <a:rPr lang="en-US" dirty="0" err="1" smtClean="0"/>
+              <a:t>gmail</a:t>
+            </a:r>
+            <a:r>
+              <a:rPr lang="en-US" dirty="0" smtClean="0"/>
+              <a:t> account and configure it for the </a:t>
+            </a:r>
+            <a:r>
+              <a:rPr lang="en-US" dirty="0" err="1" smtClean="0"/>
+              <a:t>fill_spreadsheet</a:t>
+            </a:r>
+            <a:r>
+              <a:rPr lang="en-US" dirty="0" smtClean="0"/>
+              <a:t> program. This is the most complicated part of the Homework Crawler setup. It is detailed @ the README.md in the </a:t>
+            </a:r>
+            <a:r>
+              <a:rPr lang="en-US" dirty="0" err="1" smtClean="0"/>
+              <a:t>Google_Spreadsheet_Updater</a:t>
+            </a:r>
+            <a:r>
+              <a:rPr lang="en-US" dirty="0" smtClean="0"/>
+              <a:t> </a:t>
+            </a:r>
+            <a:r>
+              <a:rPr lang="en-US" dirty="0" err="1" smtClean="0"/>
+              <a:t>Git</a:t>
+            </a:r>
+            <a:r>
+              <a:rPr lang="en-US" dirty="0"/>
+              <a:t> project @ </a:t>
+            </a:r>
+            <a:r>
+              <a:rPr lang="en-US" dirty="0">
+                <a:hlinkClick r:id="rId2"/>
+              </a:rPr>
+              <a:t>https://</a:t>
+            </a:r>
+            <a:r>
+              <a:rPr lang="en-US" dirty="0" smtClean="0">
+                <a:hlinkClick r:id="rId2"/>
+              </a:rPr>
+              <a:t>github.com/lhale/Google_Spreadsheet_Updater.git</a:t>
+            </a:r>
+            <a:r>
+              <a:rPr lang="en-US" dirty="0" smtClean="0"/>
+              <a:t> (you should have checked out this project into a suitable area on your PC) and add this location </a:t>
+            </a:r>
+            <a:r>
+              <a:rPr lang="en-US" dirty="0"/>
+              <a:t>to the </a:t>
+            </a:r>
+            <a:r>
+              <a:rPr lang="en-US" dirty="0" err="1"/>
+              <a:t>HomeworkCrawler</a:t>
+            </a:r>
+            <a:r>
+              <a:rPr lang="en-US" dirty="0"/>
+              <a:t> </a:t>
+            </a:r>
+            <a:r>
+              <a:rPr lang="en-US" dirty="0" smtClean="0"/>
+              <a:t>project’s </a:t>
+            </a:r>
+            <a:r>
+              <a:rPr lang="en-US" dirty="0" err="1" smtClean="0"/>
+              <a:t>config</a:t>
+            </a:r>
+            <a:r>
+              <a:rPr lang="en-US" dirty="0" smtClean="0"/>
+              <a:t> file found @ ./resources/</a:t>
+            </a:r>
+            <a:r>
+              <a:rPr lang="en-US" dirty="0" err="1" smtClean="0"/>
+              <a:t>config.properties</a:t>
+            </a:r>
+            <a:r>
+              <a:rPr lang="en-US" dirty="0" smtClean="0"/>
+              <a:t>.</a:t>
+            </a:r>
+          </a:p>
+          <a:p>
+            <a:endParaRPr lang="en-US" dirty="0"/>
+          </a:p>
+        </p:txBody>
+      </p:sp>
+      <p:sp>
+        <p:nvSpPr>
+          <p:cNvPr id="4" name="TextBox 3"/>
+          <p:cNvSpPr txBox="1"/>
+          <p:nvPr/>
+        </p:nvSpPr>
+        <p:spPr>
+          <a:xfrm>
+            <a:off x="413657" y="3869783"/>
+            <a:ext cx="8458200" cy="1477328"/>
+          </a:xfrm>
+          <a:prstGeom prst="rect">
+            <a:avLst/>
+          </a:prstGeom>
+          <a:noFill/>
+        </p:spPr>
+        <p:txBody>
+          <a:bodyPr wrap="square" rtlCol="0">
+            <a:spAutoFit/>
+          </a:bodyPr>
+          <a:lstStyle/>
+          <a:p>
+            <a:r>
+              <a:rPr lang="en-US" dirty="0"/>
+              <a:t>5</a:t>
+            </a:r>
+            <a:r>
+              <a:rPr lang="en-US" dirty="0" smtClean="0"/>
+              <a:t>) It seems to be we may need an installer for the crawler/filler, in order to get this mainstream. Might need to create a Selenium crawler just to orchestrate the installs (hopefully a script can do most of </a:t>
+            </a:r>
+            <a:r>
+              <a:rPr lang="en-US" dirty="0" err="1" smtClean="0"/>
+              <a:t>grabbng</a:t>
+            </a:r>
+            <a:r>
+              <a:rPr lang="en-US" dirty="0" smtClean="0"/>
+              <a:t> the </a:t>
+            </a:r>
+            <a:r>
+              <a:rPr lang="en-US" dirty="0" err="1" smtClean="0"/>
+              <a:t>git</a:t>
+            </a:r>
+            <a:r>
+              <a:rPr lang="en-US" dirty="0" smtClean="0"/>
+              <a:t> project pieces and installing in a common area.</a:t>
+            </a:r>
+          </a:p>
+          <a:p>
+            <a:endParaRPr lang="en-US" dirty="0"/>
+          </a:p>
+        </p:txBody>
+      </p:sp>
+      <p:sp>
+        <p:nvSpPr>
+          <p:cNvPr id="5" name="TextBox 4"/>
+          <p:cNvSpPr txBox="1"/>
+          <p:nvPr/>
+        </p:nvSpPr>
+        <p:spPr>
+          <a:xfrm>
+            <a:off x="402771" y="5334000"/>
+            <a:ext cx="8458200" cy="923330"/>
+          </a:xfrm>
+          <a:prstGeom prst="rect">
+            <a:avLst/>
+          </a:prstGeom>
+          <a:noFill/>
+        </p:spPr>
+        <p:txBody>
+          <a:bodyPr wrap="square" rtlCol="0">
+            <a:spAutoFit/>
+          </a:bodyPr>
+          <a:lstStyle/>
+          <a:p>
+            <a:r>
+              <a:rPr lang="en-US" dirty="0"/>
+              <a:t>6</a:t>
+            </a:r>
+            <a:r>
+              <a:rPr lang="en-US" dirty="0" smtClean="0"/>
+              <a:t>) The ultimate would be a </a:t>
+            </a:r>
+            <a:r>
+              <a:rPr lang="en-US" dirty="0" err="1" smtClean="0"/>
+              <a:t>Saas</a:t>
+            </a:r>
+            <a:r>
+              <a:rPr lang="en-US" dirty="0" smtClean="0"/>
+              <a:t>-style web application available to all VCHS students. </a:t>
+            </a:r>
+          </a:p>
+          <a:p>
+            <a:endParaRPr lang="en-US" dirty="0"/>
+          </a:p>
+        </p:txBody>
+      </p:sp>
+    </p:spTree>
+    <p:extLst>
+      <p:ext uri="{BB962C8B-B14F-4D97-AF65-F5344CB8AC3E}">
+        <p14:creationId xmlns:p14="http://schemas.microsoft.com/office/powerpoint/2010/main" val="5468183"/>
+      </p:ext>
+    </p:extLst>
+  </p:cSld>
+  <p:clrMapOvr>
+    <a:masterClrMapping/>
+  </p:clrMapOvr>
+</p:sld>
+</file>
+
+<file path=ppt/slides/slide12.xml><?xml version="1.0" encoding="utf-8"?>
+<p:sld xmlns:a="http://schemas.openxmlformats.org/drawingml/2006/main" xmlns:r="http://schemas.openxmlformats.org/officeDocument/2006/relationships" xmlns:p="http://schemas.openxmlformats.org/presentationml/2006/main">
+  <p:cSld>
+    <p:spTree>
+      <p:nvGrpSpPr>
+        <p:cNvPr id="1" name=""/>
+        <p:cNvGrpSpPr/>
+        <p:nvPr/>
+      </p:nvGrpSpPr>
+      <p:grpSpPr>
+        <a:xfrm>
+          <a:off x="0" y="0"/>
+          <a:ext cx="0" cy="0"/>
+          <a:chOff x="0" y="0"/>
+          <a:chExt cx="0" cy="0"/>
+        </a:xfrm>
+      </p:grpSpPr>
+      <p:sp>
+        <p:nvSpPr>
+          <p:cNvPr id="2" name="TextBox 1"/>
+          <p:cNvSpPr txBox="1"/>
+          <p:nvPr/>
+        </p:nvSpPr>
+        <p:spPr>
+          <a:xfrm>
+            <a:off x="3505200" y="127945"/>
+            <a:ext cx="1773884" cy="461665"/>
+          </a:xfrm>
+          <a:prstGeom prst="rect">
+            <a:avLst/>
+          </a:prstGeom>
+          <a:noFill/>
+        </p:spPr>
+        <p:txBody>
+          <a:bodyPr wrap="none" rtlCol="0">
+            <a:spAutoFit/>
+          </a:bodyPr>
+          <a:lstStyle/>
+          <a:p>
+            <a:r>
+              <a:rPr lang="en-US" sz="2400" dirty="0" smtClean="0"/>
+              <a:t>APPENDIX A</a:t>
+            </a:r>
+            <a:endParaRPr lang="en-US" sz="2400" dirty="0"/>
+          </a:p>
+        </p:txBody>
+      </p:sp>
+      <p:sp>
+        <p:nvSpPr>
+          <p:cNvPr id="3" name="TextBox 2"/>
+          <p:cNvSpPr txBox="1"/>
+          <p:nvPr/>
+        </p:nvSpPr>
+        <p:spPr>
+          <a:xfrm>
+            <a:off x="152400" y="607252"/>
+            <a:ext cx="8763000" cy="1569660"/>
+          </a:xfrm>
+          <a:prstGeom prst="rect">
+            <a:avLst/>
+          </a:prstGeom>
+          <a:noFill/>
+        </p:spPr>
+        <p:txBody>
+          <a:bodyPr wrap="square" rtlCol="0">
+            <a:spAutoFit/>
+          </a:bodyPr>
+          <a:lstStyle/>
+          <a:p>
+            <a:r>
+              <a:rPr lang="en-US" sz="2400" dirty="0" smtClean="0"/>
+              <a:t>Argument passing from Homework Crawler to </a:t>
+            </a:r>
+            <a:r>
+              <a:rPr lang="en-US" sz="2400" dirty="0" err="1" smtClean="0"/>
+              <a:t>fill_spreadsheet</a:t>
+            </a:r>
+            <a:r>
+              <a:rPr lang="en-US" sz="2400" dirty="0"/>
+              <a:t> </a:t>
+            </a:r>
+            <a:endParaRPr lang="en-US" sz="2400" dirty="0" smtClean="0"/>
+          </a:p>
+          <a:p>
+            <a:r>
+              <a:rPr lang="en-US" dirty="0"/>
+              <a:t>D</a:t>
+            </a:r>
+            <a:r>
+              <a:rPr lang="en-US" dirty="0" smtClean="0"/>
+              <a:t>ue to </a:t>
+            </a:r>
+            <a:r>
+              <a:rPr lang="en-US" dirty="0"/>
+              <a:t>Java runtime </a:t>
+            </a:r>
+            <a:r>
+              <a:rPr lang="en-US" dirty="0" smtClean="0"/>
+              <a:t>limitations in passing arguments to other </a:t>
+            </a:r>
+            <a:r>
+              <a:rPr lang="en-US" dirty="0" err="1" smtClean="0"/>
+              <a:t>executables</a:t>
+            </a:r>
+            <a:r>
+              <a:rPr lang="en-US" dirty="0" smtClean="0"/>
+              <a:t> and access to other directories, a couple of adapters are required to condition the arguments to be correctly consumed. On Windows, Java is only allowed to open &amp; execute a CMD window.</a:t>
+            </a:r>
+            <a:endParaRPr lang="en-US" dirty="0"/>
+          </a:p>
+        </p:txBody>
+      </p:sp>
+      <p:sp>
+        <p:nvSpPr>
+          <p:cNvPr id="4" name="Rounded Rectangle 3"/>
+          <p:cNvSpPr/>
+          <p:nvPr/>
+        </p:nvSpPr>
+        <p:spPr>
+          <a:xfrm>
+            <a:off x="381000" y="2286000"/>
+            <a:ext cx="2286000" cy="881342"/>
+          </a:xfrm>
+          <a:prstGeom prst="roundRect">
+            <a:avLst/>
+          </a:prstGeom>
+          <a:noFill/>
+        </p:spPr>
+        <p:style>
+          <a:lnRef idx="2">
+            <a:schemeClr val="accent1">
+              <a:shade val="50000"/>
+            </a:schemeClr>
+          </a:lnRef>
+          <a:fillRef idx="1">
+            <a:schemeClr val="accent1"/>
+          </a:fillRef>
+          <a:effectRef idx="0">
+            <a:schemeClr val="accent1"/>
+          </a:effectRef>
+          <a:fontRef idx="minor">
+            <a:schemeClr val="lt1"/>
+          </a:fontRef>
+        </p:style>
+        <p:txBody>
+          <a:bodyPr rtlCol="0" anchor="ctr"/>
+          <a:lstStyle/>
+          <a:p>
+            <a:pPr algn="ctr"/>
+            <a:r>
+              <a:rPr lang="en-US" dirty="0" smtClean="0">
+                <a:solidFill>
+                  <a:schemeClr val="tx1"/>
+                </a:solidFill>
+              </a:rPr>
+              <a:t>Homework Crawler</a:t>
+            </a:r>
+            <a:endParaRPr lang="en-US" dirty="0">
+              <a:solidFill>
+                <a:schemeClr val="tx1"/>
+              </a:solidFill>
+            </a:endParaRPr>
+          </a:p>
+        </p:txBody>
+      </p:sp>
+      <p:sp>
+        <p:nvSpPr>
+          <p:cNvPr id="5" name="Rounded Rectangle 4"/>
+          <p:cNvSpPr/>
+          <p:nvPr/>
+        </p:nvSpPr>
+        <p:spPr>
+          <a:xfrm>
+            <a:off x="420758" y="5668229"/>
+            <a:ext cx="2246242" cy="609600"/>
+          </a:xfrm>
+          <a:prstGeom prst="roundRect">
+            <a:avLst/>
+          </a:prstGeom>
+          <a:noFill/>
+        </p:spPr>
+        <p:style>
+          <a:lnRef idx="2">
+            <a:schemeClr val="accent1">
+              <a:shade val="50000"/>
+            </a:schemeClr>
+          </a:lnRef>
+          <a:fillRef idx="1">
+            <a:schemeClr val="accent1"/>
+          </a:fillRef>
+          <a:effectRef idx="0">
+            <a:schemeClr val="accent1"/>
+          </a:effectRef>
+          <a:fontRef idx="minor">
+            <a:schemeClr val="lt1"/>
+          </a:fontRef>
+        </p:style>
+        <p:txBody>
+          <a:bodyPr rtlCol="0" anchor="ctr"/>
+          <a:lstStyle/>
+          <a:p>
+            <a:pPr algn="ctr"/>
+            <a:r>
+              <a:rPr lang="en-US" dirty="0" smtClean="0">
+                <a:solidFill>
+                  <a:schemeClr val="tx1"/>
+                </a:solidFill>
+              </a:rPr>
+              <a:t>fill_spreadsheet.py</a:t>
+            </a:r>
+            <a:endParaRPr lang="en-US" dirty="0">
+              <a:solidFill>
+                <a:schemeClr val="tx1"/>
+              </a:solidFill>
+            </a:endParaRPr>
+          </a:p>
+        </p:txBody>
+      </p:sp>
+      <p:sp>
+        <p:nvSpPr>
+          <p:cNvPr id="6" name="Rounded Rectangle 5"/>
+          <p:cNvSpPr/>
+          <p:nvPr/>
+        </p:nvSpPr>
+        <p:spPr>
+          <a:xfrm>
+            <a:off x="381000" y="3577771"/>
+            <a:ext cx="2971800" cy="609600"/>
+          </a:xfrm>
+          <a:prstGeom prst="roundRect">
+            <a:avLst/>
+          </a:prstGeom>
+          <a:noFill/>
+        </p:spPr>
+        <p:style>
+          <a:lnRef idx="2">
+            <a:schemeClr val="accent1">
+              <a:shade val="50000"/>
+            </a:schemeClr>
+          </a:lnRef>
+          <a:fillRef idx="1">
+            <a:schemeClr val="accent1"/>
+          </a:fillRef>
+          <a:effectRef idx="0">
+            <a:schemeClr val="accent1"/>
+          </a:effectRef>
+          <a:fontRef idx="minor">
+            <a:schemeClr val="lt1"/>
+          </a:fontRef>
+        </p:style>
+        <p:txBody>
+          <a:bodyPr rtlCol="0" anchor="ctr"/>
+          <a:lstStyle/>
+          <a:p>
+            <a:pPr algn="ctr"/>
+            <a:r>
+              <a:rPr lang="en-US" dirty="0" smtClean="0">
+                <a:solidFill>
+                  <a:schemeClr val="tx1"/>
+                </a:solidFill>
+              </a:rPr>
+              <a:t>runSpreadsheetUpdater.sh</a:t>
+            </a:r>
+            <a:endParaRPr lang="en-US" dirty="0">
+              <a:solidFill>
+                <a:schemeClr val="tx1"/>
+              </a:solidFill>
+            </a:endParaRPr>
+          </a:p>
+        </p:txBody>
+      </p:sp>
+      <p:sp>
+        <p:nvSpPr>
+          <p:cNvPr id="7" name="Rounded Rectangle 6"/>
+          <p:cNvSpPr/>
+          <p:nvPr/>
+        </p:nvSpPr>
+        <p:spPr>
+          <a:xfrm>
+            <a:off x="362857" y="4648200"/>
+            <a:ext cx="2246242" cy="609600"/>
+          </a:xfrm>
+          <a:prstGeom prst="roundRect">
+            <a:avLst/>
+          </a:prstGeom>
+          <a:noFill/>
+        </p:spPr>
+        <p:style>
+          <a:lnRef idx="2">
+            <a:schemeClr val="accent1">
+              <a:shade val="50000"/>
+            </a:schemeClr>
+          </a:lnRef>
+          <a:fillRef idx="1">
+            <a:schemeClr val="accent1"/>
+          </a:fillRef>
+          <a:effectRef idx="0">
+            <a:schemeClr val="accent1"/>
+          </a:effectRef>
+          <a:fontRef idx="minor">
+            <a:schemeClr val="lt1"/>
+          </a:fontRef>
+        </p:style>
+        <p:txBody>
+          <a:bodyPr rtlCol="0" anchor="ctr"/>
+          <a:lstStyle/>
+          <a:p>
+            <a:pPr algn="ctr"/>
+            <a:r>
+              <a:rPr lang="en-US" dirty="0">
+                <a:solidFill>
+                  <a:schemeClr val="tx1"/>
+                </a:solidFill>
+              </a:rPr>
+              <a:t>g</a:t>
+            </a:r>
+            <a:r>
+              <a:rPr lang="en-US" dirty="0" smtClean="0">
+                <a:solidFill>
+                  <a:schemeClr val="tx1"/>
+                </a:solidFill>
+              </a:rPr>
+              <a:t>etopts.py</a:t>
+            </a:r>
+            <a:endParaRPr lang="en-US" dirty="0">
+              <a:solidFill>
+                <a:schemeClr val="tx1"/>
+              </a:solidFill>
+            </a:endParaRPr>
+          </a:p>
+        </p:txBody>
+      </p:sp>
+      <p:sp>
+        <p:nvSpPr>
+          <p:cNvPr id="9" name="TextBox 8"/>
+          <p:cNvSpPr txBox="1"/>
+          <p:nvPr/>
+        </p:nvSpPr>
+        <p:spPr>
+          <a:xfrm>
+            <a:off x="3124200" y="2609004"/>
+            <a:ext cx="6019800" cy="923330"/>
+          </a:xfrm>
+          <a:prstGeom prst="rect">
+            <a:avLst/>
+          </a:prstGeom>
+          <a:noFill/>
+        </p:spPr>
+        <p:txBody>
+          <a:bodyPr wrap="square" rtlCol="0">
+            <a:spAutoFit/>
+          </a:bodyPr>
+          <a:lstStyle/>
+          <a:p>
+            <a:r>
+              <a:rPr lang="en-US" dirty="0" smtClean="0"/>
+              <a:t>bash &lt;</a:t>
+            </a:r>
+            <a:r>
+              <a:rPr lang="en-US" dirty="0" err="1" smtClean="0"/>
+              <a:t>rsu</a:t>
+            </a:r>
+            <a:r>
+              <a:rPr lang="en-US" dirty="0" smtClean="0"/>
+              <a:t>&gt; python &lt;</a:t>
+            </a:r>
+            <a:r>
+              <a:rPr lang="en-US" dirty="0" err="1" smtClean="0"/>
+              <a:t>getopts_loc</a:t>
+            </a:r>
+            <a:r>
+              <a:rPr lang="en-US" dirty="0" smtClean="0"/>
+              <a:t>&gt; &lt;</a:t>
+            </a:r>
+            <a:r>
+              <a:rPr lang="en-US" dirty="0" err="1" smtClean="0"/>
+              <a:t>sprd_sht_nm</a:t>
+            </a:r>
+            <a:r>
+              <a:rPr lang="en-US" dirty="0" smtClean="0"/>
+              <a:t>&gt; &lt;</a:t>
+            </a:r>
+            <a:r>
+              <a:rPr lang="en-US" dirty="0" err="1" smtClean="0"/>
+              <a:t>wrk_sht_nm</a:t>
+            </a:r>
+            <a:r>
+              <a:rPr lang="en-US" dirty="0" smtClean="0"/>
+              <a:t>&gt; &lt;date&gt; “&lt;</a:t>
+            </a:r>
+            <a:r>
+              <a:rPr lang="en-US" dirty="0" err="1" smtClean="0"/>
+              <a:t>class_nm</a:t>
+            </a:r>
+            <a:r>
+              <a:rPr lang="en-US" dirty="0" smtClean="0"/>
+              <a:t>&gt;,&lt;</a:t>
+            </a:r>
+            <a:r>
+              <a:rPr lang="en-US" dirty="0" err="1" smtClean="0"/>
+              <a:t>hw_date</a:t>
+            </a:r>
+            <a:r>
+              <a:rPr lang="en-US" dirty="0" smtClean="0"/>
+              <a:t>&gt;,&lt;</a:t>
+            </a:r>
+            <a:r>
+              <a:rPr lang="en-US" dirty="0" err="1" smtClean="0"/>
+              <a:t>hw</a:t>
+            </a:r>
+            <a:r>
+              <a:rPr lang="en-US" dirty="0" smtClean="0"/>
+              <a:t> item&gt;,&lt;</a:t>
+            </a:r>
+            <a:r>
+              <a:rPr lang="en-US" dirty="0" err="1" smtClean="0"/>
+              <a:t>due_date</a:t>
+            </a:r>
+            <a:r>
+              <a:rPr lang="en-US" dirty="0" smtClean="0"/>
+              <a:t>&gt;,&lt;status&gt;,&lt;submission&gt;,&lt;comment&gt;”</a:t>
+            </a:r>
+            <a:endParaRPr lang="en-US" dirty="0"/>
+          </a:p>
+        </p:txBody>
+      </p:sp>
+      <p:cxnSp>
+        <p:nvCxnSpPr>
+          <p:cNvPr id="11" name="Straight Arrow Connector 10"/>
+          <p:cNvCxnSpPr/>
+          <p:nvPr/>
+        </p:nvCxnSpPr>
+        <p:spPr>
+          <a:xfrm flipH="1">
+            <a:off x="1485978" y="3167342"/>
+            <a:ext cx="4110" cy="410429"/>
+          </a:xfrm>
+          <a:prstGeom prst="straightConnector1">
+            <a:avLst/>
+          </a:prstGeom>
+          <a:ln>
+            <a:tailEnd type="arrow"/>
+          </a:ln>
+        </p:spPr>
+        <p:style>
+          <a:lnRef idx="1">
+            <a:schemeClr val="accent1"/>
+          </a:lnRef>
+          <a:fillRef idx="0">
+            <a:schemeClr val="accent1"/>
+          </a:fillRef>
+          <a:effectRef idx="0">
+            <a:schemeClr val="accent1"/>
+          </a:effectRef>
+          <a:fontRef idx="minor">
+            <a:schemeClr val="tx1"/>
+          </a:fontRef>
+        </p:style>
+      </p:cxnSp>
+      <p:cxnSp>
+        <p:nvCxnSpPr>
+          <p:cNvPr id="15" name="Straight Connector 14"/>
+          <p:cNvCxnSpPr/>
+          <p:nvPr/>
+        </p:nvCxnSpPr>
+        <p:spPr>
+          <a:xfrm>
+            <a:off x="1490088" y="3372556"/>
+            <a:ext cx="1634112" cy="0"/>
+          </a:xfrm>
+          <a:prstGeom prst="line">
+            <a:avLst/>
+          </a:prstGeom>
+          <a:ln>
+            <a:prstDash val="dash"/>
+          </a:ln>
+        </p:spPr>
+        <p:style>
+          <a:lnRef idx="1">
+            <a:schemeClr val="accent1"/>
+          </a:lnRef>
+          <a:fillRef idx="0">
+            <a:schemeClr val="accent1"/>
+          </a:fillRef>
+          <a:effectRef idx="0">
+            <a:schemeClr val="accent1"/>
+          </a:effectRef>
+          <a:fontRef idx="minor">
+            <a:schemeClr val="tx1"/>
+          </a:fontRef>
+        </p:style>
+      </p:cxnSp>
+      <p:sp>
+        <p:nvSpPr>
+          <p:cNvPr id="16" name="TextBox 15"/>
+          <p:cNvSpPr txBox="1"/>
+          <p:nvPr/>
+        </p:nvSpPr>
+        <p:spPr>
+          <a:xfrm>
+            <a:off x="3124224" y="4201828"/>
+            <a:ext cx="6019800" cy="923330"/>
+          </a:xfrm>
+          <a:prstGeom prst="rect">
+            <a:avLst/>
+          </a:prstGeom>
+          <a:noFill/>
+        </p:spPr>
+        <p:txBody>
+          <a:bodyPr wrap="square" rtlCol="0">
+            <a:spAutoFit/>
+          </a:bodyPr>
+          <a:lstStyle/>
+          <a:p>
+            <a:r>
+              <a:rPr lang="en-US" dirty="0"/>
+              <a:t>p</a:t>
+            </a:r>
+            <a:r>
+              <a:rPr lang="en-US" dirty="0" smtClean="0"/>
+              <a:t>ython &lt;</a:t>
+            </a:r>
+            <a:r>
+              <a:rPr lang="en-US" dirty="0" err="1" smtClean="0"/>
+              <a:t>getopts_loc</a:t>
+            </a:r>
+            <a:r>
+              <a:rPr lang="en-US" dirty="0" smtClean="0"/>
+              <a:t>&gt; “</a:t>
+            </a:r>
+            <a:r>
+              <a:rPr lang="en-US" dirty="0" err="1" smtClean="0"/>
+              <a:t>sprd_sht_nm</a:t>
+            </a:r>
+            <a:r>
+              <a:rPr lang="en-US" dirty="0" smtClean="0"/>
+              <a:t>” “</a:t>
+            </a:r>
+            <a:r>
+              <a:rPr lang="en-US" dirty="0" err="1" smtClean="0"/>
+              <a:t>wrk_sht_nm</a:t>
+            </a:r>
+            <a:r>
+              <a:rPr lang="en-US" dirty="0" smtClean="0"/>
+              <a:t>” “date” “</a:t>
+            </a:r>
+            <a:r>
+              <a:rPr lang="en-US" dirty="0" err="1" smtClean="0"/>
+              <a:t>class_nm</a:t>
+            </a:r>
+            <a:r>
+              <a:rPr lang="en-US" dirty="0" smtClean="0"/>
+              <a:t>” “</a:t>
+            </a:r>
+            <a:r>
+              <a:rPr lang="en-US" dirty="0" err="1" smtClean="0"/>
+              <a:t>hw_date</a:t>
+            </a:r>
+            <a:r>
+              <a:rPr lang="en-US" dirty="0" smtClean="0"/>
+              <a:t>” “</a:t>
+            </a:r>
+            <a:r>
+              <a:rPr lang="en-US" dirty="0" err="1" smtClean="0"/>
+              <a:t>hw</a:t>
+            </a:r>
+            <a:r>
+              <a:rPr lang="en-US" dirty="0" smtClean="0"/>
+              <a:t> item” “</a:t>
+            </a:r>
+            <a:r>
+              <a:rPr lang="en-US" dirty="0" err="1" smtClean="0"/>
+              <a:t>due_date</a:t>
+            </a:r>
+            <a:r>
+              <a:rPr lang="en-US" dirty="0" smtClean="0"/>
+              <a:t>” “status” “submission” “comment”</a:t>
+            </a:r>
+            <a:endParaRPr lang="en-US" dirty="0"/>
+          </a:p>
+        </p:txBody>
+      </p:sp>
+      <p:cxnSp>
+        <p:nvCxnSpPr>
+          <p:cNvPr id="17" name="Straight Arrow Connector 16"/>
+          <p:cNvCxnSpPr/>
+          <p:nvPr/>
+        </p:nvCxnSpPr>
+        <p:spPr>
+          <a:xfrm flipH="1">
+            <a:off x="1481868" y="4204629"/>
+            <a:ext cx="4110" cy="410429"/>
+          </a:xfrm>
+          <a:prstGeom prst="straightConnector1">
+            <a:avLst/>
+          </a:prstGeom>
+          <a:ln>
+            <a:tailEnd type="arrow"/>
+          </a:ln>
+        </p:spPr>
+        <p:style>
+          <a:lnRef idx="1">
+            <a:schemeClr val="accent1"/>
+          </a:lnRef>
+          <a:fillRef idx="0">
+            <a:schemeClr val="accent1"/>
+          </a:fillRef>
+          <a:effectRef idx="0">
+            <a:schemeClr val="accent1"/>
+          </a:effectRef>
+          <a:fontRef idx="minor">
+            <a:schemeClr val="tx1"/>
+          </a:fontRef>
+        </p:style>
+      </p:cxnSp>
+      <p:cxnSp>
+        <p:nvCxnSpPr>
+          <p:cNvPr id="18" name="Straight Connector 17"/>
+          <p:cNvCxnSpPr/>
+          <p:nvPr/>
+        </p:nvCxnSpPr>
+        <p:spPr>
+          <a:xfrm>
+            <a:off x="1524000" y="4427101"/>
+            <a:ext cx="1634112" cy="0"/>
+          </a:xfrm>
+          <a:prstGeom prst="line">
+            <a:avLst/>
+          </a:prstGeom>
+          <a:ln>
+            <a:prstDash val="dash"/>
+          </a:ln>
+        </p:spPr>
+        <p:style>
+          <a:lnRef idx="1">
+            <a:schemeClr val="accent1"/>
+          </a:lnRef>
+          <a:fillRef idx="0">
+            <a:schemeClr val="accent1"/>
+          </a:fillRef>
+          <a:effectRef idx="0">
+            <a:schemeClr val="accent1"/>
+          </a:effectRef>
+          <a:fontRef idx="minor">
+            <a:schemeClr val="tx1"/>
+          </a:fontRef>
+        </p:style>
+      </p:cxnSp>
+      <p:sp>
+        <p:nvSpPr>
+          <p:cNvPr id="19" name="TextBox 18"/>
+          <p:cNvSpPr txBox="1"/>
+          <p:nvPr/>
+        </p:nvSpPr>
+        <p:spPr>
+          <a:xfrm>
+            <a:off x="3124200" y="5253335"/>
+            <a:ext cx="6019800" cy="923330"/>
+          </a:xfrm>
+          <a:prstGeom prst="rect">
+            <a:avLst/>
+          </a:prstGeom>
+          <a:noFill/>
+        </p:spPr>
+        <p:txBody>
+          <a:bodyPr wrap="square" rtlCol="0">
+            <a:spAutoFit/>
+          </a:bodyPr>
+          <a:lstStyle/>
+          <a:p>
+            <a:r>
+              <a:rPr lang="en-US" dirty="0" smtClean="0"/>
+              <a:t>“</a:t>
+            </a:r>
+            <a:r>
+              <a:rPr lang="en-US" dirty="0" err="1" smtClean="0"/>
+              <a:t>sprd_sht_nm</a:t>
+            </a:r>
+            <a:r>
+              <a:rPr lang="en-US" dirty="0" smtClean="0"/>
+              <a:t>” “</a:t>
+            </a:r>
+            <a:r>
+              <a:rPr lang="en-US" dirty="0" err="1" smtClean="0"/>
+              <a:t>wrk_sht_nm</a:t>
+            </a:r>
+            <a:r>
+              <a:rPr lang="en-US" dirty="0" smtClean="0"/>
+              <a:t>” “date” “</a:t>
+            </a:r>
+            <a:r>
+              <a:rPr lang="en-US" dirty="0" err="1" smtClean="0"/>
+              <a:t>class_nm</a:t>
+            </a:r>
+            <a:r>
+              <a:rPr lang="en-US" dirty="0" smtClean="0"/>
+              <a:t>” “</a:t>
+            </a:r>
+            <a:r>
+              <a:rPr lang="en-US" dirty="0" err="1" smtClean="0"/>
+              <a:t>hw_date</a:t>
+            </a:r>
+            <a:r>
+              <a:rPr lang="en-US" dirty="0" smtClean="0"/>
+              <a:t>” “</a:t>
+            </a:r>
+            <a:r>
+              <a:rPr lang="en-US" dirty="0" err="1" smtClean="0"/>
+              <a:t>hw</a:t>
+            </a:r>
+            <a:r>
+              <a:rPr lang="en-US" dirty="0" smtClean="0"/>
+              <a:t> item” “</a:t>
+            </a:r>
+            <a:r>
+              <a:rPr lang="en-US" dirty="0" err="1" smtClean="0"/>
+              <a:t>due_date</a:t>
+            </a:r>
+            <a:r>
+              <a:rPr lang="en-US" dirty="0" smtClean="0"/>
+              <a:t>” “status” “submission” “comment”</a:t>
+            </a:r>
+            <a:endParaRPr lang="en-US" dirty="0"/>
+          </a:p>
+        </p:txBody>
+      </p:sp>
+      <p:cxnSp>
+        <p:nvCxnSpPr>
+          <p:cNvPr id="20" name="Straight Arrow Connector 19"/>
+          <p:cNvCxnSpPr/>
+          <p:nvPr/>
+        </p:nvCxnSpPr>
+        <p:spPr>
+          <a:xfrm flipH="1">
+            <a:off x="1484263" y="5257800"/>
+            <a:ext cx="4110" cy="410429"/>
+          </a:xfrm>
+          <a:prstGeom prst="straightConnector1">
+            <a:avLst/>
+          </a:prstGeom>
+          <a:ln>
+            <a:tailEnd type="arrow"/>
+          </a:ln>
+        </p:spPr>
+        <p:style>
+          <a:lnRef idx="1">
+            <a:schemeClr val="accent1"/>
+          </a:lnRef>
+          <a:fillRef idx="0">
+            <a:schemeClr val="accent1"/>
+          </a:fillRef>
+          <a:effectRef idx="0">
+            <a:schemeClr val="accent1"/>
+          </a:effectRef>
+          <a:fontRef idx="minor">
+            <a:schemeClr val="tx1"/>
+          </a:fontRef>
+        </p:style>
+      </p:cxnSp>
+      <p:cxnSp>
+        <p:nvCxnSpPr>
+          <p:cNvPr id="21" name="Straight Connector 20"/>
+          <p:cNvCxnSpPr/>
+          <p:nvPr/>
+        </p:nvCxnSpPr>
+        <p:spPr>
+          <a:xfrm>
+            <a:off x="1524000" y="5470515"/>
+            <a:ext cx="1634112" cy="0"/>
+          </a:xfrm>
+          <a:prstGeom prst="line">
+            <a:avLst/>
+          </a:prstGeom>
+          <a:ln>
+            <a:prstDash val="dash"/>
+          </a:ln>
+        </p:spPr>
+        <p:style>
+          <a:lnRef idx="1">
+            <a:schemeClr val="accent1"/>
+          </a:lnRef>
+          <a:fillRef idx="0">
+            <a:schemeClr val="accent1"/>
+          </a:fillRef>
+          <a:effectRef idx="0">
+            <a:schemeClr val="accent1"/>
+          </a:effectRef>
+          <a:fontRef idx="minor">
+            <a:schemeClr val="tx1"/>
+          </a:fontRef>
+        </p:style>
+      </p:cxnSp>
+      <p:sp>
+        <p:nvSpPr>
+          <p:cNvPr id="22" name="TextBox 21"/>
+          <p:cNvSpPr txBox="1"/>
+          <p:nvPr/>
+        </p:nvSpPr>
+        <p:spPr>
+          <a:xfrm>
+            <a:off x="4724400" y="2047004"/>
+            <a:ext cx="2377190" cy="369332"/>
+          </a:xfrm>
+          <a:prstGeom prst="rect">
+            <a:avLst/>
+          </a:prstGeom>
+          <a:noFill/>
+        </p:spPr>
+        <p:txBody>
+          <a:bodyPr wrap="square" rtlCol="0">
+            <a:spAutoFit/>
+          </a:bodyPr>
+          <a:lstStyle/>
+          <a:p>
+            <a:r>
+              <a:rPr lang="en-US" u="sng" dirty="0" smtClean="0"/>
+              <a:t>Arguments passed</a:t>
+            </a:r>
+            <a:r>
+              <a:rPr lang="en-US" dirty="0" smtClean="0"/>
+              <a:t>:</a:t>
+            </a:r>
+            <a:endParaRPr lang="en-US" dirty="0"/>
+          </a:p>
+        </p:txBody>
+      </p:sp>
+      <p:sp>
+        <p:nvSpPr>
+          <p:cNvPr id="23" name="TextBox 22"/>
+          <p:cNvSpPr txBox="1"/>
+          <p:nvPr/>
+        </p:nvSpPr>
+        <p:spPr>
+          <a:xfrm>
+            <a:off x="3756910" y="3697905"/>
+            <a:ext cx="5387090" cy="369332"/>
+          </a:xfrm>
+          <a:prstGeom prst="rect">
+            <a:avLst/>
+          </a:prstGeom>
+          <a:noFill/>
+        </p:spPr>
+        <p:txBody>
+          <a:bodyPr wrap="square" rtlCol="0">
+            <a:spAutoFit/>
+          </a:bodyPr>
+          <a:lstStyle/>
+          <a:p>
+            <a:r>
+              <a:rPr lang="en-US" dirty="0" smtClean="0"/>
+              <a:t>(Intermediary between Java, the OS and Python</a:t>
+            </a:r>
+            <a:r>
+              <a:rPr lang="en-US" dirty="0"/>
+              <a:t>)</a:t>
+            </a:r>
+          </a:p>
+        </p:txBody>
+      </p:sp>
+      <p:cxnSp>
+        <p:nvCxnSpPr>
+          <p:cNvPr id="24" name="Straight Arrow Connector 23"/>
+          <p:cNvCxnSpPr>
+            <a:stCxn id="23" idx="1"/>
+            <a:endCxn id="6" idx="3"/>
+          </p:cNvCxnSpPr>
+          <p:nvPr/>
+        </p:nvCxnSpPr>
+        <p:spPr>
+          <a:xfrm flipH="1">
+            <a:off x="3352800" y="3882571"/>
+            <a:ext cx="404110" cy="0"/>
+          </a:xfrm>
+          <a:prstGeom prst="straightConnector1">
+            <a:avLst/>
+          </a:prstGeom>
+          <a:ln>
+            <a:tailEnd type="arrow"/>
+          </a:ln>
+        </p:spPr>
+        <p:style>
+          <a:lnRef idx="1">
+            <a:schemeClr val="accent1"/>
+          </a:lnRef>
+          <a:fillRef idx="0">
+            <a:schemeClr val="accent1"/>
+          </a:fillRef>
+          <a:effectRef idx="0">
+            <a:schemeClr val="accent1"/>
+          </a:effectRef>
+          <a:fontRef idx="minor">
+            <a:schemeClr val="tx1"/>
+          </a:fontRef>
+        </p:style>
+      </p:cxnSp>
+      <p:sp>
+        <p:nvSpPr>
+          <p:cNvPr id="29" name="TextBox 28"/>
+          <p:cNvSpPr txBox="1"/>
+          <p:nvPr/>
+        </p:nvSpPr>
+        <p:spPr>
+          <a:xfrm>
+            <a:off x="-38100" y="6278546"/>
+            <a:ext cx="9144000" cy="584775"/>
+          </a:xfrm>
+          <a:prstGeom prst="rect">
+            <a:avLst/>
+          </a:prstGeom>
+          <a:noFill/>
+        </p:spPr>
+        <p:txBody>
+          <a:bodyPr wrap="square" rtlCol="0">
+            <a:spAutoFit/>
+          </a:bodyPr>
+          <a:lstStyle/>
+          <a:p>
+            <a:r>
+              <a:rPr lang="en-US" sz="1600" u="sng" dirty="0" smtClean="0"/>
+              <a:t>Where</a:t>
+            </a:r>
+            <a:r>
+              <a:rPr lang="en-US" sz="1600" dirty="0" smtClean="0"/>
+              <a:t>: </a:t>
+            </a:r>
+            <a:r>
+              <a:rPr lang="en-US" sz="1600" dirty="0" err="1" smtClean="0"/>
+              <a:t>rsu</a:t>
+            </a:r>
+            <a:r>
+              <a:rPr lang="en-US" sz="1600" dirty="0" smtClean="0"/>
+              <a:t>=runSpreadsheetUpdater.sh, </a:t>
+            </a:r>
+            <a:r>
+              <a:rPr lang="en-US" sz="1600" dirty="0" err="1" smtClean="0"/>
+              <a:t>getopts_loc</a:t>
+            </a:r>
+            <a:r>
+              <a:rPr lang="en-US" sz="1600" dirty="0" smtClean="0"/>
+              <a:t>=full pathname to getopts.py,  </a:t>
+            </a:r>
+            <a:r>
+              <a:rPr lang="en-US" sz="1600" dirty="0" err="1" smtClean="0"/>
+              <a:t>sprd_sht_nm</a:t>
+            </a:r>
+            <a:r>
+              <a:rPr lang="en-US" sz="1600" dirty="0" smtClean="0"/>
+              <a:t>=user’s Google spreadsheet name, </a:t>
+            </a:r>
+            <a:r>
+              <a:rPr lang="en-US" sz="1600" dirty="0" err="1" smtClean="0"/>
+              <a:t>wrk_sht_nm</a:t>
+            </a:r>
+            <a:r>
+              <a:rPr lang="en-US" sz="1600" dirty="0" smtClean="0"/>
+              <a:t>=current </a:t>
+            </a:r>
+            <a:r>
+              <a:rPr lang="en-US" sz="1600" dirty="0" err="1" smtClean="0"/>
+              <a:t>month_day</a:t>
+            </a:r>
+            <a:r>
+              <a:rPr lang="en-US" sz="1600" dirty="0" smtClean="0"/>
+              <a:t> worksheet name</a:t>
+            </a:r>
+            <a:endParaRPr lang="en-US" sz="1600" dirty="0"/>
+          </a:p>
+        </p:txBody>
+      </p:sp>
+      <p:sp>
+        <p:nvSpPr>
+          <p:cNvPr id="30" name="Arc 29"/>
+          <p:cNvSpPr/>
+          <p:nvPr/>
+        </p:nvSpPr>
+        <p:spPr>
+          <a:xfrm flipH="1">
+            <a:off x="152398" y="3882571"/>
+            <a:ext cx="457201" cy="2090458"/>
+          </a:xfrm>
+          <a:prstGeom prst="arc">
+            <a:avLst/>
+          </a:prstGeom>
+          <a:ln>
+            <a:prstDash val="lgDash"/>
+          </a:ln>
+        </p:spPr>
+        <p:style>
+          <a:lnRef idx="1">
+            <a:schemeClr val="accent1"/>
+          </a:lnRef>
+          <a:fillRef idx="0">
+            <a:schemeClr val="accent1"/>
+          </a:fillRef>
+          <a:effectRef idx="0">
+            <a:schemeClr val="accent1"/>
+          </a:effectRef>
+          <a:fontRef idx="minor">
+            <a:schemeClr val="tx1"/>
+          </a:fontRef>
+        </p:style>
+        <p:txBody>
+          <a:bodyPr rtlCol="0" anchor="ctr"/>
+          <a:lstStyle/>
+          <a:p>
+            <a:pPr algn="ctr"/>
+            <a:endParaRPr lang="en-US"/>
+          </a:p>
+        </p:txBody>
+      </p:sp>
+      <p:sp>
+        <p:nvSpPr>
+          <p:cNvPr id="31" name="Arc 30"/>
+          <p:cNvSpPr/>
+          <p:nvPr/>
+        </p:nvSpPr>
+        <p:spPr>
+          <a:xfrm flipH="1" flipV="1">
+            <a:off x="152399" y="3882571"/>
+            <a:ext cx="457200" cy="2090458"/>
+          </a:xfrm>
+          <a:prstGeom prst="arc">
+            <a:avLst/>
+          </a:prstGeom>
+          <a:ln>
+            <a:prstDash val="dash"/>
+          </a:ln>
+        </p:spPr>
+        <p:style>
+          <a:lnRef idx="1">
+            <a:schemeClr val="accent1"/>
+          </a:lnRef>
+          <a:fillRef idx="0">
+            <a:schemeClr val="accent1"/>
+          </a:fillRef>
+          <a:effectRef idx="0">
+            <a:schemeClr val="accent1"/>
+          </a:effectRef>
+          <a:fontRef idx="minor">
+            <a:schemeClr val="tx1"/>
+          </a:fontRef>
+        </p:style>
+        <p:txBody>
+          <a:bodyPr rtlCol="0" anchor="ctr"/>
+          <a:lstStyle/>
+          <a:p>
+            <a:pPr algn="ctr"/>
+            <a:endParaRPr lang="en-US"/>
+          </a:p>
+        </p:txBody>
+      </p:sp>
+      <p:sp>
+        <p:nvSpPr>
+          <p:cNvPr id="32" name="TextBox 31"/>
+          <p:cNvSpPr txBox="1"/>
+          <p:nvPr/>
+        </p:nvSpPr>
+        <p:spPr>
+          <a:xfrm>
+            <a:off x="-347898" y="5285849"/>
+            <a:ext cx="1000595" cy="369332"/>
+          </a:xfrm>
+          <a:prstGeom prst="rect">
+            <a:avLst/>
+          </a:prstGeom>
+          <a:noFill/>
+        </p:spPr>
+        <p:txBody>
+          <a:bodyPr wrap="none" rtlCol="0">
+            <a:spAutoFit/>
+          </a:bodyPr>
+          <a:lstStyle/>
+          <a:p>
+            <a:r>
+              <a:rPr lang="en-US" dirty="0" smtClean="0"/>
+              <a:t>(future)</a:t>
+            </a:r>
+            <a:endParaRPr lang="en-US" dirty="0"/>
+          </a:p>
+        </p:txBody>
+      </p:sp>
+    </p:spTree>
+    <p:extLst>
+      <p:ext uri="{BB962C8B-B14F-4D97-AF65-F5344CB8AC3E}">
+        <p14:creationId xmlns:p14="http://schemas.microsoft.com/office/powerpoint/2010/main" val="3468741410"/>
+      </p:ext>
+    </p:extLst>
+  </p:cSld>
+  <p:clrMapOvr>
+    <a:masterClrMapping/>
+  </p:clrMapOvr>
+</p:sld>
+</file>
+
+<file path=ppt/slides/slide13.xml><?xml version="1.0" encoding="utf-8"?>
+<p:sld xmlns:a="http://schemas.openxmlformats.org/drawingml/2006/main" xmlns:r="http://schemas.openxmlformats.org/officeDocument/2006/relationships" xmlns:p="http://schemas.openxmlformats.org/presentationml/2006/main">
+  <p:cSld>
+    <p:spTree>
+      <p:nvGrpSpPr>
+        <p:cNvPr id="1" name=""/>
+        <p:cNvGrpSpPr/>
+        <p:nvPr/>
+      </p:nvGrpSpPr>
+      <p:grpSpPr>
+        <a:xfrm>
+          <a:off x="0" y="0"/>
+          <a:ext cx="0" cy="0"/>
+          <a:chOff x="0" y="0"/>
+          <a:chExt cx="0" cy="0"/>
+        </a:xfrm>
+      </p:grpSpPr>
+      <p:sp>
+        <p:nvSpPr>
+          <p:cNvPr id="2" name="TextBox 1"/>
+          <p:cNvSpPr txBox="1"/>
+          <p:nvPr/>
+        </p:nvSpPr>
+        <p:spPr>
+          <a:xfrm>
+            <a:off x="3505200" y="127945"/>
+            <a:ext cx="1784463" cy="461665"/>
+          </a:xfrm>
+          <a:prstGeom prst="rect">
+            <a:avLst/>
+          </a:prstGeom>
+          <a:noFill/>
+        </p:spPr>
+        <p:txBody>
+          <a:bodyPr wrap="none" rtlCol="0">
+            <a:spAutoFit/>
+          </a:bodyPr>
+          <a:lstStyle/>
+          <a:p>
+            <a:r>
+              <a:rPr lang="en-US" sz="2400" dirty="0" smtClean="0"/>
+              <a:t>APPENDIX B</a:t>
+            </a:r>
+            <a:endParaRPr lang="en-US" sz="2400" dirty="0"/>
+          </a:p>
+        </p:txBody>
+      </p:sp>
+      <p:sp>
+        <p:nvSpPr>
+          <p:cNvPr id="3" name="Title 1"/>
+          <p:cNvSpPr txBox="1">
+            <a:spLocks/>
+          </p:cNvSpPr>
+          <p:nvPr/>
+        </p:nvSpPr>
+        <p:spPr>
+          <a:xfrm>
+            <a:off x="457200" y="589610"/>
+            <a:ext cx="8001000" cy="934390"/>
+          </a:xfrm>
+          <a:prstGeom prst="rect">
+            <a:avLst/>
+          </a:prstGeom>
+        </p:spPr>
+        <p:txBody>
+          <a:bodyPr/>
+          <a:lstStyle>
+            <a:lvl1pPr marL="320040" indent="-320040" algn="r" defTabSz="914400" rtl="0" eaLnBrk="1" latinLnBrk="0" hangingPunct="1">
+              <a:spcBef>
+                <a:spcPct val="0"/>
+              </a:spcBef>
+              <a:buClr>
+                <a:schemeClr val="accent6">
+                  <a:lumMod val="75000"/>
+                </a:schemeClr>
+              </a:buClr>
+              <a:buSzPct val="128000"/>
+              <a:buFont typeface="Georgia" pitchFamily="18" charset="0"/>
+              <a:buChar char="*"/>
+              <a:defRPr sz="4600" b="1" i="0" kern="1200">
+                <a:gradFill>
+                  <a:gsLst>
+                    <a:gs pos="0">
+                      <a:schemeClr val="tx1"/>
+                    </a:gs>
+                    <a:gs pos="40000">
+                      <a:schemeClr val="tx1">
+                        <a:lumMod val="75000"/>
+                        <a:lumOff val="25000"/>
+                      </a:schemeClr>
+                    </a:gs>
+                    <a:gs pos="100000">
+                      <a:schemeClr val="tx2">
+                        <a:alpha val="65000"/>
+                      </a:schemeClr>
+                    </a:gs>
+                  </a:gsLst>
+                  <a:lin ang="5400000" scaled="0"/>
+                </a:gradFill>
+                <a:effectLst>
+                  <a:reflection blurRad="6350" stA="55000" endA="300" endPos="45500" dir="5400000" sy="-100000" algn="bl" rotWithShape="0"/>
+                </a:effectLst>
+                <a:latin typeface="+mj-lt"/>
+                <a:ea typeface="+mj-ea"/>
+                <a:cs typeface="+mj-cs"/>
+              </a:defRPr>
+            </a:lvl1pPr>
+            <a:lvl2pPr eaLnBrk="1" hangingPunct="1">
+              <a:defRPr>
+                <a:solidFill>
+                  <a:schemeClr val="tx2"/>
+                </a:solidFill>
+              </a:defRPr>
+            </a:lvl2pPr>
+            <a:lvl3pPr eaLnBrk="1" hangingPunct="1">
+              <a:defRPr>
+                <a:solidFill>
+                  <a:schemeClr val="tx2"/>
+                </a:solidFill>
+              </a:defRPr>
+            </a:lvl3pPr>
+            <a:lvl4pPr eaLnBrk="1" hangingPunct="1">
+              <a:defRPr>
+                <a:solidFill>
+                  <a:schemeClr val="tx2"/>
+                </a:solidFill>
+              </a:defRPr>
+            </a:lvl4pPr>
+            <a:lvl5pPr eaLnBrk="1" hangingPunct="1">
+              <a:defRPr>
+                <a:solidFill>
+                  <a:schemeClr val="tx2"/>
+                </a:solidFill>
+              </a:defRPr>
+            </a:lvl5pPr>
+            <a:lvl6pPr eaLnBrk="1" hangingPunct="1">
+              <a:defRPr>
+                <a:solidFill>
+                  <a:schemeClr val="tx2"/>
+                </a:solidFill>
+              </a:defRPr>
+            </a:lvl6pPr>
+            <a:lvl7pPr eaLnBrk="1" hangingPunct="1">
+              <a:defRPr>
+                <a:solidFill>
+                  <a:schemeClr val="tx2"/>
+                </a:solidFill>
+              </a:defRPr>
+            </a:lvl7pPr>
+            <a:lvl8pPr eaLnBrk="1" hangingPunct="1">
+              <a:defRPr>
+                <a:solidFill>
+                  <a:schemeClr val="tx2"/>
+                </a:solidFill>
+              </a:defRPr>
+            </a:lvl8pPr>
+            <a:lvl9pPr eaLnBrk="1" hangingPunct="1">
+              <a:defRPr>
+                <a:solidFill>
+                  <a:schemeClr val="tx2"/>
+                </a:solidFill>
+              </a:defRPr>
+            </a:lvl9pPr>
+          </a:lstStyle>
+          <a:p>
+            <a:pPr marL="0" indent="0" algn="ctr">
+              <a:buFont typeface="Georgia" pitchFamily="18" charset="0"/>
+              <a:buNone/>
+            </a:pPr>
+            <a:r>
+              <a:rPr lang="en-US" dirty="0" smtClean="0">
+                <a:effectLst/>
+              </a:rPr>
+              <a:t>Videos?</a:t>
+            </a:r>
+            <a:endParaRPr lang="en-US" dirty="0">
+              <a:effectLst/>
+            </a:endParaRPr>
+          </a:p>
+        </p:txBody>
+      </p:sp>
+      <p:sp>
+        <p:nvSpPr>
+          <p:cNvPr id="4" name="TextBox 3"/>
+          <p:cNvSpPr txBox="1"/>
+          <p:nvPr/>
+        </p:nvSpPr>
+        <p:spPr>
+          <a:xfrm>
+            <a:off x="304800" y="1676400"/>
+            <a:ext cx="8458200" cy="1200329"/>
+          </a:xfrm>
+          <a:prstGeom prst="rect">
+            <a:avLst/>
+          </a:prstGeom>
+          <a:noFill/>
+        </p:spPr>
+        <p:txBody>
+          <a:bodyPr wrap="square" rtlCol="0">
+            <a:spAutoFit/>
+          </a:bodyPr>
+          <a:lstStyle/>
+          <a:p>
+            <a:r>
+              <a:rPr lang="en-US" sz="2400" dirty="0" smtClean="0"/>
+              <a:t>We’ve recorded a video to show how it all works on a Windows PC. You can view it </a:t>
+            </a:r>
+            <a:r>
+              <a:rPr lang="en-US" sz="2400" dirty="0"/>
+              <a:t>@ https://youtu.be/7b8UXfV089w</a:t>
+            </a:r>
+          </a:p>
+        </p:txBody>
+      </p:sp>
+    </p:spTree>
+    <p:extLst>
+      <p:ext uri="{BB962C8B-B14F-4D97-AF65-F5344CB8AC3E}">
+        <p14:creationId xmlns:p14="http://schemas.microsoft.com/office/powerpoint/2010/main" val="1998870946"/>
       </p:ext>
     </p:extLst>
   </p:cSld>
@@ -4531,1520 +6442,517 @@
       </p:grpSpPr>
       <p:sp>
         <p:nvSpPr>
-          <p:cNvPr id="2" name="Rounded Rectangle 1"/>
-          <p:cNvSpPr/>
+          <p:cNvPr id="2" name="Title 1"/>
+          <p:cNvSpPr>
+            <a:spLocks noGrp="1"/>
+          </p:cNvSpPr>
+          <p:nvPr>
+            <p:ph type="title"/>
+          </p:nvPr>
+        </p:nvSpPr>
+        <p:spPr>
+          <a:xfrm>
+            <a:off x="838200" y="152400"/>
+            <a:ext cx="6512511" cy="914400"/>
+          </a:xfrm>
+        </p:spPr>
+        <p:txBody>
+          <a:bodyPr/>
+          <a:lstStyle/>
+          <a:p>
+            <a:pPr marL="0" indent="0">
+              <a:buNone/>
+            </a:pPr>
+            <a:r>
+              <a:rPr lang="en-US" dirty="0" smtClean="0">
+                <a:effectLst/>
+              </a:rPr>
+              <a:t>What are the Issues ?</a:t>
+            </a:r>
+            <a:endParaRPr lang="en-US" dirty="0">
+              <a:effectLst/>
+            </a:endParaRPr>
+          </a:p>
+        </p:txBody>
+      </p:sp>
+      <p:sp>
+        <p:nvSpPr>
+          <p:cNvPr id="3" name="Content Placeholder 2"/>
+          <p:cNvSpPr>
+            <a:spLocks noGrp="1"/>
+          </p:cNvSpPr>
+          <p:nvPr>
+            <p:ph sz="quarter" idx="13"/>
+          </p:nvPr>
+        </p:nvSpPr>
+        <p:spPr>
+          <a:xfrm>
+            <a:off x="533400" y="1143000"/>
+            <a:ext cx="8077200" cy="3124200"/>
+          </a:xfrm>
+        </p:spPr>
+        <p:txBody>
+          <a:bodyPr/>
+          <a:lstStyle/>
+          <a:p>
+            <a:r>
+              <a:rPr lang="en-US" smtClean="0"/>
+              <a:t>Biggest challenge: Using the learn.vcs student Powerschool  portal to keep track of all homework and when it’s due.</a:t>
+            </a:r>
+          </a:p>
+          <a:p>
+            <a:r>
+              <a:rPr lang="en-US" smtClean="0"/>
+              <a:t>Not having a good dashboard, where all pending homework is viewable on a single online page (a calendar would be great)</a:t>
+            </a:r>
+          </a:p>
+          <a:p>
+            <a:r>
+              <a:rPr lang="en-US" smtClean="0"/>
+              <a:t>No single page showing every homework item for every class with the due date attached</a:t>
+            </a:r>
+          </a:p>
+          <a:p>
+            <a:r>
+              <a:rPr lang="en-US" smtClean="0"/>
+              <a:t> No single page showing homework progress</a:t>
+            </a:r>
+            <a:endParaRPr lang="en-US" dirty="0" smtClean="0"/>
+          </a:p>
+        </p:txBody>
+      </p:sp>
+      <p:sp>
+        <p:nvSpPr>
+          <p:cNvPr id="4" name="Title 1"/>
+          <p:cNvSpPr txBox="1">
+            <a:spLocks/>
+          </p:cNvSpPr>
           <p:nvPr/>
         </p:nvSpPr>
         <p:spPr>
           <a:xfrm>
-            <a:off x="3329609" y="2910400"/>
-            <a:ext cx="2286000" cy="881342"/>
-          </a:xfrm>
-          <a:prstGeom prst="roundRect">
-            <a:avLst/>
-          </a:prstGeom>
-          <a:noFill/>
-        </p:spPr>
-        <p:style>
-          <a:lnRef idx="2">
-            <a:schemeClr val="accent1">
-              <a:shade val="50000"/>
-            </a:schemeClr>
-          </a:lnRef>
-          <a:fillRef idx="1">
-            <a:schemeClr val="accent1"/>
-          </a:fillRef>
-          <a:effectRef idx="0">
-            <a:schemeClr val="accent1"/>
-          </a:effectRef>
-          <a:fontRef idx="minor">
-            <a:schemeClr val="lt1"/>
-          </a:fontRef>
-        </p:style>
-        <p:txBody>
-          <a:bodyPr rtlCol="0" anchor="ctr"/>
-          <a:lstStyle/>
-          <a:p>
-            <a:pPr algn="ctr"/>
+            <a:off x="1143000" y="4214397"/>
+            <a:ext cx="6512511" cy="762000"/>
+          </a:xfrm>
+          <a:prstGeom prst="rect">
+            <a:avLst/>
+          </a:prstGeom>
+          <a:effectLst/>
+        </p:spPr>
+        <p:txBody>
+          <a:bodyPr vert="horz" lIns="91440" tIns="45720" rIns="91440" bIns="45720" rtlCol="0" anchor="t" anchorCtr="0">
+            <a:noAutofit/>
+          </a:bodyPr>
+          <a:lstStyle>
+            <a:lvl1pPr marL="320040" indent="-320040" algn="r" defTabSz="914400" rtl="0" eaLnBrk="1" latinLnBrk="0" hangingPunct="1">
+              <a:spcBef>
+                <a:spcPct val="0"/>
+              </a:spcBef>
+              <a:buClr>
+                <a:schemeClr val="accent6">
+                  <a:lumMod val="75000"/>
+                </a:schemeClr>
+              </a:buClr>
+              <a:buSzPct val="128000"/>
+              <a:buFont typeface="Georgia" pitchFamily="18" charset="0"/>
+              <a:buChar char="*"/>
+              <a:defRPr sz="4600" b="1" i="0" kern="1200">
+                <a:gradFill>
+                  <a:gsLst>
+                    <a:gs pos="0">
+                      <a:schemeClr val="tx1"/>
+                    </a:gs>
+                    <a:gs pos="40000">
+                      <a:schemeClr val="tx1">
+                        <a:lumMod val="75000"/>
+                        <a:lumOff val="25000"/>
+                      </a:schemeClr>
+                    </a:gs>
+                    <a:gs pos="100000">
+                      <a:schemeClr val="tx2">
+                        <a:alpha val="65000"/>
+                      </a:schemeClr>
+                    </a:gs>
+                  </a:gsLst>
+                  <a:lin ang="5400000" scaled="0"/>
+                </a:gradFill>
+                <a:effectLst>
+                  <a:reflection blurRad="6350" stA="55000" endA="300" endPos="45500" dir="5400000" sy="-100000" algn="bl" rotWithShape="0"/>
+                </a:effectLst>
+                <a:latin typeface="+mj-lt"/>
+                <a:ea typeface="+mj-ea"/>
+                <a:cs typeface="+mj-cs"/>
+              </a:defRPr>
+            </a:lvl1pPr>
+            <a:lvl2pPr eaLnBrk="1" hangingPunct="1">
+              <a:defRPr>
+                <a:solidFill>
+                  <a:schemeClr val="tx2"/>
+                </a:solidFill>
+              </a:defRPr>
+            </a:lvl2pPr>
+            <a:lvl3pPr eaLnBrk="1" hangingPunct="1">
+              <a:defRPr>
+                <a:solidFill>
+                  <a:schemeClr val="tx2"/>
+                </a:solidFill>
+              </a:defRPr>
+            </a:lvl3pPr>
+            <a:lvl4pPr eaLnBrk="1" hangingPunct="1">
+              <a:defRPr>
+                <a:solidFill>
+                  <a:schemeClr val="tx2"/>
+                </a:solidFill>
+              </a:defRPr>
+            </a:lvl4pPr>
+            <a:lvl5pPr eaLnBrk="1" hangingPunct="1">
+              <a:defRPr>
+                <a:solidFill>
+                  <a:schemeClr val="tx2"/>
+                </a:solidFill>
+              </a:defRPr>
+            </a:lvl5pPr>
+            <a:lvl6pPr eaLnBrk="1" hangingPunct="1">
+              <a:defRPr>
+                <a:solidFill>
+                  <a:schemeClr val="tx2"/>
+                </a:solidFill>
+              </a:defRPr>
+            </a:lvl6pPr>
+            <a:lvl7pPr eaLnBrk="1" hangingPunct="1">
+              <a:defRPr>
+                <a:solidFill>
+                  <a:schemeClr val="tx2"/>
+                </a:solidFill>
+              </a:defRPr>
+            </a:lvl7pPr>
+            <a:lvl8pPr eaLnBrk="1" hangingPunct="1">
+              <a:defRPr>
+                <a:solidFill>
+                  <a:schemeClr val="tx2"/>
+                </a:solidFill>
+              </a:defRPr>
+            </a:lvl8pPr>
+            <a:lvl9pPr eaLnBrk="1" hangingPunct="1">
+              <a:defRPr>
+                <a:solidFill>
+                  <a:schemeClr val="tx2"/>
+                </a:solidFill>
+              </a:defRPr>
+            </a:lvl9pPr>
+          </a:lstStyle>
+          <a:p>
+            <a:pPr marL="0" indent="0" algn="ctr">
+              <a:buNone/>
+            </a:pPr>
+            <a:r>
+              <a:rPr lang="en-US" dirty="0">
+                <a:effectLst/>
+              </a:rPr>
+              <a:t>What are the </a:t>
+            </a:r>
             <a:r>
               <a:rPr lang="en-US" dirty="0" smtClean="0">
+                <a:effectLst/>
+              </a:rPr>
+              <a:t>Impacts?</a:t>
+            </a:r>
+            <a:endParaRPr lang="en-US" dirty="0">
+              <a:effectLst/>
+            </a:endParaRPr>
+          </a:p>
+        </p:txBody>
+      </p:sp>
+      <p:sp>
+        <p:nvSpPr>
+          <p:cNvPr id="5" name="Content Placeholder 2"/>
+          <p:cNvSpPr txBox="1">
+            <a:spLocks/>
+          </p:cNvSpPr>
+          <p:nvPr/>
+        </p:nvSpPr>
+        <p:spPr>
+          <a:xfrm>
+            <a:off x="533400" y="4947822"/>
+            <a:ext cx="8077200" cy="1549893"/>
+          </a:xfrm>
+          <a:prstGeom prst="rect">
+            <a:avLst/>
+          </a:prstGeom>
+        </p:spPr>
+        <p:txBody>
+          <a:bodyPr vert="horz" lIns="91440" tIns="45720" rIns="91440" bIns="45720" rtlCol="0">
+            <a:normAutofit/>
+          </a:bodyPr>
+          <a:lstStyle>
+            <a:lvl1pPr marL="228600" indent="-182880" algn="l" defTabSz="914400" rtl="0" eaLnBrk="1" latinLnBrk="0" hangingPunct="1">
+              <a:spcBef>
+                <a:spcPct val="20000"/>
+              </a:spcBef>
+              <a:spcAft>
+                <a:spcPts val="300"/>
+              </a:spcAft>
+              <a:buClr>
+                <a:schemeClr val="accent6">
+                  <a:lumMod val="75000"/>
+                </a:schemeClr>
+              </a:buClr>
+              <a:buSzPct val="130000"/>
+              <a:buFont typeface="Georgia" pitchFamily="18" charset="0"/>
+              <a:buChar char="*"/>
+              <a:defRPr sz="2200" kern="1200">
                 <a:solidFill>
-                  <a:schemeClr val="tx1"/>
+                  <a:schemeClr val="tx1">
+                    <a:lumMod val="75000"/>
+                    <a:lumOff val="25000"/>
+                  </a:schemeClr>
                 </a:solidFill>
-              </a:rPr>
-              <a:t>Homework Crawler</a:t>
-            </a:r>
-            <a:endParaRPr lang="en-US" dirty="0">
-              <a:solidFill>
-                <a:schemeClr val="tx1"/>
-              </a:solidFill>
-            </a:endParaRPr>
-          </a:p>
-        </p:txBody>
-      </p:sp>
-      <p:sp>
-        <p:nvSpPr>
-          <p:cNvPr id="3" name="Rounded Rectangle 2"/>
-          <p:cNvSpPr/>
-          <p:nvPr/>
-        </p:nvSpPr>
-        <p:spPr>
-          <a:xfrm>
-            <a:off x="6334540" y="2302529"/>
-            <a:ext cx="2246242" cy="609600"/>
-          </a:xfrm>
-          <a:prstGeom prst="roundRect">
-            <a:avLst/>
-          </a:prstGeom>
-          <a:noFill/>
-        </p:spPr>
-        <p:style>
-          <a:lnRef idx="2">
-            <a:schemeClr val="accent1">
-              <a:shade val="50000"/>
-            </a:schemeClr>
-          </a:lnRef>
-          <a:fillRef idx="1">
-            <a:schemeClr val="accent1"/>
-          </a:fillRef>
-          <a:effectRef idx="0">
-            <a:schemeClr val="accent1"/>
-          </a:effectRef>
-          <a:fontRef idx="minor">
-            <a:schemeClr val="lt1"/>
-          </a:fontRef>
-        </p:style>
-        <p:txBody>
-          <a:bodyPr rtlCol="0" anchor="ctr"/>
-          <a:lstStyle/>
-          <a:p>
-            <a:pPr algn="ctr"/>
-            <a:r>
-              <a:rPr lang="en-US" dirty="0" err="1" smtClean="0">
+                <a:latin typeface="+mn-lt"/>
+                <a:ea typeface="+mn-ea"/>
+                <a:cs typeface="+mn-cs"/>
+              </a:defRPr>
+            </a:lvl1pPr>
+            <a:lvl2pPr marL="548640" indent="-182880" algn="l" defTabSz="914400" rtl="0" eaLnBrk="1" latinLnBrk="0" hangingPunct="1">
+              <a:spcBef>
+                <a:spcPct val="20000"/>
+              </a:spcBef>
+              <a:spcAft>
+                <a:spcPts val="300"/>
+              </a:spcAft>
+              <a:buClr>
+                <a:schemeClr val="accent6">
+                  <a:lumMod val="75000"/>
+                </a:schemeClr>
+              </a:buClr>
+              <a:buSzPct val="130000"/>
+              <a:buFont typeface="Georgia" pitchFamily="18" charset="0"/>
+              <a:buChar char="*"/>
+              <a:defRPr sz="2000" kern="1200">
                 <a:solidFill>
-                  <a:schemeClr val="tx1"/>
+                  <a:schemeClr val="tx1">
+                    <a:lumMod val="75000"/>
+                    <a:lumOff val="25000"/>
+                  </a:schemeClr>
                 </a:solidFill>
-              </a:rPr>
-              <a:t>Config.properties</a:t>
-            </a:r>
-            <a:endParaRPr lang="en-US" dirty="0">
-              <a:solidFill>
-                <a:schemeClr val="tx1"/>
-              </a:solidFill>
-            </a:endParaRPr>
-          </a:p>
-        </p:txBody>
-      </p:sp>
-      <p:sp>
-        <p:nvSpPr>
-          <p:cNvPr id="7" name="Rounded Rectangle 6"/>
-          <p:cNvSpPr/>
-          <p:nvPr/>
-        </p:nvSpPr>
-        <p:spPr>
-          <a:xfrm>
-            <a:off x="457199" y="609600"/>
-            <a:ext cx="2662217" cy="685800"/>
-          </a:xfrm>
-          <a:prstGeom prst="roundRect">
-            <a:avLst/>
-          </a:prstGeom>
-          <a:noFill/>
-        </p:spPr>
-        <p:style>
-          <a:lnRef idx="2">
-            <a:schemeClr val="accent1">
-              <a:shade val="50000"/>
-            </a:schemeClr>
-          </a:lnRef>
-          <a:fillRef idx="1">
-            <a:schemeClr val="accent1"/>
-          </a:fillRef>
-          <a:effectRef idx="0">
-            <a:schemeClr val="accent1"/>
-          </a:effectRef>
-          <a:fontRef idx="minor">
-            <a:schemeClr val="lt1"/>
-          </a:fontRef>
-        </p:style>
-        <p:txBody>
-          <a:bodyPr rtlCol="0" anchor="ctr"/>
-          <a:lstStyle/>
-          <a:p>
-            <a:pPr algn="ctr"/>
-            <a:r>
-              <a:rPr lang="en-US" dirty="0" smtClean="0">
+                <a:latin typeface="+mn-lt"/>
+                <a:ea typeface="+mn-ea"/>
+                <a:cs typeface="+mn-cs"/>
+              </a:defRPr>
+            </a:lvl2pPr>
+            <a:lvl3pPr marL="822960" indent="-182880" algn="l" defTabSz="914400" rtl="0" eaLnBrk="1" latinLnBrk="0" hangingPunct="1">
+              <a:spcBef>
+                <a:spcPct val="20000"/>
+              </a:spcBef>
+              <a:spcAft>
+                <a:spcPts val="300"/>
+              </a:spcAft>
+              <a:buClr>
+                <a:schemeClr val="accent6">
+                  <a:lumMod val="75000"/>
+                </a:schemeClr>
+              </a:buClr>
+              <a:buSzPct val="130000"/>
+              <a:buFont typeface="Georgia" pitchFamily="18" charset="0"/>
+              <a:buChar char="*"/>
+              <a:defRPr sz="1800" kern="1200">
                 <a:solidFill>
-                  <a:schemeClr val="tx1"/>
+                  <a:schemeClr val="tx1">
+                    <a:lumMod val="75000"/>
+                    <a:lumOff val="25000"/>
+                  </a:schemeClr>
                 </a:solidFill>
-              </a:rPr>
-              <a:t>CredentialEncrypter.py</a:t>
-            </a:r>
-            <a:endParaRPr lang="en-US" dirty="0">
-              <a:solidFill>
-                <a:schemeClr val="tx1"/>
-              </a:solidFill>
-            </a:endParaRPr>
-          </a:p>
-        </p:txBody>
-      </p:sp>
-      <p:sp>
-        <p:nvSpPr>
-          <p:cNvPr id="8" name="Rounded Rectangle 7"/>
-          <p:cNvSpPr/>
-          <p:nvPr/>
-        </p:nvSpPr>
-        <p:spPr>
-          <a:xfrm>
-            <a:off x="6096000" y="533400"/>
-            <a:ext cx="2723322" cy="1123121"/>
-          </a:xfrm>
-          <a:prstGeom prst="roundRect">
-            <a:avLst/>
-          </a:prstGeom>
-          <a:noFill/>
-        </p:spPr>
-        <p:style>
-          <a:lnRef idx="2">
-            <a:schemeClr val="accent1">
-              <a:shade val="50000"/>
-            </a:schemeClr>
-          </a:lnRef>
-          <a:fillRef idx="1">
-            <a:schemeClr val="accent1"/>
-          </a:fillRef>
-          <a:effectRef idx="0">
-            <a:schemeClr val="accent1"/>
-          </a:effectRef>
-          <a:fontRef idx="minor">
-            <a:schemeClr val="lt1"/>
-          </a:fontRef>
-        </p:style>
-        <p:txBody>
-          <a:bodyPr rtlCol="0" anchor="ctr"/>
-          <a:lstStyle/>
-          <a:p>
-            <a:pPr algn="ctr"/>
-            <a:r>
-              <a:rPr lang="en-US" dirty="0" smtClean="0">
+                <a:latin typeface="+mn-lt"/>
+                <a:ea typeface="+mn-ea"/>
+                <a:cs typeface="+mn-cs"/>
+              </a:defRPr>
+            </a:lvl3pPr>
+            <a:lvl4pPr marL="1097280" indent="-182880" algn="l" defTabSz="914400" rtl="0" eaLnBrk="1" latinLnBrk="0" hangingPunct="1">
+              <a:spcBef>
+                <a:spcPct val="20000"/>
+              </a:spcBef>
+              <a:spcAft>
+                <a:spcPts val="300"/>
+              </a:spcAft>
+              <a:buClr>
+                <a:schemeClr val="accent6">
+                  <a:lumMod val="75000"/>
+                </a:schemeClr>
+              </a:buClr>
+              <a:buSzPct val="130000"/>
+              <a:buFont typeface="Georgia" pitchFamily="18" charset="0"/>
+              <a:buChar char="*"/>
+              <a:defRPr sz="1600" kern="1200">
                 <a:solidFill>
-                  <a:schemeClr val="tx1"/>
+                  <a:schemeClr val="tx1">
+                    <a:lumMod val="75000"/>
+                    <a:lumOff val="25000"/>
+                  </a:schemeClr>
                 </a:solidFill>
-              </a:rPr>
-              <a:t>PowerSchool class links</a:t>
-            </a:r>
-          </a:p>
-          <a:p>
-            <a:pPr marL="285750" indent="-285750" algn="ctr">
-              <a:buFontTx/>
-              <a:buChar char="-"/>
-            </a:pPr>
-            <a:r>
-              <a:rPr lang="en-US" dirty="0">
+                <a:latin typeface="+mn-lt"/>
+                <a:ea typeface="+mn-ea"/>
+                <a:cs typeface="+mn-cs"/>
+              </a:defRPr>
+            </a:lvl4pPr>
+            <a:lvl5pPr marL="1389888" indent="-182880" algn="l" defTabSz="914400" rtl="0" eaLnBrk="1" latinLnBrk="0" hangingPunct="1">
+              <a:spcBef>
+                <a:spcPct val="20000"/>
+              </a:spcBef>
+              <a:spcAft>
+                <a:spcPts val="300"/>
+              </a:spcAft>
+              <a:buClr>
+                <a:schemeClr val="accent6">
+                  <a:lumMod val="75000"/>
+                </a:schemeClr>
+              </a:buClr>
+              <a:buSzPct val="130000"/>
+              <a:buFont typeface="Georgia" pitchFamily="18" charset="0"/>
+              <a:buChar char="*"/>
+              <a:defRPr sz="1400" kern="1200">
                 <a:solidFill>
-                  <a:schemeClr val="tx1"/>
+                  <a:schemeClr val="tx1">
+                    <a:lumMod val="75000"/>
+                    <a:lumOff val="25000"/>
+                  </a:schemeClr>
                 </a:solidFill>
-              </a:rPr>
-              <a:t>c</a:t>
-            </a:r>
-            <a:r>
-              <a:rPr lang="en-US" dirty="0" smtClean="0">
+                <a:latin typeface="+mn-lt"/>
+                <a:ea typeface="+mn-ea"/>
+                <a:cs typeface="+mn-cs"/>
+              </a:defRPr>
+            </a:lvl5pPr>
+            <a:lvl6pPr marL="1664208" indent="-182880" algn="l" defTabSz="914400" rtl="0" eaLnBrk="1" latinLnBrk="0" hangingPunct="1">
+              <a:spcBef>
+                <a:spcPct val="20000"/>
+              </a:spcBef>
+              <a:spcAft>
+                <a:spcPts val="300"/>
+              </a:spcAft>
+              <a:buClr>
+                <a:schemeClr val="accent6">
+                  <a:lumMod val="75000"/>
+                </a:schemeClr>
+              </a:buClr>
+              <a:buSzPct val="130000"/>
+              <a:buFont typeface="Georgia" pitchFamily="18" charset="0"/>
+              <a:buChar char="*"/>
+              <a:defRPr sz="1400" kern="1200">
                 <a:solidFill>
-                  <a:schemeClr val="tx1"/>
+                  <a:schemeClr val="tx1">
+                    <a:lumMod val="75000"/>
+                    <a:lumOff val="25000"/>
+                  </a:schemeClr>
                 </a:solidFill>
-              </a:rPr>
-              <a:t>lasses</a:t>
-            </a:r>
-          </a:p>
-          <a:p>
-            <a:pPr marL="285750" indent="-285750" algn="ctr">
-              <a:buFontTx/>
-              <a:buChar char="-"/>
-            </a:pPr>
-            <a:r>
-              <a:rPr lang="en-US" dirty="0" smtClean="0">
+                <a:latin typeface="+mn-lt"/>
+                <a:ea typeface="+mn-ea"/>
+                <a:cs typeface="+mn-cs"/>
+              </a:defRPr>
+            </a:lvl6pPr>
+            <a:lvl7pPr marL="1965960" indent="-182880" algn="l" defTabSz="914400" rtl="0" eaLnBrk="1" latinLnBrk="0" hangingPunct="1">
+              <a:spcBef>
+                <a:spcPct val="20000"/>
+              </a:spcBef>
+              <a:spcAft>
+                <a:spcPts val="300"/>
+              </a:spcAft>
+              <a:buClr>
+                <a:schemeClr val="accent6">
+                  <a:lumMod val="75000"/>
+                </a:schemeClr>
+              </a:buClr>
+              <a:buSzPct val="130000"/>
+              <a:buFont typeface="Georgia" pitchFamily="18" charset="0"/>
+              <a:buChar char="*"/>
+              <a:defRPr sz="1400" kern="1200">
                 <a:solidFill>
-                  <a:schemeClr val="tx1"/>
+                  <a:schemeClr val="tx1">
+                    <a:lumMod val="75000"/>
+                    <a:lumOff val="25000"/>
+                  </a:schemeClr>
                 </a:solidFill>
-              </a:rPr>
-              <a:t>lesson plans</a:t>
-            </a:r>
-            <a:endParaRPr lang="en-US" dirty="0">
-              <a:solidFill>
-                <a:schemeClr val="tx1"/>
-              </a:solidFill>
-            </a:endParaRPr>
-          </a:p>
-        </p:txBody>
-      </p:sp>
-      <p:cxnSp>
-        <p:nvCxnSpPr>
-          <p:cNvPr id="10" name="Straight Arrow Connector 9"/>
-          <p:cNvCxnSpPr>
-            <a:stCxn id="8" idx="2"/>
-            <a:endCxn id="3" idx="0"/>
-          </p:cNvCxnSpPr>
-          <p:nvPr/>
-        </p:nvCxnSpPr>
-        <p:spPr>
-          <a:xfrm>
-            <a:off x="7457661" y="1656521"/>
-            <a:ext cx="0" cy="646008"/>
-          </a:xfrm>
-          <a:prstGeom prst="straightConnector1">
-            <a:avLst/>
-          </a:prstGeom>
-          <a:ln>
-            <a:tailEnd type="arrow"/>
-          </a:ln>
-        </p:spPr>
-        <p:style>
-          <a:lnRef idx="1">
-            <a:schemeClr val="accent1"/>
-          </a:lnRef>
-          <a:fillRef idx="0">
-            <a:schemeClr val="accent1"/>
-          </a:fillRef>
-          <a:effectRef idx="0">
-            <a:schemeClr val="accent1"/>
-          </a:effectRef>
-          <a:fontRef idx="minor">
-            <a:schemeClr val="tx1"/>
-          </a:fontRef>
-        </p:style>
-      </p:cxnSp>
-      <p:sp>
-        <p:nvSpPr>
-          <p:cNvPr id="13" name="Rounded Rectangle 12"/>
-          <p:cNvSpPr/>
-          <p:nvPr/>
-        </p:nvSpPr>
-        <p:spPr>
-          <a:xfrm>
-            <a:off x="990600" y="1772478"/>
-            <a:ext cx="1219201" cy="685800"/>
-          </a:xfrm>
-          <a:prstGeom prst="roundRect">
-            <a:avLst/>
-          </a:prstGeom>
-          <a:noFill/>
-        </p:spPr>
-        <p:style>
-          <a:lnRef idx="2">
-            <a:schemeClr val="accent1">
-              <a:shade val="50000"/>
-            </a:schemeClr>
-          </a:lnRef>
-          <a:fillRef idx="1">
-            <a:schemeClr val="accent1"/>
-          </a:fillRef>
-          <a:effectRef idx="0">
-            <a:schemeClr val="accent1"/>
-          </a:effectRef>
-          <a:fontRef idx="minor">
-            <a:schemeClr val="lt1"/>
-          </a:fontRef>
-        </p:style>
-        <p:txBody>
-          <a:bodyPr rtlCol="0" anchor="ctr"/>
-          <a:lstStyle/>
-          <a:p>
-            <a:pPr algn="ctr"/>
-            <a:r>
-              <a:rPr lang="en-US" dirty="0" smtClean="0">
+                <a:latin typeface="+mn-lt"/>
+                <a:ea typeface="+mn-ea"/>
+                <a:cs typeface="+mn-cs"/>
+              </a:defRPr>
+            </a:lvl7pPr>
+            <a:lvl8pPr marL="2286000" indent="-182880" algn="l" defTabSz="914400" rtl="0" eaLnBrk="1" latinLnBrk="0" hangingPunct="1">
+              <a:spcBef>
+                <a:spcPct val="20000"/>
+              </a:spcBef>
+              <a:spcAft>
+                <a:spcPts val="300"/>
+              </a:spcAft>
+              <a:buClr>
+                <a:schemeClr val="accent6">
+                  <a:lumMod val="75000"/>
+                </a:schemeClr>
+              </a:buClr>
+              <a:buSzPct val="130000"/>
+              <a:buFont typeface="Georgia" pitchFamily="18" charset="0"/>
+              <a:buChar char="*"/>
+              <a:defRPr sz="1400" kern="1200">
                 <a:solidFill>
-                  <a:schemeClr val="tx1"/>
+                  <a:schemeClr val="tx1">
+                    <a:lumMod val="75000"/>
+                    <a:lumOff val="25000"/>
+                  </a:schemeClr>
                 </a:solidFill>
-              </a:rPr>
-              <a:t>cred.txt</a:t>
-            </a:r>
-            <a:endParaRPr lang="en-US" dirty="0">
-              <a:solidFill>
-                <a:schemeClr val="tx1"/>
-              </a:solidFill>
-            </a:endParaRPr>
-          </a:p>
-        </p:txBody>
-      </p:sp>
-      <p:cxnSp>
-        <p:nvCxnSpPr>
-          <p:cNvPr id="15" name="Straight Arrow Connector 14"/>
-          <p:cNvCxnSpPr>
-            <a:stCxn id="7" idx="2"/>
-            <a:endCxn id="13" idx="0"/>
-          </p:cNvCxnSpPr>
-          <p:nvPr/>
-        </p:nvCxnSpPr>
-        <p:spPr>
-          <a:xfrm flipH="1">
-            <a:off x="1600201" y="1295400"/>
-            <a:ext cx="188107" cy="477078"/>
-          </a:xfrm>
-          <a:prstGeom prst="straightConnector1">
-            <a:avLst/>
-          </a:prstGeom>
-          <a:ln>
-            <a:tailEnd type="arrow"/>
-          </a:ln>
-        </p:spPr>
-        <p:style>
-          <a:lnRef idx="1">
-            <a:schemeClr val="accent1"/>
-          </a:lnRef>
-          <a:fillRef idx="0">
-            <a:schemeClr val="accent1"/>
-          </a:fillRef>
-          <a:effectRef idx="0">
-            <a:schemeClr val="accent1"/>
-          </a:effectRef>
-          <a:fontRef idx="minor">
-            <a:schemeClr val="tx1"/>
-          </a:fontRef>
-        </p:style>
-      </p:cxnSp>
-      <p:sp>
-        <p:nvSpPr>
-          <p:cNvPr id="18" name="TextBox 17"/>
-          <p:cNvSpPr txBox="1"/>
-          <p:nvPr/>
-        </p:nvSpPr>
-        <p:spPr>
-          <a:xfrm>
-            <a:off x="1665821" y="1383268"/>
-            <a:ext cx="2657651" cy="369332"/>
-          </a:xfrm>
-          <a:prstGeom prst="rect">
-            <a:avLst/>
-          </a:prstGeom>
-          <a:noFill/>
-        </p:spPr>
-        <p:txBody>
-          <a:bodyPr wrap="none" rtlCol="0">
-            <a:spAutoFit/>
-          </a:bodyPr>
-          <a:lstStyle/>
+                <a:latin typeface="+mn-lt"/>
+                <a:ea typeface="+mn-ea"/>
+                <a:cs typeface="+mn-cs"/>
+              </a:defRPr>
+            </a:lvl8pPr>
+            <a:lvl9pPr marL="2587752" indent="-182880" algn="l" defTabSz="914400" rtl="0" eaLnBrk="1" latinLnBrk="0" hangingPunct="1">
+              <a:spcBef>
+                <a:spcPct val="20000"/>
+              </a:spcBef>
+              <a:spcAft>
+                <a:spcPts val="300"/>
+              </a:spcAft>
+              <a:buClr>
+                <a:schemeClr val="accent6">
+                  <a:lumMod val="75000"/>
+                </a:schemeClr>
+              </a:buClr>
+              <a:buSzPct val="130000"/>
+              <a:buFont typeface="Georgia" pitchFamily="18" charset="0"/>
+              <a:buChar char="*"/>
+              <a:defRPr sz="1400" kern="1200">
+                <a:solidFill>
+                  <a:schemeClr val="tx1">
+                    <a:lumMod val="75000"/>
+                    <a:lumOff val="25000"/>
+                  </a:schemeClr>
+                </a:solidFill>
+                <a:latin typeface="+mn-lt"/>
+                <a:ea typeface="+mn-ea"/>
+                <a:cs typeface="+mn-cs"/>
+              </a:defRPr>
+            </a:lvl9pPr>
+          </a:lstStyle>
           <a:p>
             <a:r>
               <a:rPr lang="en-US" dirty="0" smtClean="0"/>
-              <a:t>VCHS </a:t>
-            </a:r>
-            <a:r>
-              <a:rPr lang="en-US" dirty="0" err="1" smtClean="0"/>
-              <a:t>Username,password</a:t>
-            </a:r>
-            <a:endParaRPr lang="en-US" dirty="0"/>
-          </a:p>
-        </p:txBody>
-      </p:sp>
-      <p:sp>
-        <p:nvSpPr>
-          <p:cNvPr id="25" name="Rounded Rectangle 24"/>
-          <p:cNvSpPr/>
-          <p:nvPr/>
-        </p:nvSpPr>
-        <p:spPr>
-          <a:xfrm>
-            <a:off x="3316358" y="4697121"/>
-            <a:ext cx="2246242" cy="609600"/>
-          </a:xfrm>
-          <a:prstGeom prst="roundRect">
-            <a:avLst/>
-          </a:prstGeom>
-          <a:noFill/>
-        </p:spPr>
-        <p:style>
-          <a:lnRef idx="2">
-            <a:schemeClr val="accent1">
-              <a:shade val="50000"/>
-            </a:schemeClr>
-          </a:lnRef>
-          <a:fillRef idx="1">
-            <a:schemeClr val="accent1"/>
-          </a:fillRef>
-          <a:effectRef idx="0">
-            <a:schemeClr val="accent1"/>
-          </a:effectRef>
-          <a:fontRef idx="minor">
-            <a:schemeClr val="lt1"/>
-          </a:fontRef>
-        </p:style>
-        <p:txBody>
-          <a:bodyPr rtlCol="0" anchor="ctr"/>
-          <a:lstStyle/>
-          <a:p>
-            <a:pPr algn="ctr"/>
-            <a:r>
-              <a:rPr lang="en-US" dirty="0" smtClean="0">
-                <a:solidFill>
-                  <a:schemeClr val="tx1"/>
-                </a:solidFill>
-              </a:rPr>
-              <a:t>fill_spreadsheet.py</a:t>
-            </a:r>
-            <a:endParaRPr lang="en-US" dirty="0">
-              <a:solidFill>
-                <a:schemeClr val="tx1"/>
-              </a:solidFill>
-            </a:endParaRPr>
-          </a:p>
-        </p:txBody>
-      </p:sp>
-      <p:sp>
-        <p:nvSpPr>
-          <p:cNvPr id="26" name="Rounded Rectangle 25"/>
-          <p:cNvSpPr/>
-          <p:nvPr/>
-        </p:nvSpPr>
-        <p:spPr>
-          <a:xfrm>
-            <a:off x="387627" y="4693808"/>
-            <a:ext cx="2246242" cy="609600"/>
-          </a:xfrm>
-          <a:prstGeom prst="roundRect">
-            <a:avLst/>
-          </a:prstGeom>
-          <a:noFill/>
-        </p:spPr>
-        <p:style>
-          <a:lnRef idx="2">
-            <a:schemeClr val="accent1">
-              <a:shade val="50000"/>
-            </a:schemeClr>
-          </a:lnRef>
-          <a:fillRef idx="1">
-            <a:schemeClr val="accent1"/>
-          </a:fillRef>
-          <a:effectRef idx="0">
-            <a:schemeClr val="accent1"/>
-          </a:effectRef>
-          <a:fontRef idx="minor">
-            <a:schemeClr val="lt1"/>
-          </a:fontRef>
-        </p:style>
-        <p:txBody>
-          <a:bodyPr rtlCol="0" anchor="ctr"/>
-          <a:lstStyle/>
-          <a:p>
-            <a:pPr algn="ctr"/>
-            <a:r>
-              <a:rPr lang="en-US" dirty="0" err="1" smtClean="0">
-                <a:solidFill>
-                  <a:schemeClr val="tx1"/>
-                </a:solidFill>
-              </a:rPr>
-              <a:t>Client_secret.json</a:t>
-            </a:r>
-            <a:endParaRPr lang="en-US" dirty="0">
-              <a:solidFill>
-                <a:schemeClr val="tx1"/>
-              </a:solidFill>
-            </a:endParaRPr>
-          </a:p>
-        </p:txBody>
-      </p:sp>
-      <p:cxnSp>
-        <p:nvCxnSpPr>
-          <p:cNvPr id="28" name="Straight Arrow Connector 27"/>
-          <p:cNvCxnSpPr>
-            <a:stCxn id="25" idx="1"/>
-            <a:endCxn id="26" idx="3"/>
-          </p:cNvCxnSpPr>
-          <p:nvPr/>
-        </p:nvCxnSpPr>
-        <p:spPr>
-          <a:xfrm flipH="1" flipV="1">
-            <a:off x="2633869" y="4998608"/>
-            <a:ext cx="682489" cy="3313"/>
-          </a:xfrm>
-          <a:prstGeom prst="straightConnector1">
-            <a:avLst/>
-          </a:prstGeom>
-          <a:ln>
-            <a:tailEnd type="arrow"/>
-          </a:ln>
-        </p:spPr>
-        <p:style>
-          <a:lnRef idx="1">
-            <a:schemeClr val="accent1"/>
-          </a:lnRef>
-          <a:fillRef idx="0">
-            <a:schemeClr val="accent1"/>
-          </a:fillRef>
-          <a:effectRef idx="0">
-            <a:schemeClr val="accent1"/>
-          </a:effectRef>
-          <a:fontRef idx="minor">
-            <a:schemeClr val="tx1"/>
-          </a:fontRef>
-        </p:style>
-      </p:cxnSp>
-      <p:sp>
-        <p:nvSpPr>
-          <p:cNvPr id="34" name="Rounded Rectangle 33"/>
-          <p:cNvSpPr/>
-          <p:nvPr/>
-        </p:nvSpPr>
-        <p:spPr>
-          <a:xfrm>
-            <a:off x="6298097" y="4697121"/>
-            <a:ext cx="2246242" cy="609600"/>
-          </a:xfrm>
-          <a:prstGeom prst="roundRect">
-            <a:avLst/>
-          </a:prstGeom>
-          <a:noFill/>
-        </p:spPr>
-        <p:style>
-          <a:lnRef idx="2">
-            <a:schemeClr val="accent1">
-              <a:shade val="50000"/>
-            </a:schemeClr>
-          </a:lnRef>
-          <a:fillRef idx="1">
-            <a:schemeClr val="accent1"/>
-          </a:fillRef>
-          <a:effectRef idx="0">
-            <a:schemeClr val="accent1"/>
-          </a:effectRef>
-          <a:fontRef idx="minor">
-            <a:schemeClr val="lt1"/>
-          </a:fontRef>
-        </p:style>
-        <p:txBody>
-          <a:bodyPr rtlCol="0" anchor="ctr"/>
-          <a:lstStyle/>
-          <a:p>
-            <a:pPr algn="ctr"/>
-            <a:r>
-              <a:rPr lang="en-US" dirty="0" smtClean="0">
-                <a:solidFill>
-                  <a:schemeClr val="tx1"/>
-                </a:solidFill>
-              </a:rPr>
-              <a:t>Google spreadsheet</a:t>
-            </a:r>
-            <a:endParaRPr lang="en-US" dirty="0">
-              <a:solidFill>
-                <a:schemeClr val="tx1"/>
-              </a:solidFill>
-            </a:endParaRPr>
-          </a:p>
-        </p:txBody>
-      </p:sp>
-      <p:cxnSp>
-        <p:nvCxnSpPr>
-          <p:cNvPr id="36" name="Straight Arrow Connector 35"/>
-          <p:cNvCxnSpPr>
-            <a:stCxn id="25" idx="3"/>
-            <a:endCxn id="34" idx="1"/>
-          </p:cNvCxnSpPr>
-          <p:nvPr/>
-        </p:nvCxnSpPr>
-        <p:spPr>
-          <a:xfrm>
-            <a:off x="5562600" y="5001921"/>
-            <a:ext cx="735497" cy="0"/>
-          </a:xfrm>
-          <a:prstGeom prst="straightConnector1">
-            <a:avLst/>
-          </a:prstGeom>
-          <a:ln>
-            <a:tailEnd type="arrow"/>
-          </a:ln>
-        </p:spPr>
-        <p:style>
-          <a:lnRef idx="1">
-            <a:schemeClr val="accent1"/>
-          </a:lnRef>
-          <a:fillRef idx="0">
-            <a:schemeClr val="accent1"/>
-          </a:fillRef>
-          <a:effectRef idx="0">
-            <a:schemeClr val="accent1"/>
-          </a:effectRef>
-          <a:fontRef idx="minor">
-            <a:schemeClr val="tx1"/>
-          </a:fontRef>
-        </p:style>
-      </p:cxnSp>
-      <p:sp>
-        <p:nvSpPr>
-          <p:cNvPr id="37" name="TextBox 36"/>
-          <p:cNvSpPr txBox="1"/>
-          <p:nvPr/>
-        </p:nvSpPr>
-        <p:spPr>
-          <a:xfrm>
-            <a:off x="5373849" y="4998608"/>
-            <a:ext cx="1112997" cy="369332"/>
-          </a:xfrm>
-          <a:prstGeom prst="rect">
-            <a:avLst/>
-          </a:prstGeom>
-          <a:noFill/>
-        </p:spPr>
-        <p:txBody>
-          <a:bodyPr wrap="none" rtlCol="0">
-            <a:spAutoFit/>
-          </a:bodyPr>
-          <a:lstStyle/>
+              <a:t>Student’s grades suffer due to missing deadlines</a:t>
+            </a:r>
+          </a:p>
           <a:p>
             <a:r>
               <a:rPr lang="en-US" dirty="0" smtClean="0"/>
-              <a:t>populates</a:t>
-            </a:r>
-            <a:endParaRPr lang="en-US" dirty="0"/>
-          </a:p>
-        </p:txBody>
-      </p:sp>
-      <p:sp>
-        <p:nvSpPr>
-          <p:cNvPr id="41" name="TextBox 40"/>
-          <p:cNvSpPr txBox="1"/>
-          <p:nvPr/>
-        </p:nvSpPr>
-        <p:spPr>
-          <a:xfrm>
-            <a:off x="7688037" y="1752600"/>
-            <a:ext cx="1097865" cy="369332"/>
-          </a:xfrm>
-          <a:prstGeom prst="rect">
-            <a:avLst/>
-          </a:prstGeom>
-          <a:noFill/>
-        </p:spPr>
-        <p:txBody>
-          <a:bodyPr wrap="none" rtlCol="0">
-            <a:spAutoFit/>
-          </a:bodyPr>
-          <a:lstStyle/>
-          <a:p>
-            <a:r>
-              <a:rPr lang="en-US" dirty="0"/>
-              <a:t>c</a:t>
-            </a:r>
+              <a:t>Takes time wandering through the student portal</a:t>
+            </a:r>
+          </a:p>
+          <a:p>
             <a:r>
               <a:rPr lang="en-US" dirty="0" smtClean="0"/>
-              <a:t>lass links</a:t>
-            </a:r>
-            <a:endParaRPr lang="en-US" dirty="0"/>
-          </a:p>
-        </p:txBody>
-      </p:sp>
-      <p:sp>
-        <p:nvSpPr>
-          <p:cNvPr id="43" name="Oval 42"/>
-          <p:cNvSpPr/>
-          <p:nvPr/>
-        </p:nvSpPr>
-        <p:spPr>
-          <a:xfrm>
-            <a:off x="235227" y="228600"/>
-            <a:ext cx="304800" cy="304800"/>
-          </a:xfrm>
-          <a:prstGeom prst="ellipse">
-            <a:avLst/>
-          </a:prstGeom>
-          <a:noFill/>
-        </p:spPr>
-        <p:style>
-          <a:lnRef idx="2">
-            <a:schemeClr val="accent1">
-              <a:shade val="50000"/>
-            </a:schemeClr>
-          </a:lnRef>
-          <a:fillRef idx="1">
-            <a:schemeClr val="accent1"/>
-          </a:fillRef>
-          <a:effectRef idx="0">
-            <a:schemeClr val="accent1"/>
-          </a:effectRef>
-          <a:fontRef idx="minor">
-            <a:schemeClr val="lt1"/>
-          </a:fontRef>
-        </p:style>
-        <p:txBody>
-          <a:bodyPr rtlCol="0" anchor="ctr"/>
-          <a:lstStyle/>
-          <a:p>
-            <a:pPr algn="ctr"/>
-            <a:r>
-              <a:rPr lang="en-US" dirty="0" smtClean="0">
-                <a:solidFill>
-                  <a:schemeClr val="tx1"/>
-                </a:solidFill>
-              </a:rPr>
-              <a:t>1</a:t>
-            </a:r>
-            <a:endParaRPr lang="en-US" dirty="0">
-              <a:solidFill>
-                <a:schemeClr val="tx1"/>
-              </a:solidFill>
-            </a:endParaRPr>
-          </a:p>
-        </p:txBody>
-      </p:sp>
-      <p:sp>
-        <p:nvSpPr>
-          <p:cNvPr id="44" name="Oval 43"/>
-          <p:cNvSpPr/>
-          <p:nvPr/>
-        </p:nvSpPr>
-        <p:spPr>
-          <a:xfrm>
-            <a:off x="5777947" y="221974"/>
-            <a:ext cx="304800" cy="304800"/>
-          </a:xfrm>
-          <a:prstGeom prst="ellipse">
-            <a:avLst/>
-          </a:prstGeom>
-          <a:noFill/>
-        </p:spPr>
-        <p:style>
-          <a:lnRef idx="2">
-            <a:schemeClr val="accent1">
-              <a:shade val="50000"/>
-            </a:schemeClr>
-          </a:lnRef>
-          <a:fillRef idx="1">
-            <a:schemeClr val="accent1"/>
-          </a:fillRef>
-          <a:effectRef idx="0">
-            <a:schemeClr val="accent1"/>
-          </a:effectRef>
-          <a:fontRef idx="minor">
-            <a:schemeClr val="lt1"/>
-          </a:fontRef>
-        </p:style>
-        <p:txBody>
-          <a:bodyPr rtlCol="0" anchor="ctr"/>
-          <a:lstStyle/>
-          <a:p>
-            <a:pPr algn="ctr"/>
-            <a:r>
-              <a:rPr lang="en-US" dirty="0" smtClean="0">
-                <a:solidFill>
-                  <a:schemeClr val="tx1"/>
-                </a:solidFill>
-              </a:rPr>
-              <a:t>3</a:t>
-            </a:r>
-            <a:endParaRPr lang="en-US" dirty="0">
-              <a:solidFill>
-                <a:schemeClr val="tx1"/>
-              </a:solidFill>
-            </a:endParaRPr>
-          </a:p>
-        </p:txBody>
-      </p:sp>
-      <p:cxnSp>
-        <p:nvCxnSpPr>
-          <p:cNvPr id="46" name="Straight Arrow Connector 45"/>
-          <p:cNvCxnSpPr>
-            <a:stCxn id="2" idx="2"/>
-            <a:endCxn id="25" idx="0"/>
-          </p:cNvCxnSpPr>
-          <p:nvPr/>
-        </p:nvCxnSpPr>
-        <p:spPr>
-          <a:xfrm flipH="1">
-            <a:off x="4439479" y="3791742"/>
-            <a:ext cx="33130" cy="905379"/>
-          </a:xfrm>
-          <a:prstGeom prst="straightConnector1">
-            <a:avLst/>
-          </a:prstGeom>
-          <a:ln>
-            <a:tailEnd type="arrow"/>
-          </a:ln>
-        </p:spPr>
-        <p:style>
-          <a:lnRef idx="1">
-            <a:schemeClr val="accent1"/>
-          </a:lnRef>
-          <a:fillRef idx="0">
-            <a:schemeClr val="accent1"/>
-          </a:fillRef>
-          <a:effectRef idx="0">
-            <a:schemeClr val="accent1"/>
-          </a:effectRef>
-          <a:fontRef idx="minor">
-            <a:schemeClr val="tx1"/>
-          </a:fontRef>
-        </p:style>
-      </p:cxnSp>
-      <p:sp>
-        <p:nvSpPr>
-          <p:cNvPr id="47" name="TextBox 46"/>
-          <p:cNvSpPr txBox="1"/>
-          <p:nvPr/>
-        </p:nvSpPr>
-        <p:spPr>
-          <a:xfrm>
-            <a:off x="4493310" y="4048629"/>
-            <a:ext cx="881395" cy="369332"/>
-          </a:xfrm>
-          <a:prstGeom prst="rect">
-            <a:avLst/>
-          </a:prstGeom>
-          <a:noFill/>
-        </p:spPr>
-        <p:txBody>
-          <a:bodyPr wrap="none" rtlCol="0">
-            <a:spAutoFit/>
-          </a:bodyPr>
-          <a:lstStyle/>
-          <a:p>
-            <a:r>
-              <a:rPr lang="en-US" dirty="0" smtClean="0"/>
-              <a:t>invokes</a:t>
-            </a:r>
-            <a:endParaRPr lang="en-US" dirty="0"/>
-          </a:p>
-        </p:txBody>
-      </p:sp>
-      <p:sp>
-        <p:nvSpPr>
-          <p:cNvPr id="48" name="TextBox 47"/>
-          <p:cNvSpPr txBox="1"/>
-          <p:nvPr/>
-        </p:nvSpPr>
-        <p:spPr>
-          <a:xfrm>
-            <a:off x="2616936" y="5118742"/>
-            <a:ext cx="699422" cy="369332"/>
-          </a:xfrm>
-          <a:prstGeom prst="rect">
-            <a:avLst/>
-          </a:prstGeom>
-          <a:noFill/>
-        </p:spPr>
-        <p:txBody>
-          <a:bodyPr wrap="none" rtlCol="0">
-            <a:spAutoFit/>
-          </a:bodyPr>
-          <a:lstStyle/>
-          <a:p>
-            <a:r>
-              <a:rPr lang="en-US" dirty="0" smtClean="0"/>
-              <a:t>reads</a:t>
-            </a:r>
-            <a:endParaRPr lang="en-US" dirty="0"/>
-          </a:p>
-        </p:txBody>
-      </p:sp>
-      <p:sp>
-        <p:nvSpPr>
-          <p:cNvPr id="49" name="Rounded Rectangle 48"/>
-          <p:cNvSpPr/>
-          <p:nvPr/>
-        </p:nvSpPr>
-        <p:spPr>
-          <a:xfrm>
-            <a:off x="6334540" y="3486942"/>
-            <a:ext cx="2246242" cy="609600"/>
-          </a:xfrm>
-          <a:prstGeom prst="roundRect">
-            <a:avLst/>
-          </a:prstGeom>
-          <a:noFill/>
-        </p:spPr>
-        <p:style>
-          <a:lnRef idx="2">
-            <a:schemeClr val="accent1">
-              <a:shade val="50000"/>
-            </a:schemeClr>
-          </a:lnRef>
-          <a:fillRef idx="1">
-            <a:schemeClr val="accent1"/>
-          </a:fillRef>
-          <a:effectRef idx="0">
-            <a:schemeClr val="accent1"/>
-          </a:effectRef>
-          <a:fontRef idx="minor">
-            <a:schemeClr val="lt1"/>
-          </a:fontRef>
-        </p:style>
-        <p:txBody>
-          <a:bodyPr rtlCol="0" anchor="ctr"/>
-          <a:lstStyle/>
-          <a:p>
-            <a:pPr algn="ctr"/>
-            <a:r>
-              <a:rPr lang="en-US" dirty="0" smtClean="0">
-                <a:solidFill>
-                  <a:schemeClr val="tx1"/>
-                </a:solidFill>
-              </a:rPr>
-              <a:t>Browser driver</a:t>
-            </a:r>
-            <a:endParaRPr lang="en-US" dirty="0">
-              <a:solidFill>
-                <a:schemeClr val="tx1"/>
-              </a:solidFill>
-            </a:endParaRPr>
-          </a:p>
-        </p:txBody>
-      </p:sp>
-      <p:cxnSp>
-        <p:nvCxnSpPr>
-          <p:cNvPr id="51" name="Straight Arrow Connector 50"/>
-          <p:cNvCxnSpPr>
-            <a:stCxn id="49" idx="0"/>
-            <a:endCxn id="3" idx="2"/>
-          </p:cNvCxnSpPr>
-          <p:nvPr/>
-        </p:nvCxnSpPr>
-        <p:spPr>
-          <a:xfrm flipV="1">
-            <a:off x="7457661" y="2912129"/>
-            <a:ext cx="0" cy="574813"/>
-          </a:xfrm>
-          <a:prstGeom prst="straightConnector1">
-            <a:avLst/>
-          </a:prstGeom>
-          <a:ln>
-            <a:tailEnd type="arrow"/>
-          </a:ln>
-        </p:spPr>
-        <p:style>
-          <a:lnRef idx="1">
-            <a:schemeClr val="accent1"/>
-          </a:lnRef>
-          <a:fillRef idx="0">
-            <a:schemeClr val="accent1"/>
-          </a:fillRef>
-          <a:effectRef idx="0">
-            <a:schemeClr val="accent1"/>
-          </a:effectRef>
-          <a:fontRef idx="minor">
-            <a:schemeClr val="tx1"/>
-          </a:fontRef>
-        </p:style>
-      </p:cxnSp>
-      <p:sp>
-        <p:nvSpPr>
-          <p:cNvPr id="52" name="TextBox 51"/>
-          <p:cNvSpPr txBox="1"/>
-          <p:nvPr/>
-        </p:nvSpPr>
-        <p:spPr>
-          <a:xfrm>
-            <a:off x="7523922" y="2996539"/>
-            <a:ext cx="937244" cy="369332"/>
-          </a:xfrm>
-          <a:prstGeom prst="rect">
-            <a:avLst/>
-          </a:prstGeom>
-          <a:noFill/>
-        </p:spPr>
-        <p:txBody>
-          <a:bodyPr wrap="none" rtlCol="0">
-            <a:spAutoFit/>
-          </a:bodyPr>
-          <a:lstStyle/>
-          <a:p>
-            <a:r>
-              <a:rPr lang="en-US" dirty="0" smtClean="0"/>
-              <a:t>location</a:t>
-            </a:r>
-            <a:endParaRPr lang="en-US" dirty="0"/>
-          </a:p>
-        </p:txBody>
-      </p:sp>
-      <p:cxnSp>
-        <p:nvCxnSpPr>
-          <p:cNvPr id="55" name="Straight Arrow Connector 54"/>
-          <p:cNvCxnSpPr>
-            <a:stCxn id="2" idx="1"/>
-            <a:endCxn id="13" idx="3"/>
-          </p:cNvCxnSpPr>
-          <p:nvPr/>
-        </p:nvCxnSpPr>
-        <p:spPr>
-          <a:xfrm flipH="1" flipV="1">
-            <a:off x="2209801" y="2115378"/>
-            <a:ext cx="1119808" cy="1235693"/>
-          </a:xfrm>
-          <a:prstGeom prst="straightConnector1">
-            <a:avLst/>
-          </a:prstGeom>
-          <a:ln>
-            <a:tailEnd type="arrow"/>
-          </a:ln>
-        </p:spPr>
-        <p:style>
-          <a:lnRef idx="1">
-            <a:schemeClr val="accent1"/>
-          </a:lnRef>
-          <a:fillRef idx="0">
-            <a:schemeClr val="accent1"/>
-          </a:fillRef>
-          <a:effectRef idx="0">
-            <a:schemeClr val="accent1"/>
-          </a:effectRef>
-          <a:fontRef idx="minor">
-            <a:schemeClr val="tx1"/>
-          </a:fontRef>
-        </p:style>
-      </p:cxnSp>
-      <p:sp>
-        <p:nvSpPr>
-          <p:cNvPr id="56" name="TextBox 55"/>
-          <p:cNvSpPr txBox="1"/>
-          <p:nvPr/>
-        </p:nvSpPr>
-        <p:spPr>
-          <a:xfrm>
-            <a:off x="5406518" y="2548558"/>
-            <a:ext cx="699422" cy="369332"/>
-          </a:xfrm>
-          <a:prstGeom prst="rect">
-            <a:avLst/>
-          </a:prstGeom>
-          <a:noFill/>
-        </p:spPr>
-        <p:txBody>
-          <a:bodyPr wrap="none" rtlCol="0">
-            <a:spAutoFit/>
-          </a:bodyPr>
-          <a:lstStyle/>
-          <a:p>
-            <a:r>
-              <a:rPr lang="en-US" dirty="0" smtClean="0"/>
-              <a:t>reads</a:t>
-            </a:r>
-            <a:endParaRPr lang="en-US" dirty="0"/>
-          </a:p>
-        </p:txBody>
-      </p:sp>
-      <p:cxnSp>
-        <p:nvCxnSpPr>
-          <p:cNvPr id="60" name="Straight Arrow Connector 59"/>
-          <p:cNvCxnSpPr>
-            <a:stCxn id="2" idx="0"/>
-            <a:endCxn id="8" idx="1"/>
-          </p:cNvCxnSpPr>
-          <p:nvPr/>
-        </p:nvCxnSpPr>
-        <p:spPr>
-          <a:xfrm flipV="1">
-            <a:off x="4472609" y="1094961"/>
-            <a:ext cx="1623391" cy="1815439"/>
-          </a:xfrm>
-          <a:prstGeom prst="straightConnector1">
-            <a:avLst/>
-          </a:prstGeom>
-          <a:ln>
-            <a:tailEnd type="arrow"/>
-          </a:ln>
-        </p:spPr>
-        <p:style>
-          <a:lnRef idx="1">
-            <a:schemeClr val="accent1"/>
-          </a:lnRef>
-          <a:fillRef idx="0">
-            <a:schemeClr val="accent1"/>
-          </a:fillRef>
-          <a:effectRef idx="0">
-            <a:schemeClr val="accent1"/>
-          </a:effectRef>
-          <a:fontRef idx="minor">
-            <a:schemeClr val="tx1"/>
-          </a:fontRef>
-        </p:style>
-      </p:cxnSp>
-      <p:sp>
-        <p:nvSpPr>
-          <p:cNvPr id="61" name="TextBox 60"/>
-          <p:cNvSpPr txBox="1"/>
-          <p:nvPr/>
-        </p:nvSpPr>
-        <p:spPr>
-          <a:xfrm>
-            <a:off x="4089768" y="2222296"/>
-            <a:ext cx="774636" cy="369332"/>
-          </a:xfrm>
-          <a:prstGeom prst="rect">
-            <a:avLst/>
-          </a:prstGeom>
-          <a:noFill/>
-        </p:spPr>
-        <p:txBody>
-          <a:bodyPr wrap="none" rtlCol="0">
-            <a:spAutoFit/>
-          </a:bodyPr>
-          <a:lstStyle/>
-          <a:p>
-            <a:r>
-              <a:rPr lang="en-US" dirty="0" smtClean="0"/>
-              <a:t>crawls</a:t>
-            </a:r>
-            <a:endParaRPr lang="en-US" dirty="0"/>
-          </a:p>
-        </p:txBody>
-      </p:sp>
-      <p:sp>
-        <p:nvSpPr>
-          <p:cNvPr id="63" name="Oval 62"/>
-          <p:cNvSpPr/>
-          <p:nvPr/>
-        </p:nvSpPr>
-        <p:spPr>
-          <a:xfrm>
-            <a:off x="235226" y="4236608"/>
-            <a:ext cx="304800" cy="304800"/>
-          </a:xfrm>
-          <a:prstGeom prst="ellipse">
-            <a:avLst/>
-          </a:prstGeom>
-          <a:noFill/>
-        </p:spPr>
-        <p:style>
-          <a:lnRef idx="2">
-            <a:schemeClr val="accent1">
-              <a:shade val="50000"/>
-            </a:schemeClr>
-          </a:lnRef>
-          <a:fillRef idx="1">
-            <a:schemeClr val="accent1"/>
-          </a:fillRef>
-          <a:effectRef idx="0">
-            <a:schemeClr val="accent1"/>
-          </a:effectRef>
-          <a:fontRef idx="minor">
-            <a:schemeClr val="lt1"/>
-          </a:fontRef>
-        </p:style>
-        <p:txBody>
-          <a:bodyPr rtlCol="0" anchor="ctr"/>
-          <a:lstStyle/>
-          <a:p>
-            <a:pPr algn="ctr"/>
-            <a:r>
-              <a:rPr lang="en-US" dirty="0" smtClean="0">
-                <a:solidFill>
-                  <a:schemeClr val="tx1"/>
-                </a:solidFill>
-              </a:rPr>
-              <a:t>2</a:t>
-            </a:r>
-            <a:endParaRPr lang="en-US" dirty="0">
-              <a:solidFill>
-                <a:schemeClr val="tx1"/>
-              </a:solidFill>
-            </a:endParaRPr>
-          </a:p>
-        </p:txBody>
-      </p:sp>
-      <p:sp>
-        <p:nvSpPr>
-          <p:cNvPr id="64" name="Oval 63"/>
-          <p:cNvSpPr/>
-          <p:nvPr/>
-        </p:nvSpPr>
-        <p:spPr>
-          <a:xfrm>
-            <a:off x="6105940" y="3181205"/>
-            <a:ext cx="304800" cy="304800"/>
-          </a:xfrm>
-          <a:prstGeom prst="ellipse">
-            <a:avLst/>
-          </a:prstGeom>
-          <a:noFill/>
-        </p:spPr>
-        <p:style>
-          <a:lnRef idx="2">
-            <a:schemeClr val="accent1">
-              <a:shade val="50000"/>
-            </a:schemeClr>
-          </a:lnRef>
-          <a:fillRef idx="1">
-            <a:schemeClr val="accent1"/>
-          </a:fillRef>
-          <a:effectRef idx="0">
-            <a:schemeClr val="accent1"/>
-          </a:effectRef>
-          <a:fontRef idx="minor">
-            <a:schemeClr val="lt1"/>
-          </a:fontRef>
-        </p:style>
-        <p:txBody>
-          <a:bodyPr rtlCol="0" anchor="ctr"/>
-          <a:lstStyle/>
-          <a:p>
-            <a:pPr algn="ctr"/>
-            <a:r>
-              <a:rPr lang="en-US" dirty="0" smtClean="0">
-                <a:solidFill>
-                  <a:schemeClr val="tx1"/>
-                </a:solidFill>
-              </a:rPr>
-              <a:t>4</a:t>
-            </a:r>
-            <a:endParaRPr lang="en-US" dirty="0">
-              <a:solidFill>
-                <a:schemeClr val="tx1"/>
-              </a:solidFill>
-            </a:endParaRPr>
-          </a:p>
-        </p:txBody>
-      </p:sp>
-      <p:sp>
-        <p:nvSpPr>
-          <p:cNvPr id="65" name="Oval 64"/>
-          <p:cNvSpPr/>
-          <p:nvPr/>
-        </p:nvSpPr>
-        <p:spPr>
-          <a:xfrm>
-            <a:off x="2842246" y="3365871"/>
-            <a:ext cx="304800" cy="304800"/>
-          </a:xfrm>
-          <a:prstGeom prst="ellipse">
-            <a:avLst/>
-          </a:prstGeom>
-          <a:noFill/>
-        </p:spPr>
-        <p:style>
-          <a:lnRef idx="2">
-            <a:schemeClr val="accent1">
-              <a:shade val="50000"/>
-            </a:schemeClr>
-          </a:lnRef>
-          <a:fillRef idx="1">
-            <a:schemeClr val="accent1"/>
-          </a:fillRef>
-          <a:effectRef idx="0">
-            <a:schemeClr val="accent1"/>
-          </a:effectRef>
-          <a:fontRef idx="minor">
-            <a:schemeClr val="lt1"/>
-          </a:fontRef>
-        </p:style>
-        <p:txBody>
-          <a:bodyPr rtlCol="0" anchor="ctr"/>
-          <a:lstStyle/>
-          <a:p>
-            <a:pPr algn="ctr"/>
-            <a:r>
-              <a:rPr lang="en-US" dirty="0" smtClean="0">
-                <a:solidFill>
-                  <a:schemeClr val="tx1"/>
-                </a:solidFill>
-              </a:rPr>
-              <a:t>5</a:t>
-            </a:r>
-            <a:endParaRPr lang="en-US" dirty="0">
-              <a:solidFill>
-                <a:schemeClr val="tx1"/>
-              </a:solidFill>
-            </a:endParaRPr>
-          </a:p>
-        </p:txBody>
-      </p:sp>
-      <p:sp>
-        <p:nvSpPr>
-          <p:cNvPr id="67" name="TextBox 66"/>
-          <p:cNvSpPr txBox="1"/>
-          <p:nvPr/>
-        </p:nvSpPr>
-        <p:spPr>
-          <a:xfrm>
-            <a:off x="235227" y="5454134"/>
-            <a:ext cx="8935459" cy="1477328"/>
-          </a:xfrm>
-          <a:prstGeom prst="rect">
-            <a:avLst/>
-          </a:prstGeom>
-          <a:noFill/>
-        </p:spPr>
-        <p:txBody>
-          <a:bodyPr wrap="none" rtlCol="0">
-            <a:spAutoFit/>
-          </a:bodyPr>
-          <a:lstStyle/>
-          <a:p>
-            <a:pPr marL="342900" indent="-342900">
-              <a:buAutoNum type="arabicParenR"/>
-            </a:pPr>
-            <a:r>
-              <a:rPr lang="en-US" dirty="0" smtClean="0"/>
-              <a:t>Use </a:t>
-            </a:r>
-            <a:r>
-              <a:rPr lang="en-US" dirty="0" err="1" smtClean="0"/>
-              <a:t>CredentialEncrypter</a:t>
-            </a:r>
-            <a:r>
-              <a:rPr lang="en-US" dirty="0" smtClean="0"/>
-              <a:t> to encrypt your VCHS PowerSchool credentials, </a:t>
-            </a:r>
-          </a:p>
-          <a:p>
-            <a:pPr marL="342900" indent="-342900">
-              <a:buAutoNum type="arabicParenR"/>
-            </a:pPr>
-            <a:r>
-              <a:rPr lang="en-US" dirty="0" smtClean="0"/>
-              <a:t>Follow the </a:t>
-            </a:r>
-            <a:r>
-              <a:rPr lang="en-US" dirty="0" err="1" smtClean="0"/>
-              <a:t>SpreadsheetUpdater</a:t>
-            </a:r>
-            <a:r>
-              <a:rPr lang="en-US" dirty="0" smtClean="0"/>
-              <a:t> README to get your Google credentials</a:t>
-            </a:r>
-          </a:p>
-          <a:p>
-            <a:pPr marL="342900" indent="-342900">
-              <a:buAutoNum type="arabicParenR"/>
-            </a:pPr>
-            <a:r>
-              <a:rPr lang="en-US" dirty="0" smtClean="0"/>
-              <a:t>Follow the README instructions to capture your class IDs -&gt; </a:t>
-            </a:r>
-            <a:r>
-              <a:rPr lang="en-US" dirty="0" err="1" smtClean="0"/>
-              <a:t>config.properties</a:t>
-            </a:r>
-            <a:endParaRPr lang="en-US" dirty="0" smtClean="0"/>
-          </a:p>
-          <a:p>
-            <a:pPr marL="342900" indent="-342900">
-              <a:buFontTx/>
-              <a:buAutoNum type="arabicParenR"/>
-            </a:pPr>
-            <a:r>
-              <a:rPr lang="en-US" dirty="0" smtClean="0"/>
-              <a:t>Download and install the Chrome Selenium driver, location -&gt; </a:t>
-            </a:r>
-            <a:r>
-              <a:rPr lang="en-US" dirty="0" err="1" smtClean="0"/>
-              <a:t>config.properties</a:t>
-            </a:r>
-            <a:endParaRPr lang="en-US" dirty="0" smtClean="0"/>
-          </a:p>
-          <a:p>
-            <a:pPr marL="342900" indent="-342900">
-              <a:buAutoNum type="arabicParenR"/>
-            </a:pPr>
-            <a:r>
-              <a:rPr lang="en-US" dirty="0" smtClean="0"/>
-              <a:t>After installing Java 7/8, run the homework crawler per the README instructions</a:t>
-            </a:r>
-            <a:endParaRPr lang="en-US" dirty="0"/>
-          </a:p>
-        </p:txBody>
-      </p:sp>
-      <p:cxnSp>
-        <p:nvCxnSpPr>
-          <p:cNvPr id="72" name="Straight Arrow Connector 71"/>
-          <p:cNvCxnSpPr>
-            <a:stCxn id="2" idx="3"/>
-            <a:endCxn id="3" idx="1"/>
-          </p:cNvCxnSpPr>
-          <p:nvPr/>
-        </p:nvCxnSpPr>
-        <p:spPr>
-          <a:xfrm flipV="1">
-            <a:off x="5615609" y="2607329"/>
-            <a:ext cx="718931" cy="743742"/>
-          </a:xfrm>
-          <a:prstGeom prst="straightConnector1">
-            <a:avLst/>
-          </a:prstGeom>
-          <a:ln>
-            <a:tailEnd type="arrow"/>
-          </a:ln>
-        </p:spPr>
-        <p:style>
-          <a:lnRef idx="1">
-            <a:schemeClr val="accent1"/>
-          </a:lnRef>
-          <a:fillRef idx="0">
-            <a:schemeClr val="accent1"/>
-          </a:fillRef>
-          <a:effectRef idx="0">
-            <a:schemeClr val="accent1"/>
-          </a:effectRef>
-          <a:fontRef idx="minor">
-            <a:schemeClr val="tx1"/>
-          </a:fontRef>
-        </p:style>
-      </p:cxnSp>
-      <p:cxnSp>
-        <p:nvCxnSpPr>
-          <p:cNvPr id="74" name="Straight Arrow Connector 73"/>
-          <p:cNvCxnSpPr>
-            <a:stCxn id="2" idx="3"/>
-            <a:endCxn id="49" idx="1"/>
-          </p:cNvCxnSpPr>
-          <p:nvPr/>
-        </p:nvCxnSpPr>
-        <p:spPr>
-          <a:xfrm>
-            <a:off x="5615609" y="3351071"/>
-            <a:ext cx="718931" cy="440671"/>
-          </a:xfrm>
-          <a:prstGeom prst="straightConnector1">
-            <a:avLst/>
-          </a:prstGeom>
-          <a:ln>
-            <a:tailEnd type="arrow"/>
-          </a:ln>
-        </p:spPr>
-        <p:style>
-          <a:lnRef idx="1">
-            <a:schemeClr val="accent1"/>
-          </a:lnRef>
-          <a:fillRef idx="0">
-            <a:schemeClr val="accent1"/>
-          </a:fillRef>
-          <a:effectRef idx="0">
-            <a:schemeClr val="accent1"/>
-          </a:effectRef>
-          <a:fontRef idx="minor">
-            <a:schemeClr val="tx1"/>
-          </a:fontRef>
-        </p:style>
-      </p:cxnSp>
-      <p:sp>
-        <p:nvSpPr>
-          <p:cNvPr id="75" name="TextBox 74"/>
-          <p:cNvSpPr txBox="1"/>
-          <p:nvPr/>
-        </p:nvSpPr>
-        <p:spPr>
-          <a:xfrm>
-            <a:off x="5416457" y="3670671"/>
-            <a:ext cx="881395" cy="369332"/>
-          </a:xfrm>
-          <a:prstGeom prst="rect">
-            <a:avLst/>
-          </a:prstGeom>
-          <a:noFill/>
-        </p:spPr>
-        <p:txBody>
-          <a:bodyPr wrap="none" rtlCol="0">
-            <a:spAutoFit/>
-          </a:bodyPr>
-          <a:lstStyle/>
-          <a:p>
-            <a:r>
-              <a:rPr lang="en-US" dirty="0" smtClean="0"/>
-              <a:t>invokes</a:t>
-            </a:r>
-            <a:endParaRPr lang="en-US" dirty="0"/>
+              <a:t>Homework due dates are opaque to parents</a:t>
+            </a:r>
           </a:p>
         </p:txBody>
       </p:sp>
     </p:spTree>
     <p:extLst>
       <p:ext uri="{BB962C8B-B14F-4D97-AF65-F5344CB8AC3E}">
-        <p14:creationId xmlns:p14="http://schemas.microsoft.com/office/powerpoint/2010/main" val="3356732888"/>
+        <p14:creationId xmlns:p14="http://schemas.microsoft.com/office/powerpoint/2010/main" val="3083428884"/>
       </p:ext>
     </p:extLst>
   </p:cSld>
@@ -6073,162 +6981,93 @@
       </p:grpSpPr>
       <p:sp>
         <p:nvSpPr>
-          <p:cNvPr id="2" name="TextBox 1"/>
-          <p:cNvSpPr txBox="1"/>
-          <p:nvPr/>
-        </p:nvSpPr>
-        <p:spPr>
-          <a:xfrm>
-            <a:off x="1676400" y="609600"/>
-            <a:ext cx="6067687" cy="461665"/>
-          </a:xfrm>
-          <a:prstGeom prst="rect">
-            <a:avLst/>
-          </a:prstGeom>
-          <a:noFill/>
-        </p:spPr>
-        <p:txBody>
-          <a:bodyPr wrap="none" rtlCol="0">
-            <a:spAutoFit/>
-          </a:bodyPr>
-          <a:lstStyle/>
-          <a:p>
-            <a:r>
-              <a:rPr lang="en-US" sz="2400" dirty="0" smtClean="0"/>
-              <a:t>Detailed what to-do information and links </a:t>
-            </a:r>
-            <a:endParaRPr lang="en-US" sz="2400" dirty="0"/>
-          </a:p>
-        </p:txBody>
-      </p:sp>
-      <p:sp>
-        <p:nvSpPr>
-          <p:cNvPr id="3" name="TextBox 2"/>
-          <p:cNvSpPr txBox="1"/>
-          <p:nvPr/>
-        </p:nvSpPr>
-        <p:spPr>
-          <a:xfrm>
-            <a:off x="381000" y="1295400"/>
-            <a:ext cx="8458200" cy="3416320"/>
-          </a:xfrm>
-          <a:prstGeom prst="rect">
-            <a:avLst/>
-          </a:prstGeom>
-          <a:noFill/>
-        </p:spPr>
-        <p:txBody>
-          <a:bodyPr wrap="square" rtlCol="0">
-            <a:spAutoFit/>
-          </a:bodyPr>
-          <a:lstStyle/>
-          <a:p>
-            <a:pPr marL="342900" indent="-342900">
-              <a:buAutoNum type="arabicParenR"/>
+          <p:cNvPr id="2" name="Title 1"/>
+          <p:cNvSpPr>
+            <a:spLocks noGrp="1"/>
+          </p:cNvSpPr>
+          <p:nvPr>
+            <p:ph type="title"/>
+          </p:nvPr>
+        </p:nvSpPr>
+        <p:spPr>
+          <a:xfrm>
+            <a:off x="457200" y="304800"/>
+            <a:ext cx="8001000" cy="1143000"/>
+          </a:xfrm>
+        </p:spPr>
+        <p:txBody>
+          <a:bodyPr/>
+          <a:lstStyle/>
+          <a:p>
+            <a:pPr marL="0" indent="0" algn="ctr">
+              <a:buNone/>
             </a:pPr>
             <a:r>
+              <a:rPr lang="en-US" dirty="0" smtClean="0">
+                <a:effectLst/>
+              </a:rPr>
+              <a:t>The Solution</a:t>
+            </a:r>
+            <a:endParaRPr lang="en-US" dirty="0">
+              <a:effectLst/>
+            </a:endParaRPr>
+          </a:p>
+        </p:txBody>
+      </p:sp>
+      <p:sp>
+        <p:nvSpPr>
+          <p:cNvPr id="3" name="Content Placeholder 2"/>
+          <p:cNvSpPr>
+            <a:spLocks noGrp="1"/>
+          </p:cNvSpPr>
+          <p:nvPr>
+            <p:ph sz="quarter" idx="13"/>
+          </p:nvPr>
+        </p:nvSpPr>
+        <p:spPr>
+          <a:xfrm>
+            <a:off x="457200" y="1295400"/>
+            <a:ext cx="8077200" cy="5105400"/>
+          </a:xfrm>
+        </p:spPr>
+        <p:txBody>
+          <a:bodyPr/>
+          <a:lstStyle/>
+          <a:p>
+            <a:r>
               <a:rPr lang="en-US" dirty="0" smtClean="0"/>
-              <a:t>To download the </a:t>
-            </a:r>
-            <a:r>
-              <a:rPr lang="en-US" dirty="0" err="1" smtClean="0">
-                <a:solidFill>
-                  <a:schemeClr val="tx1"/>
-                </a:solidFill>
-              </a:rPr>
-              <a:t>CredentialEncrypter</a:t>
-            </a:r>
-            <a:r>
-              <a:rPr lang="en-US" dirty="0"/>
-              <a:t> </a:t>
-            </a:r>
+              <a:t>Automated software application that crawls the student’s Moodle portal and places each homework item in a Google spreadsheet.</a:t>
+            </a:r>
+          </a:p>
+          <a:p>
             <a:r>
               <a:rPr lang="en-US" dirty="0" smtClean="0"/>
-              <a:t>program, go to </a:t>
-            </a:r>
-            <a:r>
-              <a:rPr lang="en-US" dirty="0">
-                <a:hlinkClick r:id="rId2"/>
-              </a:rPr>
-              <a:t>https://github.com/tthale/Python-Encrypter.git</a:t>
-            </a:r>
+              <a:t>Spreadsheet has worksheets corresponding to the day the crawler was run.</a:t>
+            </a:r>
+          </a:p>
+          <a:p>
             <a:r>
               <a:rPr lang="en-US" dirty="0" smtClean="0"/>
-              <a:t> and put it in  a “Credential </a:t>
-            </a:r>
-            <a:r>
-              <a:rPr lang="en-US" dirty="0" err="1" smtClean="0"/>
-              <a:t>Encrypter</a:t>
-            </a:r>
+              <a:t>Worksheet has columns for Class name, assignment date, description of homework item, its due date, completion status, yes/no status and lastly for comments.</a:t>
+            </a:r>
+          </a:p>
+          <a:p>
             <a:r>
               <a:rPr lang="en-US" dirty="0" smtClean="0"/>
-              <a:t>” subdirectory on our system. This program is used to obfuscate your Google </a:t>
-            </a:r>
-            <a:r>
-              <a:rPr lang="en-US" dirty="0" err="1" smtClean="0"/>
-              <a:t>gmail</a:t>
-            </a:r>
+              <a:t>Each worksheet row associated with one homework item</a:t>
+            </a:r>
+          </a:p>
+          <a:p>
             <a:r>
               <a:rPr lang="en-US" dirty="0" smtClean="0"/>
-              <a:t> credentials from prying eyes. You will also need to install the </a:t>
-            </a:r>
-            <a:r>
-              <a:rPr lang="en-US" dirty="0" err="1" smtClean="0"/>
-              <a:t>PyCrypto</a:t>
-            </a:r>
+              <a:t>For each worksheet, Homework crawler looks back a few days and forward into tomorrow</a:t>
+            </a:r>
+          </a:p>
+          <a:p>
             <a:r>
               <a:rPr lang="en-US" dirty="0" smtClean="0"/>
-              <a:t> encryption library by running ‘pip install </a:t>
-            </a:r>
-            <a:r>
-              <a:rPr lang="en-US" dirty="0" err="1" smtClean="0"/>
-              <a:t>pycrypto</a:t>
-            </a:r>
-            <a:r>
-              <a:rPr lang="en-US" dirty="0" smtClean="0"/>
-              <a:t>’. If you run into problems when installing this library, you may need to download, build and install </a:t>
-            </a:r>
-            <a:r>
-              <a:rPr lang="en-US" dirty="0" err="1" smtClean="0"/>
-              <a:t>PyCrypto</a:t>
-            </a:r>
-            <a:r>
-              <a:rPr lang="en-US" dirty="0" smtClean="0"/>
-              <a:t> @ </a:t>
-            </a:r>
-            <a:r>
-              <a:rPr lang="en-US" dirty="0" smtClean="0">
-                <a:hlinkClick r:id="rId3"/>
-              </a:rPr>
-              <a:t>https://pypi.org/project/pycrypto/</a:t>
-            </a:r>
-            <a:r>
-              <a:rPr lang="en-US" dirty="0" smtClean="0"/>
-              <a:t>. If you STILL are running into problems (on Windows systems), then go tor </a:t>
-            </a:r>
-            <a:r>
-              <a:rPr lang="en-US" dirty="0" smtClean="0">
-                <a:hlinkClick r:id="rId4"/>
-              </a:rPr>
-              <a:t>http://www.voidspace.org.uk/python/modules.shtml#pycrypto</a:t>
-            </a:r>
-            <a:r>
-              <a:rPr lang="en-US" dirty="0" smtClean="0"/>
-              <a:t> and match your OS version and your Python version with a matching </a:t>
-            </a:r>
-            <a:r>
-              <a:rPr lang="en-US" dirty="0" err="1" smtClean="0"/>
-              <a:t>PyCrypto</a:t>
-            </a:r>
-            <a:r>
-              <a:rPr lang="en-US" dirty="0" smtClean="0"/>
-              <a:t> version found here.</a:t>
-            </a:r>
-          </a:p>
-          <a:p>
-            <a:pPr marL="342900" indent="-342900">
-              <a:buAutoNum type="arabicParenR"/>
-            </a:pPr>
+              <a:t>Secure method of storing Moodle info and Google Docs credentials</a:t>
+            </a:r>
             <a:endParaRPr lang="en-US" dirty="0"/>
           </a:p>
         </p:txBody>
@@ -6236,7 +7075,7 @@
     </p:spTree>
     <p:extLst>
       <p:ext uri="{BB962C8B-B14F-4D97-AF65-F5344CB8AC3E}">
-        <p14:creationId xmlns:p14="http://schemas.microsoft.com/office/powerpoint/2010/main" val="34897884"/>
+        <p14:creationId xmlns:p14="http://schemas.microsoft.com/office/powerpoint/2010/main" val="2940222769"/>
       </p:ext>
     </p:extLst>
   </p:cSld>
@@ -6265,151 +7104,359 @@
       </p:grpSpPr>
       <p:sp>
         <p:nvSpPr>
-          <p:cNvPr id="2" name="TextBox 1"/>
-          <p:cNvSpPr txBox="1"/>
+          <p:cNvPr id="4" name="Title 1"/>
+          <p:cNvSpPr>
+            <a:spLocks noGrp="1"/>
+          </p:cNvSpPr>
+          <p:nvPr>
+            <p:ph type="title"/>
+          </p:nvPr>
+        </p:nvSpPr>
+        <p:spPr>
+          <a:xfrm>
+            <a:off x="457200" y="304800"/>
+            <a:ext cx="8001000" cy="914400"/>
+          </a:xfrm>
+        </p:spPr>
+        <p:txBody>
+          <a:bodyPr/>
+          <a:lstStyle/>
+          <a:p>
+            <a:pPr marL="0" indent="0" algn="ctr">
+              <a:buNone/>
+            </a:pPr>
+            <a:r>
+              <a:rPr lang="en-US" dirty="0" smtClean="0">
+                <a:effectLst/>
+              </a:rPr>
+              <a:t>Flow Chart</a:t>
+            </a:r>
+            <a:endParaRPr lang="en-US" dirty="0">
+              <a:effectLst/>
+            </a:endParaRPr>
+          </a:p>
+        </p:txBody>
+      </p:sp>
+      <p:sp>
+        <p:nvSpPr>
+          <p:cNvPr id="5" name="Rounded Rectangle 4"/>
+          <p:cNvSpPr/>
           <p:nvPr/>
         </p:nvSpPr>
         <p:spPr>
           <a:xfrm>
-            <a:off x="990600" y="609600"/>
-            <a:ext cx="7109639" cy="461665"/>
-          </a:xfrm>
-          <a:prstGeom prst="rect">
+            <a:off x="2658035" y="2736616"/>
+            <a:ext cx="3352799" cy="609600"/>
+          </a:xfrm>
+          <a:prstGeom prst="roundRect">
             <a:avLst/>
           </a:prstGeom>
           <a:noFill/>
         </p:spPr>
-        <p:txBody>
-          <a:bodyPr wrap="none" rtlCol="0">
-            <a:spAutoFit/>
-          </a:bodyPr>
-          <a:lstStyle/>
-          <a:p>
-            <a:r>
-              <a:rPr lang="en-US" sz="2400" dirty="0" smtClean="0"/>
-              <a:t>Detailed what to-do information and links (</a:t>
-            </a:r>
-            <a:r>
-              <a:rPr lang="en-US" sz="2400" dirty="0" err="1" smtClean="0"/>
-              <a:t>con’t</a:t>
-            </a:r>
-            <a:r>
-              <a:rPr lang="en-US" sz="2400" dirty="0" smtClean="0"/>
-              <a:t>) </a:t>
-            </a:r>
-            <a:endParaRPr lang="en-US" sz="2400" dirty="0"/>
-          </a:p>
-        </p:txBody>
-      </p:sp>
-      <p:sp>
-        <p:nvSpPr>
-          <p:cNvPr id="3" name="TextBox 2"/>
-          <p:cNvSpPr txBox="1"/>
+        <p:style>
+          <a:lnRef idx="2">
+            <a:schemeClr val="accent1">
+              <a:shade val="50000"/>
+            </a:schemeClr>
+          </a:lnRef>
+          <a:fillRef idx="1">
+            <a:schemeClr val="accent1"/>
+          </a:fillRef>
+          <a:effectRef idx="0">
+            <a:schemeClr val="accent1"/>
+          </a:effectRef>
+          <a:fontRef idx="minor">
+            <a:schemeClr val="lt1"/>
+          </a:fontRef>
+        </p:style>
+        <p:txBody>
+          <a:bodyPr rtlCol="0" anchor="ctr"/>
+          <a:lstStyle/>
+          <a:p>
+            <a:pPr algn="ctr"/>
+            <a:r>
+              <a:rPr lang="en-US" dirty="0" smtClean="0">
+                <a:solidFill>
+                  <a:schemeClr val="tx1"/>
+                </a:solidFill>
+              </a:rPr>
+              <a:t>Crawl all recent class assignments</a:t>
+            </a:r>
+            <a:endParaRPr lang="en-US" dirty="0">
+              <a:solidFill>
+                <a:schemeClr val="tx1"/>
+              </a:solidFill>
+            </a:endParaRPr>
+          </a:p>
+        </p:txBody>
+      </p:sp>
+      <p:sp>
+        <p:nvSpPr>
+          <p:cNvPr id="6" name="Rounded Rectangle 5"/>
+          <p:cNvSpPr/>
           <p:nvPr/>
         </p:nvSpPr>
         <p:spPr>
           <a:xfrm>
-            <a:off x="381000" y="1295400"/>
-            <a:ext cx="8458200" cy="1200329"/>
-          </a:xfrm>
-          <a:prstGeom prst="rect">
+            <a:off x="2658035" y="1524000"/>
+            <a:ext cx="3352800" cy="685799"/>
+          </a:xfrm>
+          <a:prstGeom prst="roundRect">
             <a:avLst/>
           </a:prstGeom>
           <a:noFill/>
         </p:spPr>
-        <p:txBody>
-          <a:bodyPr wrap="square" rtlCol="0">
-            <a:spAutoFit/>
-          </a:bodyPr>
-          <a:lstStyle/>
-          <a:p>
-            <a:r>
-              <a:rPr lang="en-US" dirty="0" smtClean="0"/>
-              <a:t>2) You will need to get a special “key” from your </a:t>
-            </a:r>
-            <a:r>
-              <a:rPr lang="en-US" dirty="0" err="1" smtClean="0"/>
-              <a:t>gmail</a:t>
-            </a:r>
-            <a:r>
-              <a:rPr lang="en-US" dirty="0" smtClean="0"/>
-              <a:t> account and configure it for it </a:t>
-            </a:r>
-            <a:r>
-              <a:rPr lang="en-US" dirty="0" err="1" smtClean="0"/>
-              <a:t>fill_spreadsheet</a:t>
-            </a:r>
-            <a:r>
-              <a:rPr lang="en-US" dirty="0" smtClean="0"/>
-              <a:t>. This is the most complicated part of the Homework Crawler setup. It is detailed @ the README.md in the project _____</a:t>
-            </a:r>
-          </a:p>
-          <a:p>
-            <a:endParaRPr lang="en-US" dirty="0"/>
-          </a:p>
-        </p:txBody>
-      </p:sp>
-      <p:sp>
-        <p:nvSpPr>
-          <p:cNvPr id="4" name="TextBox 3"/>
-          <p:cNvSpPr txBox="1"/>
+        <p:style>
+          <a:lnRef idx="2">
+            <a:schemeClr val="accent1">
+              <a:shade val="50000"/>
+            </a:schemeClr>
+          </a:lnRef>
+          <a:fillRef idx="1">
+            <a:schemeClr val="accent1"/>
+          </a:fillRef>
+          <a:effectRef idx="0">
+            <a:schemeClr val="accent1"/>
+          </a:effectRef>
+          <a:fontRef idx="minor">
+            <a:schemeClr val="lt1"/>
+          </a:fontRef>
+        </p:style>
+        <p:txBody>
+          <a:bodyPr rtlCol="0" anchor="ctr"/>
+          <a:lstStyle/>
+          <a:p>
+            <a:pPr algn="ctr"/>
+            <a:r>
+              <a:rPr lang="en-US" dirty="0" smtClean="0">
+                <a:solidFill>
+                  <a:schemeClr val="tx1"/>
+                </a:solidFill>
+              </a:rPr>
+              <a:t>Connect to learn.vcs.net portal</a:t>
+            </a:r>
+            <a:endParaRPr lang="en-US" dirty="0">
+              <a:solidFill>
+                <a:schemeClr val="tx1"/>
+              </a:solidFill>
+            </a:endParaRPr>
+          </a:p>
+        </p:txBody>
+      </p:sp>
+      <p:cxnSp>
+        <p:nvCxnSpPr>
+          <p:cNvPr id="7" name="Straight Arrow Connector 6"/>
+          <p:cNvCxnSpPr>
+            <a:stCxn id="6" idx="2"/>
+            <a:endCxn id="5" idx="0"/>
+          </p:cNvCxnSpPr>
           <p:nvPr/>
-        </p:nvSpPr>
-        <p:spPr>
-          <a:xfrm>
-            <a:off x="413657" y="3429000"/>
-            <a:ext cx="8458200" cy="1477328"/>
-          </a:xfrm>
-          <a:prstGeom prst="rect">
+        </p:nvCxnSpPr>
+        <p:spPr>
+          <a:xfrm>
+            <a:off x="4334435" y="2209799"/>
+            <a:ext cx="0" cy="526817"/>
+          </a:xfrm>
+          <a:prstGeom prst="straightConnector1">
+            <a:avLst/>
+          </a:prstGeom>
+          <a:ln>
+            <a:tailEnd type="arrow"/>
+          </a:ln>
+        </p:spPr>
+        <p:style>
+          <a:lnRef idx="1">
+            <a:schemeClr val="accent1"/>
+          </a:lnRef>
+          <a:fillRef idx="0">
+            <a:schemeClr val="accent1"/>
+          </a:fillRef>
+          <a:effectRef idx="0">
+            <a:schemeClr val="accent1"/>
+          </a:effectRef>
+          <a:fontRef idx="minor">
+            <a:schemeClr val="tx1"/>
+          </a:fontRef>
+        </p:style>
+      </p:cxnSp>
+      <p:sp>
+        <p:nvSpPr>
+          <p:cNvPr id="8" name="Rounded Rectangle 7"/>
+          <p:cNvSpPr/>
+          <p:nvPr/>
+        </p:nvSpPr>
+        <p:spPr>
+          <a:xfrm>
+            <a:off x="2658035" y="5105400"/>
+            <a:ext cx="3352799" cy="609600"/>
+          </a:xfrm>
+          <a:prstGeom prst="roundRect">
             <a:avLst/>
           </a:prstGeom>
           <a:noFill/>
         </p:spPr>
-        <p:txBody>
-          <a:bodyPr wrap="square" rtlCol="0">
-            <a:spAutoFit/>
-          </a:bodyPr>
-          <a:lstStyle/>
-          <a:p>
-            <a:r>
-              <a:rPr lang="en-US" dirty="0"/>
-              <a:t>3</a:t>
-            </a:r>
-            <a:r>
-              <a:rPr lang="en-US" dirty="0" smtClean="0"/>
-              <a:t>) It seems to be we may need an installer for the crawler, in order to get this mainstream. Might need to create a Selenium crawler just to orchestrate the installs (hopefully a script can do most of </a:t>
-            </a:r>
-            <a:r>
-              <a:rPr lang="en-US" dirty="0" err="1" smtClean="0"/>
-              <a:t>grabbng</a:t>
-            </a:r>
-            <a:r>
-              <a:rPr lang="en-US" dirty="0" smtClean="0"/>
-              <a:t> the </a:t>
-            </a:r>
-            <a:r>
-              <a:rPr lang="en-US" dirty="0" err="1" smtClean="0"/>
-              <a:t>git</a:t>
-            </a:r>
-            <a:r>
-              <a:rPr lang="en-US" dirty="0" smtClean="0"/>
-              <a:t> project pieces and installing in </a:t>
-            </a:r>
-            <a:r>
-              <a:rPr lang="en-US" smtClean="0"/>
-              <a:t>a common area.</a:t>
-            </a:r>
-            <a:endParaRPr lang="en-US" dirty="0" smtClean="0"/>
-          </a:p>
-          <a:p>
-            <a:endParaRPr lang="en-US" dirty="0"/>
-          </a:p>
-        </p:txBody>
-      </p:sp>
+        <p:style>
+          <a:lnRef idx="2">
+            <a:schemeClr val="accent1">
+              <a:shade val="50000"/>
+            </a:schemeClr>
+          </a:lnRef>
+          <a:fillRef idx="1">
+            <a:schemeClr val="accent1"/>
+          </a:fillRef>
+          <a:effectRef idx="0">
+            <a:schemeClr val="accent1"/>
+          </a:effectRef>
+          <a:fontRef idx="minor">
+            <a:schemeClr val="lt1"/>
+          </a:fontRef>
+        </p:style>
+        <p:txBody>
+          <a:bodyPr rtlCol="0" anchor="ctr"/>
+          <a:lstStyle/>
+          <a:p>
+            <a:pPr algn="ctr"/>
+            <a:r>
+              <a:rPr lang="en-US" dirty="0" smtClean="0">
+                <a:solidFill>
+                  <a:schemeClr val="tx1"/>
+                </a:solidFill>
+              </a:rPr>
+              <a:t>Populate Google spreadsheet</a:t>
+            </a:r>
+            <a:endParaRPr lang="en-US" dirty="0">
+              <a:solidFill>
+                <a:schemeClr val="tx1"/>
+              </a:solidFill>
+            </a:endParaRPr>
+          </a:p>
+        </p:txBody>
+      </p:sp>
+      <p:sp>
+        <p:nvSpPr>
+          <p:cNvPr id="9" name="Rounded Rectangle 8"/>
+          <p:cNvSpPr/>
+          <p:nvPr/>
+        </p:nvSpPr>
+        <p:spPr>
+          <a:xfrm>
+            <a:off x="2658035" y="3959106"/>
+            <a:ext cx="3352799" cy="609600"/>
+          </a:xfrm>
+          <a:prstGeom prst="roundRect">
+            <a:avLst/>
+          </a:prstGeom>
+          <a:noFill/>
+        </p:spPr>
+        <p:style>
+          <a:lnRef idx="2">
+            <a:schemeClr val="accent1">
+              <a:shade val="50000"/>
+            </a:schemeClr>
+          </a:lnRef>
+          <a:fillRef idx="1">
+            <a:schemeClr val="accent1"/>
+          </a:fillRef>
+          <a:effectRef idx="0">
+            <a:schemeClr val="accent1"/>
+          </a:effectRef>
+          <a:fontRef idx="minor">
+            <a:schemeClr val="lt1"/>
+          </a:fontRef>
+        </p:style>
+        <p:txBody>
+          <a:bodyPr rtlCol="0" anchor="ctr"/>
+          <a:lstStyle/>
+          <a:p>
+            <a:pPr algn="ctr"/>
+            <a:r>
+              <a:rPr lang="en-US" dirty="0" smtClean="0">
+                <a:solidFill>
+                  <a:schemeClr val="tx1"/>
+                </a:solidFill>
+              </a:rPr>
+              <a:t>Relay assignment info to Spreadsheet Filler</a:t>
+            </a:r>
+            <a:endParaRPr lang="en-US" dirty="0">
+              <a:solidFill>
+                <a:schemeClr val="tx1"/>
+              </a:solidFill>
+            </a:endParaRPr>
+          </a:p>
+        </p:txBody>
+      </p:sp>
+      <p:cxnSp>
+        <p:nvCxnSpPr>
+          <p:cNvPr id="10" name="Straight Arrow Connector 9"/>
+          <p:cNvCxnSpPr/>
+          <p:nvPr/>
+        </p:nvCxnSpPr>
+        <p:spPr>
+          <a:xfrm>
+            <a:off x="4352363" y="3346215"/>
+            <a:ext cx="0" cy="612891"/>
+          </a:xfrm>
+          <a:prstGeom prst="straightConnector1">
+            <a:avLst/>
+          </a:prstGeom>
+          <a:ln>
+            <a:tailEnd type="arrow"/>
+          </a:ln>
+        </p:spPr>
+        <p:style>
+          <a:lnRef idx="1">
+            <a:schemeClr val="accent1"/>
+          </a:lnRef>
+          <a:fillRef idx="0">
+            <a:schemeClr val="accent1"/>
+          </a:fillRef>
+          <a:effectRef idx="0">
+            <a:schemeClr val="accent1"/>
+          </a:effectRef>
+          <a:fontRef idx="minor">
+            <a:schemeClr val="tx1"/>
+          </a:fontRef>
+        </p:style>
+      </p:cxnSp>
+      <p:cxnSp>
+        <p:nvCxnSpPr>
+          <p:cNvPr id="11" name="Straight Arrow Connector 10"/>
+          <p:cNvCxnSpPr>
+            <a:endCxn id="8" idx="0"/>
+          </p:cNvCxnSpPr>
+          <p:nvPr/>
+        </p:nvCxnSpPr>
+        <p:spPr>
+          <a:xfrm>
+            <a:off x="4334434" y="4568706"/>
+            <a:ext cx="1" cy="536694"/>
+          </a:xfrm>
+          <a:prstGeom prst="straightConnector1">
+            <a:avLst/>
+          </a:prstGeom>
+          <a:ln>
+            <a:tailEnd type="arrow"/>
+          </a:ln>
+        </p:spPr>
+        <p:style>
+          <a:lnRef idx="1">
+            <a:schemeClr val="accent1"/>
+          </a:lnRef>
+          <a:fillRef idx="0">
+            <a:schemeClr val="accent1"/>
+          </a:fillRef>
+          <a:effectRef idx="0">
+            <a:schemeClr val="accent1"/>
+          </a:effectRef>
+          <a:fontRef idx="minor">
+            <a:schemeClr val="tx1"/>
+          </a:fontRef>
+        </p:style>
+      </p:cxnSp>
     </p:spTree>
     <p:extLst>
       <p:ext uri="{BB962C8B-B14F-4D97-AF65-F5344CB8AC3E}">
-        <p14:creationId xmlns:p14="http://schemas.microsoft.com/office/powerpoint/2010/main" val="5468183"/>
+        <p14:creationId xmlns:p14="http://schemas.microsoft.com/office/powerpoint/2010/main" val="2603153452"/>
       </p:ext>
     </p:extLst>
   </p:cSld>
@@ -6436,10 +7483,128 @@
           <a:chExt cx="0" cy="0"/>
         </a:xfrm>
       </p:grpSpPr>
+      <p:sp>
+        <p:nvSpPr>
+          <p:cNvPr id="2" name="Title 1"/>
+          <p:cNvSpPr>
+            <a:spLocks noGrp="1"/>
+          </p:cNvSpPr>
+          <p:nvPr>
+            <p:ph type="title"/>
+          </p:nvPr>
+        </p:nvSpPr>
+        <p:spPr>
+          <a:xfrm>
+            <a:off x="0" y="304800"/>
+            <a:ext cx="9144000" cy="1143000"/>
+          </a:xfrm>
+        </p:spPr>
+        <p:txBody>
+          <a:bodyPr/>
+          <a:lstStyle/>
+          <a:p>
+            <a:pPr marL="0" indent="0" algn="ctr">
+              <a:buNone/>
+            </a:pPr>
+            <a:r>
+              <a:rPr lang="en-US" dirty="0" smtClean="0">
+                <a:effectLst/>
+              </a:rPr>
+              <a:t>Crawler Spreadsheet Example</a:t>
+            </a:r>
+            <a:endParaRPr lang="en-US" dirty="0">
+              <a:effectLst/>
+            </a:endParaRPr>
+          </a:p>
+        </p:txBody>
+      </p:sp>
+      <p:pic>
+        <p:nvPicPr>
+          <p:cNvPr id="4" name="Content Placeholder 3"/>
+          <p:cNvPicPr>
+            <a:picLocks noGrp="1" noChangeAspect="1"/>
+          </p:cNvPicPr>
+          <p:nvPr>
+            <p:ph sz="quarter" idx="13"/>
+          </p:nvPr>
+        </p:nvPicPr>
+        <p:blipFill>
+          <a:blip r:embed="rId2">
+            <a:extLst>
+              <a:ext uri="{28A0092B-C50C-407E-A947-70E740481C1C}">
+                <a14:useLocalDpi xmlns:a14="http://schemas.microsoft.com/office/drawing/2010/main" val="0"/>
+              </a:ext>
+            </a:extLst>
+          </a:blip>
+          <a:stretch>
+            <a:fillRect/>
+          </a:stretch>
+        </p:blipFill>
+        <p:spPr>
+          <a:xfrm>
+            <a:off x="0" y="1762647"/>
+            <a:ext cx="9144000" cy="4475706"/>
+          </a:xfrm>
+        </p:spPr>
+      </p:pic>
+      <p:pic>
+        <p:nvPicPr>
+          <p:cNvPr id="1027" name="Picture 3"/>
+          <p:cNvPicPr>
+            <a:picLocks noChangeAspect="1" noChangeArrowheads="1"/>
+          </p:cNvPicPr>
+          <p:nvPr/>
+        </p:nvPicPr>
+        <p:blipFill>
+          <a:blip r:embed="rId3">
+            <a:extLst>
+              <a:ext uri="{28A0092B-C50C-407E-A947-70E740481C1C}">
+                <a14:useLocalDpi xmlns:a14="http://schemas.microsoft.com/office/drawing/2010/main" val="0"/>
+              </a:ext>
+            </a:extLst>
+          </a:blip>
+          <a:srcRect/>
+          <a:stretch>
+            <a:fillRect/>
+          </a:stretch>
+        </p:blipFill>
+        <p:spPr bwMode="auto">
+          <a:xfrm>
+            <a:off x="7384256" y="2590800"/>
+            <a:ext cx="1195386" cy="1219201"/>
+          </a:xfrm>
+          <a:prstGeom prst="rect">
+            <a:avLst/>
+          </a:prstGeom>
+          <a:noFill/>
+          <a:ln>
+            <a:noFill/>
+          </a:ln>
+          <a:extLst>
+            <a:ext uri="{909E8E84-426E-40DD-AFC4-6F175D3DCCD1}">
+              <a14:hiddenFill xmlns:a14="http://schemas.microsoft.com/office/drawing/2010/main">
+                <a:solidFill>
+                  <a:schemeClr val="accent1"/>
+                </a:solidFill>
+              </a14:hiddenFill>
+            </a:ext>
+            <a:ext uri="{91240B29-F687-4F45-9708-019B960494DF}">
+              <a14:hiddenLine xmlns:a14="http://schemas.microsoft.com/office/drawing/2010/main" w="9525">
+                <a:solidFill>
+                  <a:schemeClr val="tx1"/>
+                </a:solidFill>
+                <a:miter lim="800000"/>
+                <a:headEnd/>
+                <a:tailEnd/>
+              </a14:hiddenLine>
+            </a:ext>
+          </a:extLst>
+        </p:spPr>
+      </p:pic>
     </p:spTree>
     <p:extLst>
       <p:ext uri="{BB962C8B-B14F-4D97-AF65-F5344CB8AC3E}">
-        <p14:creationId xmlns:p14="http://schemas.microsoft.com/office/powerpoint/2010/main" val="1432932628"/>
+        <p14:creationId xmlns:p14="http://schemas.microsoft.com/office/powerpoint/2010/main" val="1303632882"/>
       </p:ext>
     </p:extLst>
   </p:cSld>
@@ -6468,108 +7633,240 @@
       </p:grpSpPr>
       <p:sp>
         <p:nvSpPr>
-          <p:cNvPr id="2" name="TextBox 1"/>
-          <p:cNvSpPr txBox="1"/>
+          <p:cNvPr id="4" name="Title 1"/>
+          <p:cNvSpPr txBox="1">
+            <a:spLocks/>
+          </p:cNvSpPr>
           <p:nvPr/>
         </p:nvSpPr>
         <p:spPr>
           <a:xfrm>
-            <a:off x="3505200" y="127945"/>
-            <a:ext cx="1773884" cy="461665"/>
+            <a:off x="0" y="0"/>
+            <a:ext cx="9144000" cy="1143000"/>
           </a:xfrm>
           <a:prstGeom prst="rect">
             <a:avLst/>
           </a:prstGeom>
-          <a:noFill/>
-        </p:spPr>
-        <p:txBody>
-          <a:bodyPr wrap="none" rtlCol="0">
-            <a:spAutoFit/>
+          <a:effectLst/>
+        </p:spPr>
+        <p:txBody>
+          <a:bodyPr vert="horz" lIns="91440" tIns="45720" rIns="91440" bIns="45720" rtlCol="0" anchor="t" anchorCtr="0">
+            <a:noAutofit/>
           </a:bodyPr>
-          <a:lstStyle/>
-          <a:p>
-            <a:r>
-              <a:rPr lang="en-US" sz="2400" dirty="0" smtClean="0"/>
-              <a:t>APPENDIX A</a:t>
-            </a:r>
-            <a:endParaRPr lang="en-US" sz="2400" dirty="0"/>
-          </a:p>
-        </p:txBody>
-      </p:sp>
-      <p:sp>
-        <p:nvSpPr>
-          <p:cNvPr id="3" name="TextBox 2"/>
-          <p:cNvSpPr txBox="1"/>
-          <p:nvPr/>
-        </p:nvSpPr>
-        <p:spPr>
-          <a:xfrm>
-            <a:off x="152400" y="607252"/>
-            <a:ext cx="8763000" cy="1569660"/>
-          </a:xfrm>
-          <a:prstGeom prst="rect">
-            <a:avLst/>
-          </a:prstGeom>
-          <a:noFill/>
-        </p:spPr>
-        <p:txBody>
-          <a:bodyPr wrap="square" rtlCol="0">
-            <a:spAutoFit/>
+          <a:lstStyle>
+            <a:lvl1pPr marL="320040" indent="-320040" algn="r" defTabSz="914400" rtl="0" eaLnBrk="1" latinLnBrk="0" hangingPunct="1">
+              <a:spcBef>
+                <a:spcPct val="0"/>
+              </a:spcBef>
+              <a:buClr>
+                <a:schemeClr val="accent6">
+                  <a:lumMod val="75000"/>
+                </a:schemeClr>
+              </a:buClr>
+              <a:buSzPct val="128000"/>
+              <a:buFont typeface="Georgia" pitchFamily="18" charset="0"/>
+              <a:buChar char="*"/>
+              <a:defRPr sz="4600" b="1" i="0" kern="1200">
+                <a:gradFill>
+                  <a:gsLst>
+                    <a:gs pos="0">
+                      <a:schemeClr val="tx1"/>
+                    </a:gs>
+                    <a:gs pos="40000">
+                      <a:schemeClr val="tx1">
+                        <a:lumMod val="75000"/>
+                        <a:lumOff val="25000"/>
+                      </a:schemeClr>
+                    </a:gs>
+                    <a:gs pos="100000">
+                      <a:schemeClr val="tx2">
+                        <a:alpha val="65000"/>
+                      </a:schemeClr>
+                    </a:gs>
+                  </a:gsLst>
+                  <a:lin ang="5400000" scaled="0"/>
+                </a:gradFill>
+                <a:effectLst>
+                  <a:reflection blurRad="6350" stA="55000" endA="300" endPos="45500" dir="5400000" sy="-100000" algn="bl" rotWithShape="0"/>
+                </a:effectLst>
+                <a:latin typeface="+mj-lt"/>
+                <a:ea typeface="+mj-ea"/>
+                <a:cs typeface="+mj-cs"/>
+              </a:defRPr>
+            </a:lvl1pPr>
+            <a:lvl2pPr eaLnBrk="1" hangingPunct="1">
+              <a:defRPr>
+                <a:solidFill>
+                  <a:schemeClr val="tx2"/>
+                </a:solidFill>
+              </a:defRPr>
+            </a:lvl2pPr>
+            <a:lvl3pPr eaLnBrk="1" hangingPunct="1">
+              <a:defRPr>
+                <a:solidFill>
+                  <a:schemeClr val="tx2"/>
+                </a:solidFill>
+              </a:defRPr>
+            </a:lvl3pPr>
+            <a:lvl4pPr eaLnBrk="1" hangingPunct="1">
+              <a:defRPr>
+                <a:solidFill>
+                  <a:schemeClr val="tx2"/>
+                </a:solidFill>
+              </a:defRPr>
+            </a:lvl4pPr>
+            <a:lvl5pPr eaLnBrk="1" hangingPunct="1">
+              <a:defRPr>
+                <a:solidFill>
+                  <a:schemeClr val="tx2"/>
+                </a:solidFill>
+              </a:defRPr>
+            </a:lvl5pPr>
+            <a:lvl6pPr eaLnBrk="1" hangingPunct="1">
+              <a:defRPr>
+                <a:solidFill>
+                  <a:schemeClr val="tx2"/>
+                </a:solidFill>
+              </a:defRPr>
+            </a:lvl6pPr>
+            <a:lvl7pPr eaLnBrk="1" hangingPunct="1">
+              <a:defRPr>
+                <a:solidFill>
+                  <a:schemeClr val="tx2"/>
+                </a:solidFill>
+              </a:defRPr>
+            </a:lvl7pPr>
+            <a:lvl8pPr eaLnBrk="1" hangingPunct="1">
+              <a:defRPr>
+                <a:solidFill>
+                  <a:schemeClr val="tx2"/>
+                </a:solidFill>
+              </a:defRPr>
+            </a:lvl8pPr>
+            <a:lvl9pPr eaLnBrk="1" hangingPunct="1">
+              <a:defRPr>
+                <a:solidFill>
+                  <a:schemeClr val="tx2"/>
+                </a:solidFill>
+              </a:defRPr>
+            </a:lvl9pPr>
+          </a:lstStyle>
+          <a:p>
+            <a:pPr marL="0" indent="0" algn="ctr">
+              <a:buFont typeface="Georgia" pitchFamily="18" charset="0"/>
+              <a:buNone/>
+            </a:pPr>
+            <a:r>
+              <a:rPr lang="en-US" sz="3600" dirty="0" smtClean="0">
+                <a:effectLst/>
+              </a:rPr>
+              <a:t>Design Criteria and Constraints</a:t>
+            </a:r>
+            <a:endParaRPr lang="en-US" sz="3600" dirty="0">
+              <a:effectLst/>
+            </a:endParaRPr>
+          </a:p>
+        </p:txBody>
+      </p:sp>
+      <p:sp>
+        <p:nvSpPr>
+          <p:cNvPr id="5" name="Content Placeholder 4"/>
+          <p:cNvSpPr>
+            <a:spLocks noGrp="1"/>
+          </p:cNvSpPr>
+          <p:nvPr>
+            <p:ph sz="quarter" idx="13"/>
+          </p:nvPr>
+        </p:nvSpPr>
+        <p:spPr>
+          <a:xfrm>
+            <a:off x="1143000" y="762000"/>
+            <a:ext cx="6400800" cy="4876800"/>
+          </a:xfrm>
+        </p:spPr>
+        <p:txBody>
+          <a:bodyPr>
+            <a:normAutofit/>
           </a:bodyPr>
           <a:lstStyle/>
           <a:p>
             <a:r>
-              <a:rPr lang="en-US" sz="2400" dirty="0" smtClean="0"/>
-              <a:t>Argument passing from Homework Crawler to </a:t>
-            </a:r>
-            <a:r>
-              <a:rPr lang="en-US" sz="2400" dirty="0" err="1" smtClean="0"/>
-              <a:t>fill_spreadsheet</a:t>
-            </a:r>
-            <a:r>
-              <a:rPr lang="en-US" sz="2400" dirty="0"/>
-              <a:t> </a:t>
-            </a:r>
-            <a:endParaRPr lang="en-US" sz="2400" dirty="0" smtClean="0"/>
+              <a:rPr lang="en-US" dirty="0" smtClean="0"/>
+              <a:t>Using limited number of actual student’s portal accounts</a:t>
+            </a:r>
+          </a:p>
+          <a:p>
+            <a:r>
+              <a:rPr lang="en-US" dirty="0" smtClean="0"/>
+              <a:t>Operate crawler locally on a PC (instead of website)</a:t>
+            </a:r>
           </a:p>
           <a:p>
             <a:r>
               <a:rPr lang="en-US" dirty="0"/>
-              <a:t>D</a:t>
+              <a:t>G</a:t>
             </a:r>
             <a:r>
               <a:rPr lang="en-US" dirty="0" smtClean="0"/>
-              <a:t>ue to </a:t>
-            </a:r>
-            <a:r>
-              <a:rPr lang="en-US" dirty="0"/>
-              <a:t>Java runtime </a:t>
-            </a:r>
+              <a:t>oogle limitations on number of rows inserted into worksheet</a:t>
+            </a:r>
+          </a:p>
+          <a:p>
             <a:r>
               <a:rPr lang="en-US" dirty="0" smtClean="0"/>
-              <a:t>limitations in passing arguments to other </a:t>
-            </a:r>
-            <a:r>
-              <a:rPr lang="en-US" dirty="0" err="1" smtClean="0"/>
-              <a:t>executables</a:t>
-            </a:r>
+              <a:t>Student credentials in the clear (instead of encrypted)</a:t>
+            </a:r>
+          </a:p>
+          <a:p>
             <a:r>
               <a:rPr lang="en-US" dirty="0" smtClean="0"/>
-              <a:t> and access to other directories, a couple of adapters are required to condition the arguments to be correctly consumed. On Windows, Java is only allowed to open &amp; execute a CMD window.</a:t>
-            </a:r>
+              <a:t>Moodle lacks consistent date and assignment formats (teachers can free-form anything)</a:t>
+            </a:r>
+          </a:p>
+          <a:p>
             <a:endParaRPr lang="en-US" dirty="0"/>
           </a:p>
         </p:txBody>
       </p:sp>
-      <p:sp>
-        <p:nvSpPr>
-          <p:cNvPr id="4" name="Rounded Rectangle 3"/>
+    </p:spTree>
+    <p:extLst>
+      <p:ext uri="{BB962C8B-B14F-4D97-AF65-F5344CB8AC3E}">
+        <p14:creationId xmlns:p14="http://schemas.microsoft.com/office/powerpoint/2010/main" val="165738814"/>
+      </p:ext>
+    </p:extLst>
+  </p:cSld>
+  <p:clrMapOvr>
+    <a:masterClrMapping/>
+  </p:clrMapOvr>
+</p:sld>
+</file>
+
+<file path=ppt/slides/slide7.xml><?xml version="1.0" encoding="utf-8"?>
+<p:sld xmlns:a="http://schemas.openxmlformats.org/drawingml/2006/main" xmlns:r="http://schemas.openxmlformats.org/officeDocument/2006/relationships" xmlns:p="http://schemas.openxmlformats.org/presentationml/2006/main">
+  <p:cSld>
+    <p:spTree>
+      <p:nvGrpSpPr>
+        <p:cNvPr id="1" name=""/>
+        <p:cNvGrpSpPr/>
+        <p:nvPr/>
+      </p:nvGrpSpPr>
+      <p:grpSpPr>
+        <a:xfrm>
+          <a:off x="0" y="0"/>
+          <a:ext cx="0" cy="0"/>
+          <a:chOff x="0" y="0"/>
+          <a:chExt cx="0" cy="0"/>
+        </a:xfrm>
+      </p:grpSpPr>
+      <p:sp>
+        <p:nvSpPr>
+          <p:cNvPr id="2" name="Rounded Rectangle 1"/>
           <p:cNvSpPr/>
           <p:nvPr/>
         </p:nvSpPr>
         <p:spPr>
           <a:xfrm>
-            <a:off x="381000" y="2286000"/>
+            <a:off x="3329609" y="2910400"/>
             <a:ext cx="2286000" cy="881342"/>
           </a:xfrm>
           <a:prstGeom prst="roundRect">
@@ -6616,13 +7913,13 @@
       </p:sp>
       <p:sp>
         <p:nvSpPr>
-          <p:cNvPr id="5" name="Rounded Rectangle 4"/>
+          <p:cNvPr id="3" name="Rounded Rectangle 2"/>
           <p:cNvSpPr/>
           <p:nvPr/>
         </p:nvSpPr>
         <p:spPr>
           <a:xfrm>
-            <a:off x="420758" y="5668229"/>
+            <a:off x="6334540" y="2302529"/>
             <a:ext cx="2246242" cy="609600"/>
           </a:xfrm>
           <a:prstGeom prst="roundRect">
@@ -6652,12 +7949,12 @@
           <a:p>
             <a:pPr algn="ctr"/>
             <a:r>
-              <a:rPr lang="en-US" dirty="0" smtClean="0">
+              <a:rPr lang="en-US" dirty="0" err="1" smtClean="0">
                 <a:solidFill>
                   <a:schemeClr val="tx1"/>
                 </a:solidFill>
               </a:rPr>
-              <a:t>fill_spreadsheet.py</a:t>
+              <a:t>Config.properties</a:t>
             </a:r>
             <a:endParaRPr lang="en-US" dirty="0">
               <a:solidFill>
@@ -6669,14 +7966,14 @@
       </p:sp>
       <p:sp>
         <p:nvSpPr>
-          <p:cNvPr id="6" name="Rounded Rectangle 5"/>
+          <p:cNvPr id="7" name="Rounded Rectangle 6"/>
           <p:cNvSpPr/>
           <p:nvPr/>
         </p:nvSpPr>
         <p:spPr>
           <a:xfrm>
-            <a:off x="381000" y="3577771"/>
-            <a:ext cx="2971800" cy="609600"/>
+            <a:off x="457199" y="609600"/>
+            <a:ext cx="2662217" cy="685800"/>
           </a:xfrm>
           <a:prstGeom prst="roundRect">
             <a:avLst/>
@@ -6710,15 +8007,7 @@
                   <a:schemeClr val="tx1"/>
                 </a:solidFill>
               </a:rPr>
-              <a:t>runS</a:t>
-            </a:r>
-            <a:r>
-              <a:rPr lang="en-US" dirty="0" smtClean="0">
-                <a:solidFill>
-                  <a:schemeClr val="tx1"/>
-                </a:solidFill>
-              </a:rPr>
-              <a:t>preadsheetUpdater.sh</a:t>
+              <a:t>CredentialEncrypter.py</a:t>
             </a:r>
             <a:endParaRPr lang="en-US" dirty="0">
               <a:solidFill>
@@ -6730,14 +8019,14 @@
       </p:sp>
       <p:sp>
         <p:nvSpPr>
-          <p:cNvPr id="7" name="Rounded Rectangle 6"/>
+          <p:cNvPr id="8" name="Rounded Rectangle 7"/>
           <p:cNvSpPr/>
           <p:nvPr/>
         </p:nvSpPr>
         <p:spPr>
           <a:xfrm>
-            <a:off x="362857" y="4648200"/>
-            <a:ext cx="2246242" cy="609600"/>
+            <a:off x="6096000" y="533400"/>
+            <a:ext cx="2723322" cy="1123121"/>
           </a:xfrm>
           <a:prstGeom prst="roundRect">
             <a:avLst/>
@@ -6766,12 +8055,26 @@
           <a:p>
             <a:pPr algn="ctr"/>
             <a:r>
+              <a:rPr lang="en-US" dirty="0" smtClean="0">
+                <a:solidFill>
+                  <a:schemeClr val="tx1"/>
+                </a:solidFill>
+              </a:rPr>
+              <a:t>PowerSchool class links</a:t>
+            </a:r>
+          </a:p>
+          <a:p>
+            <a:pPr marL="285750" indent="-285750" algn="ctr">
+              <a:buFontTx/>
+              <a:buChar char="-"/>
+            </a:pPr>
+            <a:r>
               <a:rPr lang="en-US" dirty="0">
                 <a:solidFill>
                   <a:schemeClr val="tx1"/>
                 </a:solidFill>
               </a:rPr>
-              <a:t>g</a:t>
+              <a:t>c</a:t>
             </a:r>
             <a:r>
               <a:rPr lang="en-US" dirty="0" smtClean="0">
@@ -6779,7 +8082,21 @@
                   <a:schemeClr val="tx1"/>
                 </a:solidFill>
               </a:rPr>
-              <a:t>etopts.py</a:t>
+              <a:t>lasses</a:t>
+            </a:r>
+          </a:p>
+          <a:p>
+            <a:pPr marL="285750" indent="-285750" algn="ctr">
+              <a:buFontTx/>
+              <a:buChar char="-"/>
+            </a:pPr>
+            <a:r>
+              <a:rPr lang="en-US" dirty="0" smtClean="0">
+                <a:solidFill>
+                  <a:schemeClr val="tx1"/>
+                </a:solidFill>
+              </a:rPr>
+              <a:t>lesson plans</a:t>
             </a:r>
             <a:endParaRPr lang="en-US" dirty="0">
               <a:solidFill>
@@ -6789,16 +8106,141 @@
           </a:p>
         </p:txBody>
       </p:sp>
-      <p:sp>
-        <p:nvSpPr>
-          <p:cNvPr id="9" name="TextBox 8"/>
+      <p:cxnSp>
+        <p:nvCxnSpPr>
+          <p:cNvPr id="10" name="Straight Arrow Connector 9"/>
+          <p:cNvCxnSpPr>
+            <a:stCxn id="8" idx="2"/>
+            <a:endCxn id="3" idx="0"/>
+          </p:cNvCxnSpPr>
+          <p:nvPr/>
+        </p:nvCxnSpPr>
+        <p:spPr>
+          <a:xfrm>
+            <a:off x="7457661" y="1656521"/>
+            <a:ext cx="0" cy="646008"/>
+          </a:xfrm>
+          <a:prstGeom prst="straightConnector1">
+            <a:avLst/>
+          </a:prstGeom>
+          <a:ln>
+            <a:tailEnd type="arrow"/>
+          </a:ln>
+        </p:spPr>
+        <p:style>
+          <a:lnRef idx="1">
+            <a:schemeClr val="accent1"/>
+          </a:lnRef>
+          <a:fillRef idx="0">
+            <a:schemeClr val="accent1"/>
+          </a:fillRef>
+          <a:effectRef idx="0">
+            <a:schemeClr val="accent1"/>
+          </a:effectRef>
+          <a:fontRef idx="minor">
+            <a:schemeClr val="tx1"/>
+          </a:fontRef>
+        </p:style>
+      </p:cxnSp>
+      <p:sp>
+        <p:nvSpPr>
+          <p:cNvPr id="13" name="Rounded Rectangle 12"/>
+          <p:cNvSpPr/>
+          <p:nvPr/>
+        </p:nvSpPr>
+        <p:spPr>
+          <a:xfrm>
+            <a:off x="990600" y="1772478"/>
+            <a:ext cx="1219201" cy="685800"/>
+          </a:xfrm>
+          <a:prstGeom prst="roundRect">
+            <a:avLst/>
+          </a:prstGeom>
+          <a:noFill/>
+        </p:spPr>
+        <p:style>
+          <a:lnRef idx="2">
+            <a:schemeClr val="accent1">
+              <a:shade val="50000"/>
+            </a:schemeClr>
+          </a:lnRef>
+          <a:fillRef idx="1">
+            <a:schemeClr val="accent1"/>
+          </a:fillRef>
+          <a:effectRef idx="0">
+            <a:schemeClr val="accent1"/>
+          </a:effectRef>
+          <a:fontRef idx="minor">
+            <a:schemeClr val="lt1"/>
+          </a:fontRef>
+        </p:style>
+        <p:txBody>
+          <a:bodyPr rtlCol="0" anchor="ctr"/>
+          <a:lstStyle/>
+          <a:p>
+            <a:pPr algn="ctr"/>
+            <a:r>
+              <a:rPr lang="en-US" dirty="0" smtClean="0">
+                <a:solidFill>
+                  <a:schemeClr val="tx1"/>
+                </a:solidFill>
+              </a:rPr>
+              <a:t>cred.txt</a:t>
+            </a:r>
+            <a:endParaRPr lang="en-US" dirty="0">
+              <a:solidFill>
+                <a:schemeClr val="tx1"/>
+              </a:solidFill>
+            </a:endParaRPr>
+          </a:p>
+        </p:txBody>
+      </p:sp>
+      <p:cxnSp>
+        <p:nvCxnSpPr>
+          <p:cNvPr id="15" name="Straight Arrow Connector 14"/>
+          <p:cNvCxnSpPr>
+            <a:stCxn id="7" idx="2"/>
+            <a:endCxn id="13" idx="0"/>
+          </p:cNvCxnSpPr>
+          <p:nvPr/>
+        </p:nvCxnSpPr>
+        <p:spPr>
+          <a:xfrm flipH="1">
+            <a:off x="1600201" y="1295400"/>
+            <a:ext cx="188107" cy="477078"/>
+          </a:xfrm>
+          <a:prstGeom prst="straightConnector1">
+            <a:avLst/>
+          </a:prstGeom>
+          <a:ln>
+            <a:tailEnd type="arrow"/>
+          </a:ln>
+        </p:spPr>
+        <p:style>
+          <a:lnRef idx="1">
+            <a:schemeClr val="accent1"/>
+          </a:lnRef>
+          <a:fillRef idx="0">
+            <a:schemeClr val="accent1"/>
+          </a:fillRef>
+          <a:effectRef idx="0">
+            <a:schemeClr val="accent1"/>
+          </a:effectRef>
+          <a:fontRef idx="minor">
+            <a:schemeClr val="tx1"/>
+          </a:fontRef>
+        </p:style>
+      </p:cxnSp>
+      <p:sp>
+        <p:nvSpPr>
+          <p:cNvPr id="18" name="TextBox 17"/>
           <p:cNvSpPr txBox="1"/>
           <p:nvPr/>
         </p:nvSpPr>
         <p:spPr>
           <a:xfrm>
-            <a:off x="3124200" y="2609004"/>
-            <a:ext cx="6019800" cy="923330"/>
+            <a:off x="1665821" y="1383268"/>
+            <a:ext cx="2657651" cy="369332"/>
           </a:xfrm>
           <a:prstGeom prst="rect">
             <a:avLst/>
@@ -6806,93 +8248,1039 @@
           <a:noFill/>
         </p:spPr>
         <p:txBody>
-          <a:bodyPr wrap="square" rtlCol="0">
+          <a:bodyPr wrap="none" rtlCol="0">
             <a:spAutoFit/>
           </a:bodyPr>
           <a:lstStyle/>
           <a:p>
             <a:r>
               <a:rPr lang="en-US" dirty="0" smtClean="0"/>
-              <a:t>bash &lt;</a:t>
+              <a:t>VCHS </a:t>
             </a:r>
             <a:r>
               <a:rPr lang="en-US" dirty="0" err="1" smtClean="0"/>
-              <a:t>rsu</a:t>
-            </a:r>
-            <a:r>
-              <a:rPr lang="en-US" dirty="0" smtClean="0"/>
-              <a:t>&gt; python &lt;</a:t>
-            </a:r>
-            <a:r>
-              <a:rPr lang="en-US" dirty="0" err="1" smtClean="0"/>
-              <a:t>getopts_loc</a:t>
-            </a:r>
-            <a:r>
-              <a:rPr lang="en-US" dirty="0" smtClean="0"/>
-              <a:t>&gt; &lt;</a:t>
-            </a:r>
-            <a:r>
-              <a:rPr lang="en-US" dirty="0" err="1" smtClean="0"/>
-              <a:t>sprd_sht_nm</a:t>
-            </a:r>
-            <a:r>
-              <a:rPr lang="en-US" dirty="0" smtClean="0"/>
-              <a:t>&gt; &lt;</a:t>
-            </a:r>
-            <a:r>
-              <a:rPr lang="en-US" dirty="0" err="1" smtClean="0"/>
-              <a:t>wrk_sht_nm</a:t>
-            </a:r>
-            <a:r>
-              <a:rPr lang="en-US" dirty="0" smtClean="0"/>
-              <a:t>&gt; &lt;date&gt; “&lt;</a:t>
-            </a:r>
-            <a:r>
-              <a:rPr lang="en-US" dirty="0" err="1" smtClean="0"/>
-              <a:t>class_nm</a:t>
-            </a:r>
-            <a:r>
-              <a:rPr lang="en-US" dirty="0" smtClean="0"/>
-              <a:t>&gt;,&lt;</a:t>
-            </a:r>
-            <a:r>
-              <a:rPr lang="en-US" dirty="0" err="1" smtClean="0"/>
-              <a:t>hw_date</a:t>
-            </a:r>
-            <a:r>
-              <a:rPr lang="en-US" dirty="0" smtClean="0"/>
-              <a:t>&gt;,&lt;</a:t>
-            </a:r>
-            <a:r>
-              <a:rPr lang="en-US" dirty="0" err="1" smtClean="0"/>
-              <a:t>hw</a:t>
-            </a:r>
-            <a:r>
-              <a:rPr lang="en-US" dirty="0" smtClean="0"/>
-              <a:t> item&gt;,&lt;</a:t>
-            </a:r>
-            <a:r>
-              <a:rPr lang="en-US" dirty="0" err="1" smtClean="0"/>
-              <a:t>due_date</a:t>
-            </a:r>
-            <a:r>
-              <a:rPr lang="en-US" dirty="0" smtClean="0"/>
-              <a:t>&gt;,&lt;status&gt;,&lt;submission&gt;,&lt;comment&gt;”</a:t>
+              <a:t>Username,password</a:t>
             </a:r>
             <a:endParaRPr lang="en-US" dirty="0"/>
+          </a:p>
+        </p:txBody>
+      </p:sp>
+      <p:sp>
+        <p:nvSpPr>
+          <p:cNvPr id="25" name="Rounded Rectangle 24"/>
+          <p:cNvSpPr/>
+          <p:nvPr/>
+        </p:nvSpPr>
+        <p:spPr>
+          <a:xfrm>
+            <a:off x="3316358" y="4697121"/>
+            <a:ext cx="2246242" cy="609600"/>
+          </a:xfrm>
+          <a:prstGeom prst="roundRect">
+            <a:avLst/>
+          </a:prstGeom>
+          <a:noFill/>
+        </p:spPr>
+        <p:style>
+          <a:lnRef idx="2">
+            <a:schemeClr val="accent1">
+              <a:shade val="50000"/>
+            </a:schemeClr>
+          </a:lnRef>
+          <a:fillRef idx="1">
+            <a:schemeClr val="accent1"/>
+          </a:fillRef>
+          <a:effectRef idx="0">
+            <a:schemeClr val="accent1"/>
+          </a:effectRef>
+          <a:fontRef idx="minor">
+            <a:schemeClr val="lt1"/>
+          </a:fontRef>
+        </p:style>
+        <p:txBody>
+          <a:bodyPr rtlCol="0" anchor="ctr"/>
+          <a:lstStyle/>
+          <a:p>
+            <a:pPr algn="ctr"/>
+            <a:r>
+              <a:rPr lang="en-US" dirty="0" smtClean="0">
+                <a:solidFill>
+                  <a:schemeClr val="tx1"/>
+                </a:solidFill>
+              </a:rPr>
+              <a:t>fill_spreadsheet.py</a:t>
+            </a:r>
+            <a:endParaRPr lang="en-US" dirty="0">
+              <a:solidFill>
+                <a:schemeClr val="tx1"/>
+              </a:solidFill>
+            </a:endParaRPr>
+          </a:p>
+        </p:txBody>
+      </p:sp>
+      <p:sp>
+        <p:nvSpPr>
+          <p:cNvPr id="26" name="Rounded Rectangle 25"/>
+          <p:cNvSpPr/>
+          <p:nvPr/>
+        </p:nvSpPr>
+        <p:spPr>
+          <a:xfrm>
+            <a:off x="387627" y="4693808"/>
+            <a:ext cx="2246242" cy="609600"/>
+          </a:xfrm>
+          <a:prstGeom prst="roundRect">
+            <a:avLst/>
+          </a:prstGeom>
+          <a:noFill/>
+        </p:spPr>
+        <p:style>
+          <a:lnRef idx="2">
+            <a:schemeClr val="accent1">
+              <a:shade val="50000"/>
+            </a:schemeClr>
+          </a:lnRef>
+          <a:fillRef idx="1">
+            <a:schemeClr val="accent1"/>
+          </a:fillRef>
+          <a:effectRef idx="0">
+            <a:schemeClr val="accent1"/>
+          </a:effectRef>
+          <a:fontRef idx="minor">
+            <a:schemeClr val="lt1"/>
+          </a:fontRef>
+        </p:style>
+        <p:txBody>
+          <a:bodyPr rtlCol="0" anchor="ctr"/>
+          <a:lstStyle/>
+          <a:p>
+            <a:pPr algn="ctr"/>
+            <a:r>
+              <a:rPr lang="en-US" dirty="0" err="1" smtClean="0">
+                <a:solidFill>
+                  <a:schemeClr val="tx1"/>
+                </a:solidFill>
+              </a:rPr>
+              <a:t>Client_secret.json</a:t>
+            </a:r>
+            <a:endParaRPr lang="en-US" dirty="0">
+              <a:solidFill>
+                <a:schemeClr val="tx1"/>
+              </a:solidFill>
+            </a:endParaRPr>
           </a:p>
         </p:txBody>
       </p:sp>
       <p:cxnSp>
         <p:nvCxnSpPr>
-          <p:cNvPr id="11" name="Straight Arrow Connector 10"/>
-          <p:cNvCxnSpPr/>
+          <p:cNvPr id="28" name="Straight Arrow Connector 27"/>
+          <p:cNvCxnSpPr>
+            <a:stCxn id="25" idx="1"/>
+            <a:endCxn id="26" idx="3"/>
+          </p:cNvCxnSpPr>
           <p:nvPr/>
         </p:nvCxnSpPr>
         <p:spPr>
+          <a:xfrm flipH="1" flipV="1">
+            <a:off x="2633869" y="4998608"/>
+            <a:ext cx="682489" cy="3313"/>
+          </a:xfrm>
+          <a:prstGeom prst="straightConnector1">
+            <a:avLst/>
+          </a:prstGeom>
+          <a:ln>
+            <a:tailEnd type="arrow"/>
+          </a:ln>
+        </p:spPr>
+        <p:style>
+          <a:lnRef idx="1">
+            <a:schemeClr val="accent1"/>
+          </a:lnRef>
+          <a:fillRef idx="0">
+            <a:schemeClr val="accent1"/>
+          </a:fillRef>
+          <a:effectRef idx="0">
+            <a:schemeClr val="accent1"/>
+          </a:effectRef>
+          <a:fontRef idx="minor">
+            <a:schemeClr val="tx1"/>
+          </a:fontRef>
+        </p:style>
+      </p:cxnSp>
+      <p:sp>
+        <p:nvSpPr>
+          <p:cNvPr id="34" name="Rounded Rectangle 33"/>
+          <p:cNvSpPr/>
+          <p:nvPr/>
+        </p:nvSpPr>
+        <p:spPr>
+          <a:xfrm>
+            <a:off x="6298097" y="4697121"/>
+            <a:ext cx="2246242" cy="609600"/>
+          </a:xfrm>
+          <a:prstGeom prst="roundRect">
+            <a:avLst/>
+          </a:prstGeom>
+          <a:noFill/>
+        </p:spPr>
+        <p:style>
+          <a:lnRef idx="2">
+            <a:schemeClr val="accent1">
+              <a:shade val="50000"/>
+            </a:schemeClr>
+          </a:lnRef>
+          <a:fillRef idx="1">
+            <a:schemeClr val="accent1"/>
+          </a:fillRef>
+          <a:effectRef idx="0">
+            <a:schemeClr val="accent1"/>
+          </a:effectRef>
+          <a:fontRef idx="minor">
+            <a:schemeClr val="lt1"/>
+          </a:fontRef>
+        </p:style>
+        <p:txBody>
+          <a:bodyPr rtlCol="0" anchor="ctr"/>
+          <a:lstStyle/>
+          <a:p>
+            <a:pPr algn="ctr"/>
+            <a:r>
+              <a:rPr lang="en-US" dirty="0" smtClean="0">
+                <a:solidFill>
+                  <a:schemeClr val="tx1"/>
+                </a:solidFill>
+              </a:rPr>
+              <a:t>Google spreadsheet</a:t>
+            </a:r>
+            <a:endParaRPr lang="en-US" dirty="0">
+              <a:solidFill>
+                <a:schemeClr val="tx1"/>
+              </a:solidFill>
+            </a:endParaRPr>
+          </a:p>
+        </p:txBody>
+      </p:sp>
+      <p:cxnSp>
+        <p:nvCxnSpPr>
+          <p:cNvPr id="36" name="Straight Arrow Connector 35"/>
+          <p:cNvCxnSpPr>
+            <a:stCxn id="25" idx="3"/>
+            <a:endCxn id="34" idx="1"/>
+          </p:cNvCxnSpPr>
+          <p:nvPr/>
+        </p:nvCxnSpPr>
+        <p:spPr>
+          <a:xfrm>
+            <a:off x="5562600" y="5001921"/>
+            <a:ext cx="735497" cy="0"/>
+          </a:xfrm>
+          <a:prstGeom prst="straightConnector1">
+            <a:avLst/>
+          </a:prstGeom>
+          <a:ln>
+            <a:tailEnd type="arrow"/>
+          </a:ln>
+        </p:spPr>
+        <p:style>
+          <a:lnRef idx="1">
+            <a:schemeClr val="accent1"/>
+          </a:lnRef>
+          <a:fillRef idx="0">
+            <a:schemeClr val="accent1"/>
+          </a:fillRef>
+          <a:effectRef idx="0">
+            <a:schemeClr val="accent1"/>
+          </a:effectRef>
+          <a:fontRef idx="minor">
+            <a:schemeClr val="tx1"/>
+          </a:fontRef>
+        </p:style>
+      </p:cxnSp>
+      <p:sp>
+        <p:nvSpPr>
+          <p:cNvPr id="37" name="TextBox 36"/>
+          <p:cNvSpPr txBox="1"/>
+          <p:nvPr/>
+        </p:nvSpPr>
+        <p:spPr>
+          <a:xfrm>
+            <a:off x="5373849" y="4998608"/>
+            <a:ext cx="1112997" cy="369332"/>
+          </a:xfrm>
+          <a:prstGeom prst="rect">
+            <a:avLst/>
+          </a:prstGeom>
+          <a:noFill/>
+        </p:spPr>
+        <p:txBody>
+          <a:bodyPr wrap="none" rtlCol="0">
+            <a:spAutoFit/>
+          </a:bodyPr>
+          <a:lstStyle/>
+          <a:p>
+            <a:r>
+              <a:rPr lang="en-US" dirty="0" smtClean="0"/>
+              <a:t>populates</a:t>
+            </a:r>
+            <a:endParaRPr lang="en-US" dirty="0"/>
+          </a:p>
+        </p:txBody>
+      </p:sp>
+      <p:sp>
+        <p:nvSpPr>
+          <p:cNvPr id="41" name="TextBox 40"/>
+          <p:cNvSpPr txBox="1"/>
+          <p:nvPr/>
+        </p:nvSpPr>
+        <p:spPr>
+          <a:xfrm>
+            <a:off x="7688037" y="1752600"/>
+            <a:ext cx="1097865" cy="369332"/>
+          </a:xfrm>
+          <a:prstGeom prst="rect">
+            <a:avLst/>
+          </a:prstGeom>
+          <a:noFill/>
+        </p:spPr>
+        <p:txBody>
+          <a:bodyPr wrap="none" rtlCol="0">
+            <a:spAutoFit/>
+          </a:bodyPr>
+          <a:lstStyle/>
+          <a:p>
+            <a:r>
+              <a:rPr lang="en-US" dirty="0"/>
+              <a:t>c</a:t>
+            </a:r>
+            <a:r>
+              <a:rPr lang="en-US" dirty="0" smtClean="0"/>
+              <a:t>lass links</a:t>
+            </a:r>
+            <a:endParaRPr lang="en-US" dirty="0"/>
+          </a:p>
+        </p:txBody>
+      </p:sp>
+      <p:sp>
+        <p:nvSpPr>
+          <p:cNvPr id="43" name="Oval 42"/>
+          <p:cNvSpPr/>
+          <p:nvPr/>
+        </p:nvSpPr>
+        <p:spPr>
+          <a:xfrm>
+            <a:off x="235227" y="228600"/>
+            <a:ext cx="304800" cy="304800"/>
+          </a:xfrm>
+          <a:prstGeom prst="ellipse">
+            <a:avLst/>
+          </a:prstGeom>
+          <a:noFill/>
+        </p:spPr>
+        <p:style>
+          <a:lnRef idx="2">
+            <a:schemeClr val="accent1">
+              <a:shade val="50000"/>
+            </a:schemeClr>
+          </a:lnRef>
+          <a:fillRef idx="1">
+            <a:schemeClr val="accent1"/>
+          </a:fillRef>
+          <a:effectRef idx="0">
+            <a:schemeClr val="accent1"/>
+          </a:effectRef>
+          <a:fontRef idx="minor">
+            <a:schemeClr val="lt1"/>
+          </a:fontRef>
+        </p:style>
+        <p:txBody>
+          <a:bodyPr rtlCol="0" anchor="ctr"/>
+          <a:lstStyle/>
+          <a:p>
+            <a:pPr algn="ctr"/>
+            <a:r>
+              <a:rPr lang="en-US" dirty="0" smtClean="0">
+                <a:solidFill>
+                  <a:schemeClr val="tx1"/>
+                </a:solidFill>
+              </a:rPr>
+              <a:t>1</a:t>
+            </a:r>
+            <a:endParaRPr lang="en-US" dirty="0">
+              <a:solidFill>
+                <a:schemeClr val="tx1"/>
+              </a:solidFill>
+            </a:endParaRPr>
+          </a:p>
+        </p:txBody>
+      </p:sp>
+      <p:sp>
+        <p:nvSpPr>
+          <p:cNvPr id="44" name="Oval 43"/>
+          <p:cNvSpPr/>
+          <p:nvPr/>
+        </p:nvSpPr>
+        <p:spPr>
+          <a:xfrm>
+            <a:off x="5777947" y="221974"/>
+            <a:ext cx="304800" cy="304800"/>
+          </a:xfrm>
+          <a:prstGeom prst="ellipse">
+            <a:avLst/>
+          </a:prstGeom>
+          <a:noFill/>
+        </p:spPr>
+        <p:style>
+          <a:lnRef idx="2">
+            <a:schemeClr val="accent1">
+              <a:shade val="50000"/>
+            </a:schemeClr>
+          </a:lnRef>
+          <a:fillRef idx="1">
+            <a:schemeClr val="accent1"/>
+          </a:fillRef>
+          <a:effectRef idx="0">
+            <a:schemeClr val="accent1"/>
+          </a:effectRef>
+          <a:fontRef idx="minor">
+            <a:schemeClr val="lt1"/>
+          </a:fontRef>
+        </p:style>
+        <p:txBody>
+          <a:bodyPr rtlCol="0" anchor="ctr"/>
+          <a:lstStyle/>
+          <a:p>
+            <a:pPr algn="ctr"/>
+            <a:r>
+              <a:rPr lang="en-US" dirty="0" smtClean="0">
+                <a:solidFill>
+                  <a:schemeClr val="tx1"/>
+                </a:solidFill>
+              </a:rPr>
+              <a:t>3</a:t>
+            </a:r>
+            <a:endParaRPr lang="en-US" dirty="0">
+              <a:solidFill>
+                <a:schemeClr val="tx1"/>
+              </a:solidFill>
+            </a:endParaRPr>
+          </a:p>
+        </p:txBody>
+      </p:sp>
+      <p:cxnSp>
+        <p:nvCxnSpPr>
+          <p:cNvPr id="46" name="Straight Arrow Connector 45"/>
+          <p:cNvCxnSpPr>
+            <a:stCxn id="2" idx="2"/>
+            <a:endCxn id="25" idx="0"/>
+          </p:cNvCxnSpPr>
+          <p:nvPr/>
+        </p:nvCxnSpPr>
+        <p:spPr>
           <a:xfrm flipH="1">
-            <a:off x="1485978" y="3167342"/>
-            <a:ext cx="4110" cy="410429"/>
+            <a:off x="4439479" y="3791742"/>
+            <a:ext cx="33130" cy="905379"/>
+          </a:xfrm>
+          <a:prstGeom prst="straightConnector1">
+            <a:avLst/>
+          </a:prstGeom>
+          <a:ln>
+            <a:tailEnd type="arrow"/>
+          </a:ln>
+        </p:spPr>
+        <p:style>
+          <a:lnRef idx="1">
+            <a:schemeClr val="accent1"/>
+          </a:lnRef>
+          <a:fillRef idx="0">
+            <a:schemeClr val="accent1"/>
+          </a:fillRef>
+          <a:effectRef idx="0">
+            <a:schemeClr val="accent1"/>
+          </a:effectRef>
+          <a:fontRef idx="minor">
+            <a:schemeClr val="tx1"/>
+          </a:fontRef>
+        </p:style>
+      </p:cxnSp>
+      <p:sp>
+        <p:nvSpPr>
+          <p:cNvPr id="47" name="TextBox 46"/>
+          <p:cNvSpPr txBox="1"/>
+          <p:nvPr/>
+        </p:nvSpPr>
+        <p:spPr>
+          <a:xfrm>
+            <a:off x="4493310" y="4048629"/>
+            <a:ext cx="881395" cy="369332"/>
+          </a:xfrm>
+          <a:prstGeom prst="rect">
+            <a:avLst/>
+          </a:prstGeom>
+          <a:noFill/>
+        </p:spPr>
+        <p:txBody>
+          <a:bodyPr wrap="none" rtlCol="0">
+            <a:spAutoFit/>
+          </a:bodyPr>
+          <a:lstStyle/>
+          <a:p>
+            <a:r>
+              <a:rPr lang="en-US" dirty="0" smtClean="0"/>
+              <a:t>invokes</a:t>
+            </a:r>
+            <a:endParaRPr lang="en-US" dirty="0"/>
+          </a:p>
+        </p:txBody>
+      </p:sp>
+      <p:sp>
+        <p:nvSpPr>
+          <p:cNvPr id="48" name="TextBox 47"/>
+          <p:cNvSpPr txBox="1"/>
+          <p:nvPr/>
+        </p:nvSpPr>
+        <p:spPr>
+          <a:xfrm>
+            <a:off x="2616936" y="5118742"/>
+            <a:ext cx="699422" cy="369332"/>
+          </a:xfrm>
+          <a:prstGeom prst="rect">
+            <a:avLst/>
+          </a:prstGeom>
+          <a:noFill/>
+        </p:spPr>
+        <p:txBody>
+          <a:bodyPr wrap="none" rtlCol="0">
+            <a:spAutoFit/>
+          </a:bodyPr>
+          <a:lstStyle/>
+          <a:p>
+            <a:r>
+              <a:rPr lang="en-US" dirty="0" smtClean="0"/>
+              <a:t>reads</a:t>
+            </a:r>
+            <a:endParaRPr lang="en-US" dirty="0"/>
+          </a:p>
+        </p:txBody>
+      </p:sp>
+      <p:sp>
+        <p:nvSpPr>
+          <p:cNvPr id="49" name="Rounded Rectangle 48"/>
+          <p:cNvSpPr/>
+          <p:nvPr/>
+        </p:nvSpPr>
+        <p:spPr>
+          <a:xfrm>
+            <a:off x="6334540" y="3486942"/>
+            <a:ext cx="2246242" cy="609600"/>
+          </a:xfrm>
+          <a:prstGeom prst="roundRect">
+            <a:avLst/>
+          </a:prstGeom>
+          <a:noFill/>
+        </p:spPr>
+        <p:style>
+          <a:lnRef idx="2">
+            <a:schemeClr val="accent1">
+              <a:shade val="50000"/>
+            </a:schemeClr>
+          </a:lnRef>
+          <a:fillRef idx="1">
+            <a:schemeClr val="accent1"/>
+          </a:fillRef>
+          <a:effectRef idx="0">
+            <a:schemeClr val="accent1"/>
+          </a:effectRef>
+          <a:fontRef idx="minor">
+            <a:schemeClr val="lt1"/>
+          </a:fontRef>
+        </p:style>
+        <p:txBody>
+          <a:bodyPr rtlCol="0" anchor="ctr"/>
+          <a:lstStyle/>
+          <a:p>
+            <a:pPr algn="ctr"/>
+            <a:r>
+              <a:rPr lang="en-US" dirty="0" smtClean="0">
+                <a:solidFill>
+                  <a:schemeClr val="tx1"/>
+                </a:solidFill>
+              </a:rPr>
+              <a:t>Browser driver</a:t>
+            </a:r>
+            <a:endParaRPr lang="en-US" dirty="0">
+              <a:solidFill>
+                <a:schemeClr val="tx1"/>
+              </a:solidFill>
+            </a:endParaRPr>
+          </a:p>
+        </p:txBody>
+      </p:sp>
+      <p:cxnSp>
+        <p:nvCxnSpPr>
+          <p:cNvPr id="51" name="Straight Arrow Connector 50"/>
+          <p:cNvCxnSpPr>
+            <a:stCxn id="49" idx="0"/>
+            <a:endCxn id="3" idx="2"/>
+          </p:cNvCxnSpPr>
+          <p:nvPr/>
+        </p:nvCxnSpPr>
+        <p:spPr>
+          <a:xfrm flipV="1">
+            <a:off x="7457661" y="2912129"/>
+            <a:ext cx="0" cy="574813"/>
+          </a:xfrm>
+          <a:prstGeom prst="straightConnector1">
+            <a:avLst/>
+          </a:prstGeom>
+          <a:ln>
+            <a:tailEnd type="arrow"/>
+          </a:ln>
+        </p:spPr>
+        <p:style>
+          <a:lnRef idx="1">
+            <a:schemeClr val="accent1"/>
+          </a:lnRef>
+          <a:fillRef idx="0">
+            <a:schemeClr val="accent1"/>
+          </a:fillRef>
+          <a:effectRef idx="0">
+            <a:schemeClr val="accent1"/>
+          </a:effectRef>
+          <a:fontRef idx="minor">
+            <a:schemeClr val="tx1"/>
+          </a:fontRef>
+        </p:style>
+      </p:cxnSp>
+      <p:sp>
+        <p:nvSpPr>
+          <p:cNvPr id="52" name="TextBox 51"/>
+          <p:cNvSpPr txBox="1"/>
+          <p:nvPr/>
+        </p:nvSpPr>
+        <p:spPr>
+          <a:xfrm>
+            <a:off x="7523922" y="2996539"/>
+            <a:ext cx="937244" cy="369332"/>
+          </a:xfrm>
+          <a:prstGeom prst="rect">
+            <a:avLst/>
+          </a:prstGeom>
+          <a:noFill/>
+        </p:spPr>
+        <p:txBody>
+          <a:bodyPr wrap="none" rtlCol="0">
+            <a:spAutoFit/>
+          </a:bodyPr>
+          <a:lstStyle/>
+          <a:p>
+            <a:r>
+              <a:rPr lang="en-US" dirty="0" smtClean="0"/>
+              <a:t>location</a:t>
+            </a:r>
+            <a:endParaRPr lang="en-US" dirty="0"/>
+          </a:p>
+        </p:txBody>
+      </p:sp>
+      <p:cxnSp>
+        <p:nvCxnSpPr>
+          <p:cNvPr id="55" name="Straight Arrow Connector 54"/>
+          <p:cNvCxnSpPr>
+            <a:stCxn id="2" idx="1"/>
+            <a:endCxn id="13" idx="3"/>
+          </p:cNvCxnSpPr>
+          <p:nvPr/>
+        </p:nvCxnSpPr>
+        <p:spPr>
+          <a:xfrm flipH="1" flipV="1">
+            <a:off x="2209801" y="2115378"/>
+            <a:ext cx="1119808" cy="1235693"/>
+          </a:xfrm>
+          <a:prstGeom prst="straightConnector1">
+            <a:avLst/>
+          </a:prstGeom>
+          <a:ln>
+            <a:tailEnd type="arrow"/>
+          </a:ln>
+        </p:spPr>
+        <p:style>
+          <a:lnRef idx="1">
+            <a:schemeClr val="accent1"/>
+          </a:lnRef>
+          <a:fillRef idx="0">
+            <a:schemeClr val="accent1"/>
+          </a:fillRef>
+          <a:effectRef idx="0">
+            <a:schemeClr val="accent1"/>
+          </a:effectRef>
+          <a:fontRef idx="minor">
+            <a:schemeClr val="tx1"/>
+          </a:fontRef>
+        </p:style>
+      </p:cxnSp>
+      <p:sp>
+        <p:nvSpPr>
+          <p:cNvPr id="56" name="TextBox 55"/>
+          <p:cNvSpPr txBox="1"/>
+          <p:nvPr/>
+        </p:nvSpPr>
+        <p:spPr>
+          <a:xfrm>
+            <a:off x="5406518" y="2548558"/>
+            <a:ext cx="699422" cy="369332"/>
+          </a:xfrm>
+          <a:prstGeom prst="rect">
+            <a:avLst/>
+          </a:prstGeom>
+          <a:noFill/>
+        </p:spPr>
+        <p:txBody>
+          <a:bodyPr wrap="none" rtlCol="0">
+            <a:spAutoFit/>
+          </a:bodyPr>
+          <a:lstStyle/>
+          <a:p>
+            <a:r>
+              <a:rPr lang="en-US" dirty="0" smtClean="0"/>
+              <a:t>reads</a:t>
+            </a:r>
+            <a:endParaRPr lang="en-US" dirty="0"/>
+          </a:p>
+        </p:txBody>
+      </p:sp>
+      <p:cxnSp>
+        <p:nvCxnSpPr>
+          <p:cNvPr id="60" name="Straight Arrow Connector 59"/>
+          <p:cNvCxnSpPr>
+            <a:stCxn id="2" idx="0"/>
+            <a:endCxn id="8" idx="1"/>
+          </p:cNvCxnSpPr>
+          <p:nvPr/>
+        </p:nvCxnSpPr>
+        <p:spPr>
+          <a:xfrm flipV="1">
+            <a:off x="4472609" y="1094961"/>
+            <a:ext cx="1623391" cy="1815439"/>
+          </a:xfrm>
+          <a:prstGeom prst="straightConnector1">
+            <a:avLst/>
+          </a:prstGeom>
+          <a:ln>
+            <a:tailEnd type="arrow"/>
+          </a:ln>
+        </p:spPr>
+        <p:style>
+          <a:lnRef idx="1">
+            <a:schemeClr val="accent1"/>
+          </a:lnRef>
+          <a:fillRef idx="0">
+            <a:schemeClr val="accent1"/>
+          </a:fillRef>
+          <a:effectRef idx="0">
+            <a:schemeClr val="accent1"/>
+          </a:effectRef>
+          <a:fontRef idx="minor">
+            <a:schemeClr val="tx1"/>
+          </a:fontRef>
+        </p:style>
+      </p:cxnSp>
+      <p:sp>
+        <p:nvSpPr>
+          <p:cNvPr id="61" name="TextBox 60"/>
+          <p:cNvSpPr txBox="1"/>
+          <p:nvPr/>
+        </p:nvSpPr>
+        <p:spPr>
+          <a:xfrm>
+            <a:off x="4089768" y="2222296"/>
+            <a:ext cx="774636" cy="369332"/>
+          </a:xfrm>
+          <a:prstGeom prst="rect">
+            <a:avLst/>
+          </a:prstGeom>
+          <a:noFill/>
+        </p:spPr>
+        <p:txBody>
+          <a:bodyPr wrap="none" rtlCol="0">
+            <a:spAutoFit/>
+          </a:bodyPr>
+          <a:lstStyle/>
+          <a:p>
+            <a:r>
+              <a:rPr lang="en-US" dirty="0" smtClean="0"/>
+              <a:t>crawls</a:t>
+            </a:r>
+            <a:endParaRPr lang="en-US" dirty="0"/>
+          </a:p>
+        </p:txBody>
+      </p:sp>
+      <p:sp>
+        <p:nvSpPr>
+          <p:cNvPr id="63" name="Oval 62"/>
+          <p:cNvSpPr/>
+          <p:nvPr/>
+        </p:nvSpPr>
+        <p:spPr>
+          <a:xfrm>
+            <a:off x="235226" y="4236608"/>
+            <a:ext cx="304800" cy="304800"/>
+          </a:xfrm>
+          <a:prstGeom prst="ellipse">
+            <a:avLst/>
+          </a:prstGeom>
+          <a:noFill/>
+        </p:spPr>
+        <p:style>
+          <a:lnRef idx="2">
+            <a:schemeClr val="accent1">
+              <a:shade val="50000"/>
+            </a:schemeClr>
+          </a:lnRef>
+          <a:fillRef idx="1">
+            <a:schemeClr val="accent1"/>
+          </a:fillRef>
+          <a:effectRef idx="0">
+            <a:schemeClr val="accent1"/>
+          </a:effectRef>
+          <a:fontRef idx="minor">
+            <a:schemeClr val="lt1"/>
+          </a:fontRef>
+        </p:style>
+        <p:txBody>
+          <a:bodyPr rtlCol="0" anchor="ctr"/>
+          <a:lstStyle/>
+          <a:p>
+            <a:pPr algn="ctr"/>
+            <a:r>
+              <a:rPr lang="en-US" dirty="0" smtClean="0">
+                <a:solidFill>
+                  <a:schemeClr val="tx1"/>
+                </a:solidFill>
+              </a:rPr>
+              <a:t>2</a:t>
+            </a:r>
+            <a:endParaRPr lang="en-US" dirty="0">
+              <a:solidFill>
+                <a:schemeClr val="tx1"/>
+              </a:solidFill>
+            </a:endParaRPr>
+          </a:p>
+        </p:txBody>
+      </p:sp>
+      <p:sp>
+        <p:nvSpPr>
+          <p:cNvPr id="64" name="Oval 63"/>
+          <p:cNvSpPr/>
+          <p:nvPr/>
+        </p:nvSpPr>
+        <p:spPr>
+          <a:xfrm>
+            <a:off x="6105940" y="3181205"/>
+            <a:ext cx="304800" cy="304800"/>
+          </a:xfrm>
+          <a:prstGeom prst="ellipse">
+            <a:avLst/>
+          </a:prstGeom>
+          <a:noFill/>
+        </p:spPr>
+        <p:style>
+          <a:lnRef idx="2">
+            <a:schemeClr val="accent1">
+              <a:shade val="50000"/>
+            </a:schemeClr>
+          </a:lnRef>
+          <a:fillRef idx="1">
+            <a:schemeClr val="accent1"/>
+          </a:fillRef>
+          <a:effectRef idx="0">
+            <a:schemeClr val="accent1"/>
+          </a:effectRef>
+          <a:fontRef idx="minor">
+            <a:schemeClr val="lt1"/>
+          </a:fontRef>
+        </p:style>
+        <p:txBody>
+          <a:bodyPr rtlCol="0" anchor="ctr"/>
+          <a:lstStyle/>
+          <a:p>
+            <a:pPr algn="ctr"/>
+            <a:r>
+              <a:rPr lang="en-US" dirty="0" smtClean="0">
+                <a:solidFill>
+                  <a:schemeClr val="tx1"/>
+                </a:solidFill>
+              </a:rPr>
+              <a:t>4</a:t>
+            </a:r>
+            <a:endParaRPr lang="en-US" dirty="0">
+              <a:solidFill>
+                <a:schemeClr val="tx1"/>
+              </a:solidFill>
+            </a:endParaRPr>
+          </a:p>
+        </p:txBody>
+      </p:sp>
+      <p:sp>
+        <p:nvSpPr>
+          <p:cNvPr id="65" name="Oval 64"/>
+          <p:cNvSpPr/>
+          <p:nvPr/>
+        </p:nvSpPr>
+        <p:spPr>
+          <a:xfrm>
+            <a:off x="2842246" y="3365871"/>
+            <a:ext cx="304800" cy="304800"/>
+          </a:xfrm>
+          <a:prstGeom prst="ellipse">
+            <a:avLst/>
+          </a:prstGeom>
+          <a:noFill/>
+        </p:spPr>
+        <p:style>
+          <a:lnRef idx="2">
+            <a:schemeClr val="accent1">
+              <a:shade val="50000"/>
+            </a:schemeClr>
+          </a:lnRef>
+          <a:fillRef idx="1">
+            <a:schemeClr val="accent1"/>
+          </a:fillRef>
+          <a:effectRef idx="0">
+            <a:schemeClr val="accent1"/>
+          </a:effectRef>
+          <a:fontRef idx="minor">
+            <a:schemeClr val="lt1"/>
+          </a:fontRef>
+        </p:style>
+        <p:txBody>
+          <a:bodyPr rtlCol="0" anchor="ctr"/>
+          <a:lstStyle/>
+          <a:p>
+            <a:pPr algn="ctr"/>
+            <a:r>
+              <a:rPr lang="en-US" dirty="0" smtClean="0">
+                <a:solidFill>
+                  <a:schemeClr val="tx1"/>
+                </a:solidFill>
+              </a:rPr>
+              <a:t>5</a:t>
+            </a:r>
+            <a:endParaRPr lang="en-US" dirty="0">
+              <a:solidFill>
+                <a:schemeClr val="tx1"/>
+              </a:solidFill>
+            </a:endParaRPr>
+          </a:p>
+        </p:txBody>
+      </p:sp>
+      <p:sp>
+        <p:nvSpPr>
+          <p:cNvPr id="67" name="TextBox 66"/>
+          <p:cNvSpPr txBox="1"/>
+          <p:nvPr/>
+        </p:nvSpPr>
+        <p:spPr>
+          <a:xfrm>
+            <a:off x="235227" y="5454134"/>
+            <a:ext cx="8935459" cy="1477328"/>
+          </a:xfrm>
+          <a:prstGeom prst="rect">
+            <a:avLst/>
+          </a:prstGeom>
+          <a:noFill/>
+        </p:spPr>
+        <p:txBody>
+          <a:bodyPr wrap="none" rtlCol="0">
+            <a:spAutoFit/>
+          </a:bodyPr>
+          <a:lstStyle/>
+          <a:p>
+            <a:pPr marL="342900" indent="-342900">
+              <a:buAutoNum type="arabicParenR"/>
+            </a:pPr>
+            <a:r>
+              <a:rPr lang="en-US" dirty="0" smtClean="0"/>
+              <a:t>Use </a:t>
+            </a:r>
+            <a:r>
+              <a:rPr lang="en-US" dirty="0" err="1" smtClean="0"/>
+              <a:t>CredentialEncrypter</a:t>
+            </a:r>
+            <a:r>
+              <a:rPr lang="en-US" dirty="0" smtClean="0"/>
+              <a:t> to encrypt your VCHS PowerSchool credentials, </a:t>
+            </a:r>
+          </a:p>
+          <a:p>
+            <a:pPr marL="342900" indent="-342900">
+              <a:buAutoNum type="arabicParenR"/>
+            </a:pPr>
+            <a:r>
+              <a:rPr lang="en-US" dirty="0" smtClean="0"/>
+              <a:t>Follow the </a:t>
+            </a:r>
+            <a:r>
+              <a:rPr lang="en-US" dirty="0" err="1" smtClean="0"/>
+              <a:t>SpreadsheetUpdater</a:t>
+            </a:r>
+            <a:r>
+              <a:rPr lang="en-US" dirty="0" smtClean="0"/>
+              <a:t> README to get your Google credentials</a:t>
+            </a:r>
+          </a:p>
+          <a:p>
+            <a:pPr marL="342900" indent="-342900">
+              <a:buAutoNum type="arabicParenR"/>
+            </a:pPr>
+            <a:r>
+              <a:rPr lang="en-US" dirty="0" smtClean="0"/>
+              <a:t>Follow the above instructions to capture your class IDs -&gt; </a:t>
+            </a:r>
+            <a:r>
+              <a:rPr lang="en-US" dirty="0" err="1" smtClean="0"/>
+              <a:t>config.properties</a:t>
+            </a:r>
+            <a:endParaRPr lang="en-US" dirty="0" smtClean="0"/>
+          </a:p>
+          <a:p>
+            <a:pPr marL="342900" indent="-342900">
+              <a:buFontTx/>
+              <a:buAutoNum type="arabicParenR"/>
+            </a:pPr>
+            <a:r>
+              <a:rPr lang="en-US" dirty="0" smtClean="0"/>
+              <a:t>Download and install the Chrome Selenium driver, location -&gt; </a:t>
+            </a:r>
+            <a:r>
+              <a:rPr lang="en-US" dirty="0" err="1" smtClean="0"/>
+              <a:t>config.properties</a:t>
+            </a:r>
+            <a:endParaRPr lang="en-US" dirty="0" smtClean="0"/>
+          </a:p>
+          <a:p>
+            <a:pPr marL="342900" indent="-342900">
+              <a:buAutoNum type="arabicParenR"/>
+            </a:pPr>
+            <a:r>
+              <a:rPr lang="en-US" dirty="0" smtClean="0"/>
+              <a:t>After installing Java 7/8, run the homework crawler per the README instructions</a:t>
+            </a:r>
+            <a:endParaRPr lang="en-US" dirty="0"/>
+          </a:p>
+        </p:txBody>
+      </p:sp>
+      <p:cxnSp>
+        <p:nvCxnSpPr>
+          <p:cNvPr id="72" name="Straight Arrow Connector 71"/>
+          <p:cNvCxnSpPr>
+            <a:stCxn id="2" idx="3"/>
+            <a:endCxn id="3" idx="1"/>
+          </p:cNvCxnSpPr>
+          <p:nvPr/>
+        </p:nvCxnSpPr>
+        <p:spPr>
+          <a:xfrm flipV="1">
+            <a:off x="5615609" y="2607329"/>
+            <a:ext cx="718931" cy="743742"/>
           </a:xfrm>
           <a:prstGeom prst="straightConnector1">
             <a:avLst/>
@@ -6918,20 +9306,23 @@
       </p:cxnSp>
       <p:cxnSp>
         <p:nvCxnSpPr>
-          <p:cNvPr id="15" name="Straight Connector 14"/>
-          <p:cNvCxnSpPr/>
+          <p:cNvPr id="74" name="Straight Arrow Connector 73"/>
+          <p:cNvCxnSpPr>
+            <a:stCxn id="2" idx="3"/>
+            <a:endCxn id="49" idx="1"/>
+          </p:cNvCxnSpPr>
           <p:nvPr/>
         </p:nvCxnSpPr>
         <p:spPr>
           <a:xfrm>
-            <a:off x="1490088" y="3372556"/>
-            <a:ext cx="1634112" cy="0"/>
-          </a:xfrm>
-          <a:prstGeom prst="line">
+            <a:off x="5615609" y="3351071"/>
+            <a:ext cx="718931" cy="440671"/>
+          </a:xfrm>
+          <a:prstGeom prst="straightConnector1">
             <a:avLst/>
           </a:prstGeom>
           <a:ln>
-            <a:prstDash val="dash"/>
+            <a:tailEnd type="arrow"/>
           </a:ln>
         </p:spPr>
         <p:style>
@@ -6951,14 +9342,134 @@
       </p:cxnSp>
       <p:sp>
         <p:nvSpPr>
-          <p:cNvPr id="16" name="TextBox 15"/>
+          <p:cNvPr id="75" name="TextBox 74"/>
           <p:cNvSpPr txBox="1"/>
           <p:nvPr/>
         </p:nvSpPr>
         <p:spPr>
           <a:xfrm>
-            <a:off x="3124224" y="4201828"/>
-            <a:ext cx="6019800" cy="923330"/>
+            <a:off x="5416457" y="3670671"/>
+            <a:ext cx="881395" cy="369332"/>
+          </a:xfrm>
+          <a:prstGeom prst="rect">
+            <a:avLst/>
+          </a:prstGeom>
+          <a:noFill/>
+        </p:spPr>
+        <p:txBody>
+          <a:bodyPr wrap="none" rtlCol="0">
+            <a:spAutoFit/>
+          </a:bodyPr>
+          <a:lstStyle/>
+          <a:p>
+            <a:r>
+              <a:rPr lang="en-US" dirty="0" smtClean="0"/>
+              <a:t>invokes</a:t>
+            </a:r>
+            <a:endParaRPr lang="en-US" dirty="0"/>
+          </a:p>
+        </p:txBody>
+      </p:sp>
+      <p:sp>
+        <p:nvSpPr>
+          <p:cNvPr id="38" name="TextBox 37"/>
+          <p:cNvSpPr txBox="1"/>
+          <p:nvPr/>
+        </p:nvSpPr>
+        <p:spPr>
+          <a:xfrm>
+            <a:off x="1001486" y="43934"/>
+            <a:ext cx="4258025" cy="461665"/>
+          </a:xfrm>
+          <a:prstGeom prst="rect">
+            <a:avLst/>
+          </a:prstGeom>
+          <a:noFill/>
+        </p:spPr>
+        <p:txBody>
+          <a:bodyPr wrap="none" rtlCol="0">
+            <a:spAutoFit/>
+          </a:bodyPr>
+          <a:lstStyle/>
+          <a:p>
+            <a:r>
+              <a:rPr lang="en-US" sz="2400" dirty="0" smtClean="0"/>
+              <a:t>Top level component diagram</a:t>
+            </a:r>
+            <a:endParaRPr lang="en-US" sz="2400" dirty="0"/>
+          </a:p>
+        </p:txBody>
+      </p:sp>
+    </p:spTree>
+    <p:extLst>
+      <p:ext uri="{BB962C8B-B14F-4D97-AF65-F5344CB8AC3E}">
+        <p14:creationId xmlns:p14="http://schemas.microsoft.com/office/powerpoint/2010/main" val="3356732888"/>
+      </p:ext>
+    </p:extLst>
+  </p:cSld>
+  <p:clrMapOvr>
+    <a:masterClrMapping/>
+  </p:clrMapOvr>
+</p:sld>
+</file>
+
+<file path=ppt/slides/slide8.xml><?xml version="1.0" encoding="utf-8"?>
+<p:sld xmlns:a="http://schemas.openxmlformats.org/drawingml/2006/main" xmlns:r="http://schemas.openxmlformats.org/officeDocument/2006/relationships" xmlns:p="http://schemas.openxmlformats.org/presentationml/2006/main">
+  <p:cSld>
+    <p:spTree>
+      <p:nvGrpSpPr>
+        <p:cNvPr id="1" name=""/>
+        <p:cNvGrpSpPr/>
+        <p:nvPr/>
+      </p:nvGrpSpPr>
+      <p:grpSpPr>
+        <a:xfrm>
+          <a:off x="0" y="0"/>
+          <a:ext cx="0" cy="0"/>
+          <a:chOff x="0" y="0"/>
+          <a:chExt cx="0" cy="0"/>
+        </a:xfrm>
+      </p:grpSpPr>
+      <p:sp>
+        <p:nvSpPr>
+          <p:cNvPr id="2" name="TextBox 1"/>
+          <p:cNvSpPr txBox="1"/>
+          <p:nvPr/>
+        </p:nvSpPr>
+        <p:spPr>
+          <a:xfrm>
+            <a:off x="381000" y="609599"/>
+            <a:ext cx="8171404" cy="461665"/>
+          </a:xfrm>
+          <a:prstGeom prst="rect">
+            <a:avLst/>
+          </a:prstGeom>
+          <a:noFill/>
+        </p:spPr>
+        <p:txBody>
+          <a:bodyPr wrap="none" rtlCol="0">
+            <a:spAutoFit/>
+          </a:bodyPr>
+          <a:lstStyle/>
+          <a:p>
+            <a:r>
+              <a:rPr lang="en-US" sz="2400" dirty="0" smtClean="0"/>
+              <a:t>Detailed what to-do information and links (Windows-only </a:t>
+            </a:r>
+            <a:endParaRPr lang="en-US" sz="2400" dirty="0"/>
+          </a:p>
+        </p:txBody>
+      </p:sp>
+      <p:sp>
+        <p:nvSpPr>
+          <p:cNvPr id="3" name="TextBox 2"/>
+          <p:cNvSpPr txBox="1"/>
+          <p:nvPr/>
+        </p:nvSpPr>
+        <p:spPr>
+          <a:xfrm>
+            <a:off x="381000" y="1295400"/>
+            <a:ext cx="8458200" cy="5632311"/>
           </a:xfrm>
           <a:prstGeom prst="rect">
             <a:avLst/>
@@ -6971,150 +9482,272 @@
           </a:bodyPr>
           <a:lstStyle/>
           <a:p>
+            <a:pPr marL="342900" indent="-342900">
+              <a:buAutoNum type="arabicParenR"/>
+            </a:pPr>
+            <a:r>
+              <a:rPr lang="en-US" dirty="0" smtClean="0"/>
+              <a:t>To download the </a:t>
+            </a:r>
+            <a:r>
+              <a:rPr lang="en-US" dirty="0" err="1" smtClean="0">
+                <a:solidFill>
+                  <a:schemeClr val="tx1"/>
+                </a:solidFill>
+              </a:rPr>
+              <a:t>CredentialEncrypter</a:t>
+            </a:r>
             <a:r>
               <a:rPr lang="en-US" dirty="0"/>
-              <a:t>p</a:t>
+              <a:t> </a:t>
             </a:r>
             <a:r>
               <a:rPr lang="en-US" dirty="0" smtClean="0"/>
-              <a:t>ython &lt;</a:t>
+              <a:t>program, go to </a:t>
+            </a:r>
+            <a:r>
+              <a:rPr lang="en-US" dirty="0">
+                <a:hlinkClick r:id="rId2"/>
+              </a:rPr>
+              <a:t>https://github.com/tthale/Python-Encrypter.git</a:t>
+            </a:r>
+            <a:r>
+              <a:rPr lang="en-US" dirty="0" smtClean="0"/>
+              <a:t> and put it in  a “Credential </a:t>
             </a:r>
             <a:r>
               <a:rPr lang="en-US" dirty="0" err="1" smtClean="0"/>
-              <a:t>getopts_loc</a:t>
+              <a:t>Encrypter</a:t>
             </a:r>
             <a:r>
               <a:rPr lang="en-US" dirty="0" smtClean="0"/>
-              <a:t>&gt; “</a:t>
+              <a:t>” subdirectory on our system. This program is used to obfuscate your Google </a:t>
             </a:r>
             <a:r>
               <a:rPr lang="en-US" dirty="0" err="1" smtClean="0"/>
-              <a:t>sprd_sht_nm</a:t>
+              <a:t>gmail</a:t>
             </a:r>
             <a:r>
               <a:rPr lang="en-US" dirty="0" smtClean="0"/>
-              <a:t>” “</a:t>
+              <a:t> credentials from prying eyes. You will also need to install the </a:t>
             </a:r>
             <a:r>
               <a:rPr lang="en-US" dirty="0" err="1" smtClean="0"/>
-              <a:t>wrk_sht_nm</a:t>
+              <a:t>PyCrypto</a:t>
             </a:r>
             <a:r>
               <a:rPr lang="en-US" dirty="0" smtClean="0"/>
-              <a:t>” “date” “</a:t>
+              <a:t> encryption library by running ‘pip install </a:t>
             </a:r>
             <a:r>
               <a:rPr lang="en-US" dirty="0" err="1" smtClean="0"/>
-              <a:t>class_nm</a:t>
+              <a:t>pycrypto</a:t>
             </a:r>
             <a:r>
               <a:rPr lang="en-US" dirty="0" smtClean="0"/>
-              <a:t>” “</a:t>
+              <a:t>’. If you run into problems when installing this library, you may need to download, build and install </a:t>
             </a:r>
             <a:r>
               <a:rPr lang="en-US" dirty="0" err="1" smtClean="0"/>
-              <a:t>hw_date</a:t>
+              <a:t>PyCrypto</a:t>
             </a:r>
             <a:r>
               <a:rPr lang="en-US" dirty="0" smtClean="0"/>
-              <a:t>” “</a:t>
+              <a:t> @ </a:t>
+            </a:r>
+            <a:r>
+              <a:rPr lang="en-US" dirty="0" smtClean="0">
+                <a:hlinkClick r:id="rId3"/>
+              </a:rPr>
+              <a:t>https://pypi.org/project/pycrypto/</a:t>
+            </a:r>
+            <a:r>
+              <a:rPr lang="en-US" dirty="0" smtClean="0"/>
+              <a:t>. If you STILL are running into problems (on Windows systems), then go to </a:t>
+            </a:r>
+            <a:r>
+              <a:rPr lang="en-US" dirty="0" smtClean="0">
+                <a:hlinkClick r:id="rId4"/>
+              </a:rPr>
+              <a:t>http://www.voidspace.org.uk/python/modules.shtml#pycrypto</a:t>
+            </a:r>
+            <a:r>
+              <a:rPr lang="en-US" dirty="0" smtClean="0"/>
+              <a:t> and match your OS version and your Python version with a matching </a:t>
             </a:r>
             <a:r>
               <a:rPr lang="en-US" dirty="0" err="1" smtClean="0"/>
-              <a:t>hw</a:t>
+              <a:t>PyCrypto</a:t>
             </a:r>
             <a:r>
               <a:rPr lang="en-US" dirty="0" smtClean="0"/>
-              <a:t> item” “</a:t>
+              <a:t> version found here.</a:t>
+            </a:r>
+          </a:p>
+          <a:p>
+            <a:pPr marL="342900" indent="-342900">
+              <a:buAutoNum type="arabicParenR"/>
+            </a:pPr>
+            <a:r>
+              <a:rPr lang="en-US" dirty="0" smtClean="0"/>
+              <a:t>To download the Google Spreadsheet Updater, go </a:t>
+            </a:r>
+            <a:r>
+              <a:rPr lang="en-US" dirty="0"/>
+              <a:t>to </a:t>
+            </a:r>
+            <a:r>
+              <a:rPr lang="en-US" dirty="0">
+                <a:hlinkClick r:id="rId5"/>
+              </a:rPr>
+              <a:t>https://</a:t>
+            </a:r>
+            <a:r>
+              <a:rPr lang="en-US" dirty="0" smtClean="0">
+                <a:hlinkClick r:id="rId5"/>
+              </a:rPr>
+              <a:t>github.com/tthale/Google_Spreadsheet_Updater</a:t>
+            </a:r>
+            <a:r>
+              <a:rPr lang="en-US" dirty="0" smtClean="0"/>
+              <a:t> and put </a:t>
+            </a:r>
+            <a:r>
+              <a:rPr lang="en-US" dirty="0"/>
+              <a:t>it in a </a:t>
             </a:r>
             <a:r>
               <a:rPr lang="en-US" dirty="0" err="1" smtClean="0"/>
-              <a:t>due_date</a:t>
+              <a:t>Google_Spreadsheet_Updater</a:t>
             </a:r>
             <a:r>
               <a:rPr lang="en-US" dirty="0" smtClean="0"/>
-              <a:t>” “status” “submission” “comment”</a:t>
-            </a:r>
+              <a:t> subdirectory on your system.</a:t>
+            </a:r>
+          </a:p>
+          <a:p>
+            <a:pPr marL="342900" indent="-342900">
+              <a:buAutoNum type="arabicParenR"/>
+            </a:pPr>
+            <a:r>
+              <a:rPr lang="en-US" dirty="0" smtClean="0"/>
+              <a:t>Download the Windows Chrome Selenium </a:t>
+            </a:r>
+            <a:r>
+              <a:rPr lang="en-US" dirty="0"/>
+              <a:t>driver @ </a:t>
+            </a:r>
+            <a:r>
+              <a:rPr lang="en-US" dirty="0">
+                <a:hlinkClick r:id="rId6"/>
+              </a:rPr>
+              <a:t>http://</a:t>
+            </a:r>
+            <a:r>
+              <a:rPr lang="en-US" dirty="0" smtClean="0">
+                <a:hlinkClick r:id="rId6"/>
+              </a:rPr>
+              <a:t>chromedriver.chromium.org/downloads</a:t>
+            </a:r>
+            <a:r>
+              <a:rPr lang="en-US" dirty="0" smtClean="0"/>
+              <a:t>. Be sure to match your version of your Chrome browser to this driver. Install this driver in a location you’ll remember (since the </a:t>
+            </a:r>
+            <a:r>
+              <a:rPr lang="en-US" dirty="0"/>
+              <a:t>location </a:t>
+            </a:r>
+            <a:r>
+              <a:rPr lang="en-US" dirty="0" smtClean="0"/>
+              <a:t>needs to be configured with the Homework Crawler)</a:t>
+            </a:r>
+          </a:p>
+          <a:p>
+            <a:pPr marL="342900" indent="-342900">
+              <a:buAutoNum type="arabicParenR"/>
+            </a:pPr>
             <a:endParaRPr lang="en-US" dirty="0"/>
           </a:p>
         </p:txBody>
       </p:sp>
-      <p:cxnSp>
-        <p:nvCxnSpPr>
-          <p:cNvPr id="17" name="Straight Arrow Connector 16"/>
-          <p:cNvCxnSpPr/>
-          <p:nvPr/>
-        </p:nvCxnSpPr>
-        <p:spPr>
-          <a:xfrm flipH="1">
-            <a:off x="1481868" y="4204629"/>
-            <a:ext cx="4110" cy="410429"/>
-          </a:xfrm>
-          <a:prstGeom prst="straightConnector1">
-            <a:avLst/>
-          </a:prstGeom>
-          <a:ln>
-            <a:tailEnd type="arrow"/>
-          </a:ln>
-        </p:spPr>
-        <p:style>
-          <a:lnRef idx="1">
-            <a:schemeClr val="accent1"/>
-          </a:lnRef>
-          <a:fillRef idx="0">
-            <a:schemeClr val="accent1"/>
-          </a:fillRef>
-          <a:effectRef idx="0">
-            <a:schemeClr val="accent1"/>
-          </a:effectRef>
-          <a:fontRef idx="minor">
-            <a:schemeClr val="tx1"/>
-          </a:fontRef>
-        </p:style>
-      </p:cxnSp>
-      <p:cxnSp>
-        <p:nvCxnSpPr>
-          <p:cNvPr id="18" name="Straight Connector 17"/>
-          <p:cNvCxnSpPr/>
-          <p:nvPr/>
-        </p:nvCxnSpPr>
-        <p:spPr>
-          <a:xfrm>
-            <a:off x="1524000" y="4427101"/>
-            <a:ext cx="1634112" cy="0"/>
-          </a:xfrm>
-          <a:prstGeom prst="line">
-            <a:avLst/>
-          </a:prstGeom>
-          <a:ln>
-            <a:prstDash val="dash"/>
-          </a:ln>
-        </p:spPr>
-        <p:style>
-          <a:lnRef idx="1">
-            <a:schemeClr val="accent1"/>
-          </a:lnRef>
-          <a:fillRef idx="0">
-            <a:schemeClr val="accent1"/>
-          </a:fillRef>
-          <a:effectRef idx="0">
-            <a:schemeClr val="accent1"/>
-          </a:effectRef>
-          <a:fontRef idx="minor">
-            <a:schemeClr val="tx1"/>
-          </a:fontRef>
-        </p:style>
-      </p:cxnSp>
-      <p:sp>
-        <p:nvSpPr>
-          <p:cNvPr id="19" name="TextBox 18"/>
+    </p:spTree>
+    <p:extLst>
+      <p:ext uri="{BB962C8B-B14F-4D97-AF65-F5344CB8AC3E}">
+        <p14:creationId xmlns:p14="http://schemas.microsoft.com/office/powerpoint/2010/main" val="34897884"/>
+      </p:ext>
+    </p:extLst>
+  </p:cSld>
+  <p:clrMapOvr>
+    <a:masterClrMapping/>
+  </p:clrMapOvr>
+</p:sld>
+</file>
+
+<file path=ppt/slides/slide9.xml><?xml version="1.0" encoding="utf-8"?>
+<p:sld xmlns:a="http://schemas.openxmlformats.org/drawingml/2006/main" xmlns:r="http://schemas.openxmlformats.org/officeDocument/2006/relationships" xmlns:p="http://schemas.openxmlformats.org/presentationml/2006/main">
+  <p:cSld>
+    <p:spTree>
+      <p:nvGrpSpPr>
+        <p:cNvPr id="1" name=""/>
+        <p:cNvGrpSpPr/>
+        <p:nvPr/>
+      </p:nvGrpSpPr>
+      <p:grpSpPr>
+        <a:xfrm>
+          <a:off x="0" y="0"/>
+          <a:ext cx="0" cy="0"/>
+          <a:chOff x="0" y="0"/>
+          <a:chExt cx="0" cy="0"/>
+        </a:xfrm>
+      </p:grpSpPr>
+      <p:sp>
+        <p:nvSpPr>
+          <p:cNvPr id="2" name="TextBox 1"/>
           <p:cNvSpPr txBox="1"/>
           <p:nvPr/>
         </p:nvSpPr>
         <p:spPr>
           <a:xfrm>
-            <a:off x="3124200" y="5253335"/>
-            <a:ext cx="6019800" cy="923330"/>
+            <a:off x="990600" y="393281"/>
+            <a:ext cx="7109639" cy="461665"/>
+          </a:xfrm>
+          <a:prstGeom prst="rect">
+            <a:avLst/>
+          </a:prstGeom>
+          <a:noFill/>
+        </p:spPr>
+        <p:txBody>
+          <a:bodyPr wrap="none" rtlCol="0">
+            <a:spAutoFit/>
+          </a:bodyPr>
+          <a:lstStyle/>
+          <a:p>
+            <a:r>
+              <a:rPr lang="en-US" sz="2400" dirty="0" smtClean="0"/>
+              <a:t>Detailed what to-do information and links (</a:t>
+            </a:r>
+            <a:r>
+              <a:rPr lang="en-US" sz="2400" dirty="0" err="1" smtClean="0"/>
+              <a:t>con’t</a:t>
+            </a:r>
+            <a:r>
+              <a:rPr lang="en-US" sz="2400" dirty="0" smtClean="0"/>
+              <a:t>) </a:t>
+            </a:r>
+            <a:endParaRPr lang="en-US" sz="2400" dirty="0"/>
+          </a:p>
+        </p:txBody>
+      </p:sp>
+      <p:sp>
+        <p:nvSpPr>
+          <p:cNvPr id="3" name="TextBox 2"/>
+          <p:cNvSpPr txBox="1"/>
+          <p:nvPr/>
+        </p:nvSpPr>
+        <p:spPr>
+          <a:xfrm>
+            <a:off x="373743" y="990600"/>
+            <a:ext cx="8458200" cy="5355312"/>
           </a:xfrm>
           <a:prstGeom prst="rect">
             <a:avLst/>
@@ -7128,411 +9761,113 @@
           <a:lstStyle/>
           <a:p>
             <a:r>
+              <a:rPr lang="en-US" dirty="0"/>
+              <a:t>There's several components that need to be installed to get the Java-based Homework Crawler to interact correctly with the Python-based components of the Google Spreadsheet Filler application. In between, there are more shell and Python adapters performing the necessary argument processing for the two major halves.</a:t>
+            </a:r>
+          </a:p>
+          <a:p>
+            <a:endParaRPr lang="en" dirty="0"/>
+          </a:p>
+          <a:p>
+            <a:r>
+              <a:rPr lang="en-US" dirty="0"/>
+              <a:t>a) Install JVM - </a:t>
+            </a:r>
+            <a:r>
               <a:rPr lang="en-US" dirty="0" smtClean="0"/>
-              <a:t>“</a:t>
-            </a:r>
-            <a:r>
-              <a:rPr lang="en-US" dirty="0" err="1" smtClean="0"/>
-              <a:t>sprd_sht_nm</a:t>
+              <a:t>minimum </a:t>
+            </a:r>
+            <a:r>
+              <a:rPr lang="en-US" dirty="0"/>
+              <a:t>version 8, @  </a:t>
+            </a:r>
+            <a:r>
+              <a:rPr lang="en-US" dirty="0">
+                <a:hlinkClick r:id="rId2"/>
+              </a:rPr>
+              <a:t>https://www.java.com/en/download/ (check if already installed by executing java --version)</a:t>
+            </a:r>
+          </a:p>
+          <a:p>
+            <a:r>
+              <a:rPr lang="en-US" dirty="0"/>
+              <a:t>b) Optionally, check out the </a:t>
+            </a:r>
+            <a:r>
+              <a:rPr lang="en-US" dirty="0" err="1"/>
+              <a:t>HomeworkCrawler</a:t>
+            </a:r>
+            <a:r>
+              <a:rPr lang="en-US" dirty="0"/>
+              <a:t> project @ </a:t>
+            </a:r>
+            <a:r>
+              <a:rPr lang="en-US" dirty="0">
+                <a:hlinkClick r:id="rId3"/>
+              </a:rPr>
+              <a:t>https://github.com/lhale/VCHS_HomeworkCrawler.git (that will cover the executable HomeworkCrawler.jar file and the runSpreadsheetUpdater.sh adapter program .</a:t>
+            </a:r>
+          </a:p>
+          <a:p>
+            <a:r>
+              <a:rPr lang="en-US" dirty="0"/>
+              <a:t>c) Install </a:t>
+            </a:r>
+            <a:r>
+              <a:rPr lang="en-US" dirty="0" err="1"/>
+              <a:t>Git</a:t>
+            </a:r>
+            <a:r>
+              <a:rPr lang="en-US" dirty="0"/>
+              <a:t> bash @ </a:t>
+            </a:r>
+            <a:r>
+              <a:rPr lang="en-US" dirty="0">
+                <a:hlinkClick r:id="rId4"/>
+              </a:rPr>
+              <a:t>https://git-scm.com/downloads</a:t>
+            </a:r>
+          </a:p>
+          <a:p>
+            <a:r>
+              <a:rPr lang="en-US" dirty="0"/>
+              <a:t>d) Install Python - minimum version 2.7.14 </a:t>
             </a:r>
             <a:r>
               <a:rPr lang="en-US" dirty="0" smtClean="0"/>
-              <a:t>” “</a:t>
-            </a:r>
-            <a:r>
-              <a:rPr lang="en-US" dirty="0" err="1" smtClean="0"/>
-              <a:t>wrk_sht_nm</a:t>
+              <a:t>@ </a:t>
+            </a:r>
+            <a:r>
+              <a:rPr lang="en-US" dirty="0" smtClean="0">
+                <a:hlinkClick r:id="rId5"/>
+              </a:rPr>
+              <a:t>https://python.org</a:t>
             </a:r>
             <a:r>
               <a:rPr lang="en-US" dirty="0" smtClean="0"/>
-              <a:t>” “date” “</a:t>
-            </a:r>
-            <a:r>
-              <a:rPr lang="en-US" dirty="0" err="1" smtClean="0"/>
-              <a:t>class_nm</a:t>
-            </a:r>
-            <a:r>
-              <a:rPr lang="en-US" dirty="0" smtClean="0"/>
-              <a:t>” “</a:t>
-            </a:r>
-            <a:r>
-              <a:rPr lang="en-US" dirty="0" err="1" smtClean="0"/>
-              <a:t>hw_date</a:t>
-            </a:r>
-            <a:r>
-              <a:rPr lang="en-US" dirty="0" smtClean="0"/>
-              <a:t>” “</a:t>
-            </a:r>
-            <a:r>
-              <a:rPr lang="en-US" dirty="0" err="1" smtClean="0"/>
-              <a:t>hw</a:t>
-            </a:r>
-            <a:r>
-              <a:rPr lang="en-US" dirty="0" smtClean="0"/>
-              <a:t> item” “</a:t>
-            </a:r>
-            <a:r>
-              <a:rPr lang="en-US" dirty="0" err="1" smtClean="0"/>
-              <a:t>due_date</a:t>
-            </a:r>
-            <a:r>
-              <a:rPr lang="en-US" dirty="0" smtClean="0"/>
-              <a:t>” “status” “submission” “comment”</a:t>
-            </a:r>
-            <a:endParaRPr lang="en-US" dirty="0"/>
-          </a:p>
-        </p:txBody>
-      </p:sp>
-      <p:cxnSp>
-        <p:nvCxnSpPr>
-          <p:cNvPr id="20" name="Straight Arrow Connector 19"/>
-          <p:cNvCxnSpPr/>
-          <p:nvPr/>
-        </p:nvCxnSpPr>
-        <p:spPr>
-          <a:xfrm flipH="1">
-            <a:off x="1484263" y="5257800"/>
-            <a:ext cx="4110" cy="410429"/>
-          </a:xfrm>
-          <a:prstGeom prst="straightConnector1">
-            <a:avLst/>
-          </a:prstGeom>
-          <a:ln>
-            <a:tailEnd type="arrow"/>
-          </a:ln>
-        </p:spPr>
-        <p:style>
-          <a:lnRef idx="1">
-            <a:schemeClr val="accent1"/>
-          </a:lnRef>
-          <a:fillRef idx="0">
-            <a:schemeClr val="accent1"/>
-          </a:fillRef>
-          <a:effectRef idx="0">
-            <a:schemeClr val="accent1"/>
-          </a:effectRef>
-          <a:fontRef idx="minor">
-            <a:schemeClr val="tx1"/>
-          </a:fontRef>
-        </p:style>
-      </p:cxnSp>
-      <p:cxnSp>
-        <p:nvCxnSpPr>
-          <p:cNvPr id="21" name="Straight Connector 20"/>
-          <p:cNvCxnSpPr/>
-          <p:nvPr/>
-        </p:nvCxnSpPr>
-        <p:spPr>
-          <a:xfrm>
-            <a:off x="1524000" y="5470515"/>
-            <a:ext cx="1634112" cy="0"/>
-          </a:xfrm>
-          <a:prstGeom prst="line">
-            <a:avLst/>
-          </a:prstGeom>
-          <a:ln>
-            <a:prstDash val="dash"/>
-          </a:ln>
-        </p:spPr>
-        <p:style>
-          <a:lnRef idx="1">
-            <a:schemeClr val="accent1"/>
-          </a:lnRef>
-          <a:fillRef idx="0">
-            <a:schemeClr val="accent1"/>
-          </a:fillRef>
-          <a:effectRef idx="0">
-            <a:schemeClr val="accent1"/>
-          </a:effectRef>
-          <a:fontRef idx="minor">
-            <a:schemeClr val="tx1"/>
-          </a:fontRef>
-        </p:style>
-      </p:cxnSp>
-      <p:sp>
-        <p:nvSpPr>
-          <p:cNvPr id="22" name="TextBox 21"/>
-          <p:cNvSpPr txBox="1"/>
-          <p:nvPr/>
-        </p:nvSpPr>
-        <p:spPr>
-          <a:xfrm>
-            <a:off x="4724400" y="2047004"/>
-            <a:ext cx="2377190" cy="369332"/>
-          </a:xfrm>
-          <a:prstGeom prst="rect">
-            <a:avLst/>
-          </a:prstGeom>
-          <a:noFill/>
-        </p:spPr>
-        <p:txBody>
-          <a:bodyPr wrap="square" rtlCol="0">
-            <a:spAutoFit/>
-          </a:bodyPr>
-          <a:lstStyle/>
-          <a:p>
-            <a:r>
-              <a:rPr lang="en-US" u="sng" dirty="0" smtClean="0"/>
-              <a:t>Arguments passed</a:t>
-            </a:r>
-            <a:r>
-              <a:rPr lang="en-US" dirty="0" smtClean="0"/>
-              <a:t>:</a:t>
-            </a:r>
-            <a:endParaRPr lang="en-US" dirty="0"/>
-          </a:p>
-        </p:txBody>
-      </p:sp>
-      <p:sp>
-        <p:nvSpPr>
-          <p:cNvPr id="23" name="TextBox 22"/>
-          <p:cNvSpPr txBox="1"/>
-          <p:nvPr/>
-        </p:nvSpPr>
-        <p:spPr>
-          <a:xfrm>
-            <a:off x="3756910" y="3697905"/>
-            <a:ext cx="5387090" cy="369332"/>
-          </a:xfrm>
-          <a:prstGeom prst="rect">
-            <a:avLst/>
-          </a:prstGeom>
-          <a:noFill/>
-        </p:spPr>
-        <p:txBody>
-          <a:bodyPr wrap="square" rtlCol="0">
-            <a:spAutoFit/>
-          </a:bodyPr>
-          <a:lstStyle/>
-          <a:p>
-            <a:r>
-              <a:rPr lang="en-US" dirty="0" smtClean="0"/>
-              <a:t>(Intermediary between Java, the OS and Python</a:t>
+              <a:t> (check </a:t>
             </a:r>
             <a:r>
               <a:rPr lang="en-US" dirty="0"/>
-              <a:t>)</a:t>
-            </a:r>
-          </a:p>
-        </p:txBody>
-      </p:sp>
-      <p:cxnSp>
-        <p:nvCxnSpPr>
-          <p:cNvPr id="24" name="Straight Arrow Connector 23"/>
-          <p:cNvCxnSpPr>
-            <a:stCxn id="23" idx="1"/>
-            <a:endCxn id="6" idx="3"/>
-          </p:cNvCxnSpPr>
-          <p:nvPr/>
-        </p:nvCxnSpPr>
-        <p:spPr>
-          <a:xfrm flipH="1">
-            <a:off x="3352800" y="3882571"/>
-            <a:ext cx="404110" cy="0"/>
-          </a:xfrm>
-          <a:prstGeom prst="straightConnector1">
-            <a:avLst/>
-          </a:prstGeom>
-          <a:ln>
-            <a:tailEnd type="arrow"/>
-          </a:ln>
-        </p:spPr>
-        <p:style>
-          <a:lnRef idx="1">
-            <a:schemeClr val="accent1"/>
-          </a:lnRef>
-          <a:fillRef idx="0">
-            <a:schemeClr val="accent1"/>
-          </a:fillRef>
-          <a:effectRef idx="0">
-            <a:schemeClr val="accent1"/>
-          </a:effectRef>
-          <a:fontRef idx="minor">
-            <a:schemeClr val="tx1"/>
-          </a:fontRef>
-        </p:style>
-      </p:cxnSp>
-      <p:sp>
-        <p:nvSpPr>
-          <p:cNvPr id="29" name="TextBox 28"/>
-          <p:cNvSpPr txBox="1"/>
-          <p:nvPr/>
-        </p:nvSpPr>
-        <p:spPr>
-          <a:xfrm>
-            <a:off x="-38100" y="6278546"/>
-            <a:ext cx="9144000" cy="584775"/>
-          </a:xfrm>
-          <a:prstGeom prst="rect">
-            <a:avLst/>
-          </a:prstGeom>
-          <a:noFill/>
-        </p:spPr>
-        <p:txBody>
-          <a:bodyPr wrap="square" rtlCol="0">
-            <a:spAutoFit/>
-          </a:bodyPr>
-          <a:lstStyle/>
-          <a:p>
-            <a:r>
-              <a:rPr lang="en-US" sz="1600" u="sng" dirty="0" smtClean="0"/>
-              <a:t>Where</a:t>
-            </a:r>
-            <a:r>
-              <a:rPr lang="en-US" sz="1600" dirty="0" smtClean="0"/>
-              <a:t>: </a:t>
-            </a:r>
-            <a:r>
-              <a:rPr lang="en-US" sz="1600" dirty="0" err="1" smtClean="0"/>
-              <a:t>rsu</a:t>
-            </a:r>
-            <a:r>
-              <a:rPr lang="en-US" sz="1600" dirty="0" smtClean="0"/>
-              <a:t>=runSpreadsheetUpdater.sh, </a:t>
-            </a:r>
-            <a:r>
-              <a:rPr lang="en-US" sz="1600" dirty="0" err="1" smtClean="0"/>
-              <a:t>getopts_loc</a:t>
-            </a:r>
-            <a:r>
-              <a:rPr lang="en-US" sz="1600" dirty="0" smtClean="0"/>
-              <a:t>=full pathname to getopts.py,  </a:t>
-            </a:r>
-            <a:r>
-              <a:rPr lang="en-US" sz="1600" dirty="0" err="1" smtClean="0"/>
-              <a:t>sprd_sht_nm</a:t>
-            </a:r>
-            <a:r>
-              <a:rPr lang="en-US" sz="1600" dirty="0" smtClean="0"/>
-              <a:t>=user’s Google spreadsheet name, </a:t>
-            </a:r>
-            <a:r>
-              <a:rPr lang="en-US" sz="1600" dirty="0" err="1" smtClean="0"/>
-              <a:t>wrk_sht_nm</a:t>
-            </a:r>
-            <a:r>
-              <a:rPr lang="en-US" sz="1600" dirty="0" smtClean="0"/>
-              <a:t>=current </a:t>
-            </a:r>
-            <a:r>
-              <a:rPr lang="en-US" sz="1600" dirty="0" err="1" smtClean="0"/>
-              <a:t>month_day</a:t>
-            </a:r>
-            <a:r>
-              <a:rPr lang="en-US" sz="1600" dirty="0" smtClean="0"/>
-              <a:t> worksheet name</a:t>
-            </a:r>
-            <a:endParaRPr lang="en-US" sz="1600" dirty="0"/>
-          </a:p>
-        </p:txBody>
-      </p:sp>
-      <p:sp>
-        <p:nvSpPr>
-          <p:cNvPr id="30" name="Arc 29"/>
-          <p:cNvSpPr/>
-          <p:nvPr/>
-        </p:nvSpPr>
-        <p:spPr>
-          <a:xfrm flipH="1">
-            <a:off x="152398" y="3882571"/>
-            <a:ext cx="457201" cy="2090458"/>
-          </a:xfrm>
-          <a:prstGeom prst="arc">
-            <a:avLst/>
-          </a:prstGeom>
-          <a:ln>
-            <a:prstDash val="lgDash"/>
-          </a:ln>
-        </p:spPr>
-        <p:style>
-          <a:lnRef idx="1">
-            <a:schemeClr val="accent1"/>
-          </a:lnRef>
-          <a:fillRef idx="0">
-            <a:schemeClr val="accent1"/>
-          </a:fillRef>
-          <a:effectRef idx="0">
-            <a:schemeClr val="accent1"/>
-          </a:effectRef>
-          <a:fontRef idx="minor">
-            <a:schemeClr val="tx1"/>
-          </a:fontRef>
-        </p:style>
-        <p:txBody>
-          <a:bodyPr rtlCol="0" anchor="ctr"/>
-          <a:lstStyle/>
-          <a:p>
-            <a:pPr algn="ctr"/>
-            <a:endParaRPr lang="en-US"/>
-          </a:p>
-        </p:txBody>
-      </p:sp>
-      <p:sp>
-        <p:nvSpPr>
-          <p:cNvPr id="31" name="Arc 30"/>
-          <p:cNvSpPr/>
-          <p:nvPr/>
-        </p:nvSpPr>
-        <p:spPr>
-          <a:xfrm flipH="1" flipV="1">
-            <a:off x="152399" y="3882571"/>
-            <a:ext cx="457200" cy="2090458"/>
-          </a:xfrm>
-          <a:prstGeom prst="arc">
-            <a:avLst/>
-          </a:prstGeom>
-          <a:ln>
-            <a:prstDash val="dash"/>
-          </a:ln>
-        </p:spPr>
-        <p:style>
-          <a:lnRef idx="1">
-            <a:schemeClr val="accent1"/>
-          </a:lnRef>
-          <a:fillRef idx="0">
-            <a:schemeClr val="accent1"/>
-          </a:fillRef>
-          <a:effectRef idx="0">
-            <a:schemeClr val="accent1"/>
-          </a:effectRef>
-          <a:fontRef idx="minor">
-            <a:schemeClr val="tx1"/>
-          </a:fontRef>
-        </p:style>
-        <p:txBody>
-          <a:bodyPr rtlCol="0" anchor="ctr"/>
-          <a:lstStyle/>
-          <a:p>
-            <a:pPr algn="ctr"/>
-            <a:endParaRPr lang="en-US"/>
-          </a:p>
-        </p:txBody>
-      </p:sp>
-      <p:sp>
-        <p:nvSpPr>
-          <p:cNvPr id="32" name="TextBox 31"/>
-          <p:cNvSpPr txBox="1"/>
-          <p:nvPr/>
-        </p:nvSpPr>
-        <p:spPr>
-          <a:xfrm>
-            <a:off x="-347898" y="5285849"/>
-            <a:ext cx="1000595" cy="369332"/>
-          </a:xfrm>
-          <a:prstGeom prst="rect">
-            <a:avLst/>
-          </a:prstGeom>
-          <a:noFill/>
-        </p:spPr>
-        <p:txBody>
-          <a:bodyPr wrap="none" rtlCol="0">
-            <a:spAutoFit/>
-          </a:bodyPr>
-          <a:lstStyle/>
-          <a:p>
-            <a:r>
-              <a:rPr lang="en-US" dirty="0" smtClean="0"/>
-              <a:t>(future)</a:t>
+              <a:t>if already installed by executing python --version)</a:t>
+            </a:r>
+          </a:p>
+          <a:p>
+            <a:r>
+              <a:rPr lang="en-US" dirty="0"/>
+              <a:t>e) Install pip via instructions @ </a:t>
+            </a:r>
+            <a:r>
+              <a:rPr lang="en-US" dirty="0">
+                <a:hlinkClick r:id="rId6"/>
+              </a:rPr>
+              <a:t>https://www.makeuseof.com/tag/install-pip-for-python/ and verify it's installed in the Scripts subdirectory of where your Python is installed (which means this subdirectory should be in your system's PATH</a:t>
+            </a:r>
+            <a:r>
+              <a:rPr lang="en-US" dirty="0" smtClean="0">
+                <a:hlinkClick r:id="rId6"/>
+              </a:rPr>
+              <a:t>).</a:t>
             </a:r>
             <a:endParaRPr lang="en-US" dirty="0"/>
           </a:p>
@@ -7541,7 +9876,7 @@
     </p:spTree>
     <p:extLst>
       <p:ext uri="{BB962C8B-B14F-4D97-AF65-F5344CB8AC3E}">
-        <p14:creationId xmlns:p14="http://schemas.microsoft.com/office/powerpoint/2010/main" val="3468741410"/>
+        <p14:creationId xmlns:p14="http://schemas.microsoft.com/office/powerpoint/2010/main" val="2550857977"/>
       </p:ext>
     </p:extLst>
   </p:cSld>

--- a/docs/HomeworkCrawler.pptx
+++ b/docs/HomeworkCrawler.pptx
@@ -541,7 +541,7 @@
           <a:p>
             <a:fld id="{98F3FB35-C343-48D0-B8D3-5ED2C69C53EF}" type="datetimeFigureOut">
               <a:rPr lang="en-US" smtClean="0"/>
-              <a:t>11/5/2019</a:t>
+              <a:t>1/2/2020</a:t>
             </a:fld>
             <a:endParaRPr lang="en-US"/>
           </a:p>
@@ -753,7 +753,7 @@
           <a:p>
             <a:fld id="{98F3FB35-C343-48D0-B8D3-5ED2C69C53EF}" type="datetimeFigureOut">
               <a:rPr lang="en-US" smtClean="0"/>
-              <a:t>11/5/2019</a:t>
+              <a:t>1/2/2020</a:t>
             </a:fld>
             <a:endParaRPr lang="en-US"/>
           </a:p>
@@ -940,7 +940,7 @@
           <a:p>
             <a:fld id="{98F3FB35-C343-48D0-B8D3-5ED2C69C53EF}" type="datetimeFigureOut">
               <a:rPr lang="en-US" smtClean="0"/>
-              <a:t>11/5/2019</a:t>
+              <a:t>1/2/2020</a:t>
             </a:fld>
             <a:endParaRPr lang="en-US"/>
           </a:p>
@@ -1037,7 +1037,7 @@
           <a:p>
             <a:fld id="{98F3FB35-C343-48D0-B8D3-5ED2C69C53EF}" type="datetimeFigureOut">
               <a:rPr lang="en-US" smtClean="0"/>
-              <a:t>11/5/2019</a:t>
+              <a:t>1/2/2020</a:t>
             </a:fld>
             <a:endParaRPr lang="en-US"/>
           </a:p>
@@ -1633,7 +1633,7 @@
           <a:p>
             <a:fld id="{98F3FB35-C343-48D0-B8D3-5ED2C69C53EF}" type="datetimeFigureOut">
               <a:rPr lang="en-US" smtClean="0"/>
-              <a:t>11/5/2019</a:t>
+              <a:t>1/2/2020</a:t>
             </a:fld>
             <a:endParaRPr lang="en-US"/>
           </a:p>
@@ -1730,7 +1730,7 @@
           <a:p>
             <a:fld id="{98F3FB35-C343-48D0-B8D3-5ED2C69C53EF}" type="datetimeFigureOut">
               <a:rPr lang="en-US" smtClean="0"/>
-              <a:t>11/5/2019</a:t>
+              <a:t>1/2/2020</a:t>
             </a:fld>
             <a:endParaRPr lang="en-US"/>
           </a:p>
@@ -2335,7 +2335,7 @@
           <a:p>
             <a:fld id="{98F3FB35-C343-48D0-B8D3-5ED2C69C53EF}" type="datetimeFigureOut">
               <a:rPr lang="en-US" smtClean="0"/>
-              <a:t>11/5/2019</a:t>
+              <a:t>1/2/2020</a:t>
             </a:fld>
             <a:endParaRPr lang="en-US"/>
           </a:p>
@@ -2478,7 +2478,7 @@
           <a:p>
             <a:fld id="{98F3FB35-C343-48D0-B8D3-5ED2C69C53EF}" type="datetimeFigureOut">
               <a:rPr lang="en-US" smtClean="0"/>
-              <a:t>11/5/2019</a:t>
+              <a:t>1/2/2020</a:t>
             </a:fld>
             <a:endParaRPr lang="en-US"/>
           </a:p>
@@ -2575,7 +2575,7 @@
           <a:p>
             <a:fld id="{98F3FB35-C343-48D0-B8D3-5ED2C69C53EF}" type="datetimeFigureOut">
               <a:rPr lang="en-US" smtClean="0"/>
-              <a:t>11/5/2019</a:t>
+              <a:t>1/2/2020</a:t>
             </a:fld>
             <a:endParaRPr lang="en-US"/>
           </a:p>
@@ -2859,7 +2859,7 @@
           <a:p>
             <a:fld id="{98F3FB35-C343-48D0-B8D3-5ED2C69C53EF}" type="datetimeFigureOut">
               <a:rPr lang="en-US" smtClean="0"/>
-              <a:t>11/5/2019</a:t>
+              <a:t>1/2/2020</a:t>
             </a:fld>
             <a:endParaRPr lang="en-US"/>
           </a:p>
@@ -3381,7 +3381,7 @@
           <a:p>
             <a:fld id="{98F3FB35-C343-48D0-B8D3-5ED2C69C53EF}" type="datetimeFigureOut">
               <a:rPr lang="en-US" smtClean="0"/>
-              <a:t>11/5/2019</a:t>
+              <a:t>1/2/2020</a:t>
             </a:fld>
             <a:endParaRPr lang="en-US"/>
           </a:p>
@@ -3901,7 +3901,7 @@
           <a:p>
             <a:fld id="{98F3FB35-C343-48D0-B8D3-5ED2C69C53EF}" type="datetimeFigureOut">
               <a:rPr lang="en-US" smtClean="0"/>
-              <a:t>11/5/2019</a:t>
+              <a:t>1/2/2020</a:t>
             </a:fld>
             <a:endParaRPr lang="en-US"/>
           </a:p>
@@ -4562,6 +4562,57 @@
           </a:extLst>
         </p:spPr>
       </p:pic>
+      <p:sp>
+        <p:nvSpPr>
+          <p:cNvPr id="2" name="TextBox 1"/>
+          <p:cNvSpPr txBox="1"/>
+          <p:nvPr/>
+        </p:nvSpPr>
+        <p:spPr>
+          <a:xfrm>
+            <a:off x="0" y="57834"/>
+            <a:ext cx="9017212" cy="646331"/>
+          </a:xfrm>
+          <a:prstGeom prst="rect">
+            <a:avLst/>
+          </a:prstGeom>
+          <a:noFill/>
+        </p:spPr>
+        <p:txBody>
+          <a:bodyPr wrap="none" rtlCol="0">
+            <a:spAutoFit/>
+          </a:bodyPr>
+          <a:lstStyle/>
+          <a:p>
+            <a:r>
+              <a:rPr lang="en-US" dirty="0" smtClean="0"/>
+              <a:t>NOTE: This doc moved to Tom’s </a:t>
+            </a:r>
+            <a:r>
+              <a:rPr lang="en-US" dirty="0" err="1" smtClean="0"/>
+              <a:t>Gdocs</a:t>
+            </a:r>
+            <a:r>
+              <a:rPr lang="en-US" dirty="0"/>
+              <a:t> </a:t>
+            </a:r>
+            <a:r>
+              <a:rPr lang="en-US" dirty="0" smtClean="0"/>
+              <a:t>@</a:t>
+            </a:r>
+          </a:p>
+          <a:p>
+            <a:r>
+              <a:rPr lang="en-US" dirty="0" smtClean="0"/>
+              <a:t>https</a:t>
+            </a:r>
+            <a:r>
+              <a:rPr lang="en-US" dirty="0"/>
+              <a:t>://drive.google.com/drive/u/0/folders/1HL6VSMSldBhIBpAMPGwQkbs7r1q60ktv</a:t>
+            </a:r>
+          </a:p>
+        </p:txBody>
+      </p:sp>
     </p:spTree>
     <p:extLst>
       <p:ext uri="{BB962C8B-B14F-4D97-AF65-F5344CB8AC3E}">
